--- a/graphs.pptx
+++ b/graphs.pptx
@@ -275,7 +275,7 @@
           <a:p>
             <a:fld id="{F46474C2-B3F1-3F43-9237-15FC801B4913}" type="datetimeFigureOut">
               <a:rPr lang="en-US" smtClean="0"/>
-              <a:t>5/9/22</a:t>
+              <a:t>5/23/22</a:t>
             </a:fld>
             <a:endParaRPr lang="en-US"/>
           </a:p>
@@ -473,7 +473,7 @@
           <a:p>
             <a:fld id="{F46474C2-B3F1-3F43-9237-15FC801B4913}" type="datetimeFigureOut">
               <a:rPr lang="en-US" smtClean="0"/>
-              <a:t>5/9/22</a:t>
+              <a:t>5/23/22</a:t>
             </a:fld>
             <a:endParaRPr lang="en-US"/>
           </a:p>
@@ -681,7 +681,7 @@
           <a:p>
             <a:fld id="{F46474C2-B3F1-3F43-9237-15FC801B4913}" type="datetimeFigureOut">
               <a:rPr lang="en-US" smtClean="0"/>
-              <a:t>5/9/22</a:t>
+              <a:t>5/23/22</a:t>
             </a:fld>
             <a:endParaRPr lang="en-US"/>
           </a:p>
@@ -879,7 +879,7 @@
           <a:p>
             <a:fld id="{F46474C2-B3F1-3F43-9237-15FC801B4913}" type="datetimeFigureOut">
               <a:rPr lang="en-US" smtClean="0"/>
-              <a:t>5/9/22</a:t>
+              <a:t>5/23/22</a:t>
             </a:fld>
             <a:endParaRPr lang="en-US"/>
           </a:p>
@@ -1154,7 +1154,7 @@
           <a:p>
             <a:fld id="{F46474C2-B3F1-3F43-9237-15FC801B4913}" type="datetimeFigureOut">
               <a:rPr lang="en-US" smtClean="0"/>
-              <a:t>5/9/22</a:t>
+              <a:t>5/23/22</a:t>
             </a:fld>
             <a:endParaRPr lang="en-US"/>
           </a:p>
@@ -1419,7 +1419,7 @@
           <a:p>
             <a:fld id="{F46474C2-B3F1-3F43-9237-15FC801B4913}" type="datetimeFigureOut">
               <a:rPr lang="en-US" smtClean="0"/>
-              <a:t>5/9/22</a:t>
+              <a:t>5/23/22</a:t>
             </a:fld>
             <a:endParaRPr lang="en-US"/>
           </a:p>
@@ -1831,7 +1831,7 @@
           <a:p>
             <a:fld id="{F46474C2-B3F1-3F43-9237-15FC801B4913}" type="datetimeFigureOut">
               <a:rPr lang="en-US" smtClean="0"/>
-              <a:t>5/9/22</a:t>
+              <a:t>5/23/22</a:t>
             </a:fld>
             <a:endParaRPr lang="en-US"/>
           </a:p>
@@ -1972,7 +1972,7 @@
           <a:p>
             <a:fld id="{F46474C2-B3F1-3F43-9237-15FC801B4913}" type="datetimeFigureOut">
               <a:rPr lang="en-US" smtClean="0"/>
-              <a:t>5/9/22</a:t>
+              <a:t>5/23/22</a:t>
             </a:fld>
             <a:endParaRPr lang="en-US"/>
           </a:p>
@@ -2085,7 +2085,7 @@
           <a:p>
             <a:fld id="{F46474C2-B3F1-3F43-9237-15FC801B4913}" type="datetimeFigureOut">
               <a:rPr lang="en-US" smtClean="0"/>
-              <a:t>5/9/22</a:t>
+              <a:t>5/23/22</a:t>
             </a:fld>
             <a:endParaRPr lang="en-US"/>
           </a:p>
@@ -2396,7 +2396,7 @@
           <a:p>
             <a:fld id="{F46474C2-B3F1-3F43-9237-15FC801B4913}" type="datetimeFigureOut">
               <a:rPr lang="en-US" smtClean="0"/>
-              <a:t>5/9/22</a:t>
+              <a:t>5/23/22</a:t>
             </a:fld>
             <a:endParaRPr lang="en-US"/>
           </a:p>
@@ -2684,7 +2684,7 @@
           <a:p>
             <a:fld id="{F46474C2-B3F1-3F43-9237-15FC801B4913}" type="datetimeFigureOut">
               <a:rPr lang="en-US" smtClean="0"/>
-              <a:t>5/9/22</a:t>
+              <a:t>5/23/22</a:t>
             </a:fld>
             <a:endParaRPr lang="en-US"/>
           </a:p>
@@ -2925,7 +2925,7 @@
           <a:p>
             <a:fld id="{F46474C2-B3F1-3F43-9237-15FC801B4913}" type="datetimeFigureOut">
               <a:rPr lang="en-US" smtClean="0"/>
-              <a:t>5/9/22</a:t>
+              <a:t>5/23/22</a:t>
             </a:fld>
             <a:endParaRPr lang="en-US"/>
           </a:p>
@@ -36358,7 +36358,7 @@
         <p:spPr>
           <a:xfrm>
             <a:off x="1746015" y="2117750"/>
-            <a:ext cx="1408670" cy="276999"/>
+            <a:ext cx="1408670" cy="307777"/>
           </a:xfrm>
           <a:prstGeom prst="rect">
             <a:avLst/>
@@ -36372,18 +36372,18 @@
           <a:lstStyle/>
           <a:p>
             <a:r>
-              <a:rPr lang="en-US" altLang="zh-CN" sz="1200" dirty="0"/>
+              <a:rPr lang="en-US" altLang="zh-CN" sz="1400" dirty="0"/>
               <a:t>Ready</a:t>
             </a:r>
             <a:r>
-              <a:rPr lang="zh-CN" altLang="en-US" sz="1200" dirty="0"/>
+              <a:rPr lang="zh-CN" altLang="en-US" sz="1400" dirty="0"/>
               <a:t> </a:t>
             </a:r>
             <a:r>
-              <a:rPr lang="en-US" altLang="zh-CN" sz="1200" dirty="0"/>
+              <a:rPr lang="en-US" altLang="zh-CN" sz="1400" dirty="0"/>
               <a:t>queue</a:t>
             </a:r>
-            <a:endParaRPr lang="en-US" sz="1200" dirty="0"/>
+            <a:endParaRPr lang="en-US" sz="1400" dirty="0"/>
           </a:p>
         </p:txBody>
       </p:sp>
@@ -36535,8 +36535,8 @@
         </p:nvSpPr>
         <p:spPr>
           <a:xfrm>
-            <a:off x="4812184" y="2402004"/>
-            <a:ext cx="564292" cy="276999"/>
+            <a:off x="5287209" y="2257848"/>
+            <a:ext cx="564292" cy="307777"/>
           </a:xfrm>
           <a:prstGeom prst="rect">
             <a:avLst/>
@@ -36550,10 +36550,10 @@
           <a:lstStyle/>
           <a:p>
             <a:r>
-              <a:rPr lang="en-US" altLang="zh-CN" sz="1200" dirty="0"/>
+              <a:rPr lang="en-US" altLang="zh-CN" sz="1400" dirty="0"/>
               <a:t>Pop</a:t>
             </a:r>
-            <a:endParaRPr lang="en-US" sz="1200" dirty="0"/>
+            <a:endParaRPr lang="en-US" sz="1400" dirty="0"/>
           </a:p>
         </p:txBody>
       </p:sp>
@@ -36618,7 +36618,7 @@
         <p:spPr>
           <a:xfrm>
             <a:off x="5094330" y="2717013"/>
-            <a:ext cx="1077260" cy="276999"/>
+            <a:ext cx="1077260" cy="307777"/>
           </a:xfrm>
           <a:prstGeom prst="rect">
             <a:avLst/>
@@ -36633,14 +36633,14 @@
           <a:p>
             <a:pPr algn="ctr"/>
             <a:r>
-              <a:rPr lang="en-US" altLang="zh-CN" sz="1200" dirty="0"/>
+              <a:rPr lang="en-US" altLang="zh-CN" sz="1400" dirty="0"/>
               <a:t>Terminates</a:t>
             </a:r>
             <a:r>
-              <a:rPr lang="zh-CN" altLang="en-US" sz="1200" dirty="0"/>
+              <a:rPr lang="zh-CN" altLang="en-US" sz="1400" dirty="0"/>
               <a:t> </a:t>
             </a:r>
-            <a:endParaRPr lang="en-US" sz="1200" dirty="0"/>
+            <a:endParaRPr lang="en-US" sz="1400" dirty="0"/>
           </a:p>
         </p:txBody>
       </p:sp>
@@ -36977,10 +36977,10 @@
         </p:nvGrpSpPr>
         <p:grpSpPr>
           <a:xfrm>
-            <a:off x="4696422" y="3817496"/>
-            <a:ext cx="1933825" cy="276999"/>
-            <a:chOff x="7133204" y="2134487"/>
-            <a:chExt cx="1933825" cy="276999"/>
+            <a:off x="5041527" y="3790280"/>
+            <a:ext cx="941094" cy="307777"/>
+            <a:chOff x="7173508" y="2107271"/>
+            <a:chExt cx="941094" cy="307777"/>
           </a:xfrm>
         </p:grpSpPr>
         <p:sp>
@@ -36997,8 +36997,8 @@
           </p:nvSpPr>
           <p:spPr>
             <a:xfrm>
-              <a:off x="7133204" y="2134487"/>
-              <a:ext cx="1933825" cy="276999"/>
+              <a:off x="7269571" y="2107271"/>
+              <a:ext cx="845031" cy="307777"/>
             </a:xfrm>
             <a:prstGeom prst="rect">
               <a:avLst/>
@@ -37013,18 +37013,10 @@
             <a:p>
               <a:pPr algn="ctr"/>
               <a:r>
-                <a:rPr lang="en-US" altLang="zh-CN" sz="1200" dirty="0"/>
+                <a:rPr lang="en-US" altLang="zh-CN" sz="1400" dirty="0"/>
                 <a:t>Timeout</a:t>
               </a:r>
-              <a:r>
-                <a:rPr lang="zh-CN" altLang="en-US" sz="1200" dirty="0"/>
-                <a:t> </a:t>
-              </a:r>
-              <a:r>
-                <a:rPr lang="en-US" altLang="zh-CN" sz="1200" dirty="0"/>
-                <a:t>for a quantum</a:t>
-              </a:r>
-              <a:endParaRPr lang="en-US" sz="1200" dirty="0"/>
+              <a:endParaRPr lang="en-US" sz="1400" dirty="0"/>
             </a:p>
           </p:txBody>
         </p:sp>
@@ -37103,10 +37095,10 @@
         </p:nvGrpSpPr>
         <p:grpSpPr>
           <a:xfrm>
-            <a:off x="4649743" y="4289728"/>
-            <a:ext cx="1933833" cy="461665"/>
-            <a:chOff x="5302255" y="2537141"/>
-            <a:chExt cx="1933833" cy="461665"/>
+            <a:off x="4709012" y="4230459"/>
+            <a:ext cx="1933833" cy="523220"/>
+            <a:chOff x="5361524" y="2477872"/>
+            <a:chExt cx="1933833" cy="523220"/>
           </a:xfrm>
         </p:grpSpPr>
         <p:sp>
@@ -37123,8 +37115,8 @@
           </p:nvSpPr>
           <p:spPr>
             <a:xfrm>
-              <a:off x="5302255" y="2537141"/>
-              <a:ext cx="1933833" cy="461665"/>
+              <a:off x="5361524" y="2477872"/>
+              <a:ext cx="1933833" cy="523220"/>
             </a:xfrm>
             <a:prstGeom prst="rect">
               <a:avLst/>
@@ -37139,33 +37131,33 @@
             <a:p>
               <a:pPr algn="ctr"/>
               <a:r>
-                <a:rPr lang="en-US" sz="1200" dirty="0"/>
+                <a:rPr lang="en-US" sz="1400" dirty="0"/>
                 <a:t>Conditional</a:t>
               </a:r>
               <a:r>
-                <a:rPr lang="zh-CN" altLang="en-US" sz="1200" dirty="0"/>
+                <a:rPr lang="zh-CN" altLang="en-US" sz="1400" dirty="0"/>
                 <a:t> </a:t>
               </a:r>
               <a:r>
-                <a:rPr lang="en-US" altLang="zh-CN" sz="1200" dirty="0" err="1"/>
+                <a:rPr lang="en-US" altLang="zh-CN" sz="1400" dirty="0" err="1"/>
                 <a:t>stmts</a:t>
               </a:r>
               <a:r>
-                <a:rPr lang="en-US" altLang="zh-CN" sz="1200" dirty="0"/>
+                <a:rPr lang="en-US" altLang="zh-CN" sz="1400" dirty="0"/>
                 <a:t>/</a:t>
               </a:r>
             </a:p>
             <a:p>
               <a:pPr algn="ctr"/>
               <a:r>
-                <a:rPr lang="zh-CN" altLang="en-US" sz="1200" dirty="0"/>
+                <a:rPr lang="zh-CN" altLang="en-US" sz="1400" dirty="0"/>
                 <a:t> </a:t>
               </a:r>
               <a:r>
-                <a:rPr lang="en-US" altLang="zh-CN" sz="1200" dirty="0"/>
-                <a:t>Events</a:t>
+                <a:rPr lang="en-US" altLang="zh-CN" sz="1400" dirty="0"/>
+                <a:t>Events/</a:t>
               </a:r>
-              <a:endParaRPr lang="en-US" sz="1200" dirty="0"/>
+              <a:endParaRPr lang="en-US" sz="1400" dirty="0"/>
             </a:p>
           </p:txBody>
         </p:sp>
@@ -37191,7 +37183,7 @@
           </p:blipFill>
           <p:spPr>
             <a:xfrm>
-              <a:off x="5484149" y="2587850"/>
+              <a:off x="5424881" y="2537048"/>
               <a:ext cx="184708" cy="172995"/>
             </a:xfrm>
             <a:prstGeom prst="rect">
@@ -37221,7 +37213,7 @@
           </p:blipFill>
           <p:spPr>
             <a:xfrm>
-              <a:off x="5885249" y="2768205"/>
+              <a:off x="5868315" y="2768205"/>
               <a:ext cx="150316" cy="167181"/>
             </a:xfrm>
             <a:prstGeom prst="rect">
@@ -37244,11 +37236,13 @@
         </p:nvSpPr>
         <p:spPr>
           <a:xfrm>
-            <a:off x="890115" y="936885"/>
-            <a:ext cx="8319390" cy="4426234"/>
+            <a:off x="1091331" y="1100121"/>
+            <a:ext cx="8118173" cy="4262997"/>
           </a:xfrm>
           <a:prstGeom prst="roundRect">
-            <a:avLst/>
+            <a:avLst>
+              <a:gd name="adj" fmla="val 9071"/>
+            </a:avLst>
           </a:prstGeom>
           <a:noFill/>
           <a:ln w="25400">
@@ -37297,8 +37291,8 @@
         </p:nvSpPr>
         <p:spPr>
           <a:xfrm>
-            <a:off x="1278678" y="1191346"/>
-            <a:ext cx="1095813" cy="369332"/>
+            <a:off x="1509796" y="1174695"/>
+            <a:ext cx="731995" cy="369332"/>
           </a:xfrm>
           <a:prstGeom prst="rect">
             <a:avLst/>
@@ -37312,10 +37306,9 @@
           <a:lstStyle/>
           <a:p>
             <a:r>
-              <a:rPr lang="en-US" altLang="zh-CN" dirty="0"/>
-              <a:t>SYSNAME</a:t>
-            </a:r>
-            <a:endParaRPr lang="en-US" dirty="0"/>
+              <a:rPr lang="en-US" dirty="0"/>
+              <a:t>COCO</a:t>
+            </a:r>
           </a:p>
         </p:txBody>
       </p:sp>
@@ -37864,11 +37857,13 @@
         </p:nvSpPr>
         <p:spPr>
           <a:xfrm>
-            <a:off x="6436749" y="2717013"/>
-            <a:ext cx="2487011" cy="2453150"/>
+            <a:off x="6436749" y="1618597"/>
+            <a:ext cx="2487011" cy="3551565"/>
           </a:xfrm>
           <a:prstGeom prst="roundRect">
-            <a:avLst/>
+            <a:avLst>
+              <a:gd name="adj" fmla="val 9226"/>
+            </a:avLst>
           </a:prstGeom>
           <a:noFill/>
           <a:ln w="25400">
@@ -38000,9 +37995,9 @@
         </p:nvGrpSpPr>
         <p:grpSpPr>
           <a:xfrm>
-            <a:off x="6641653" y="2887623"/>
+            <a:off x="6630346" y="1708739"/>
             <a:ext cx="1921799" cy="646331"/>
-            <a:chOff x="470357" y="910593"/>
+            <a:chOff x="544909" y="955479"/>
             <a:chExt cx="1921799" cy="646331"/>
           </a:xfrm>
         </p:grpSpPr>
@@ -38050,7 +38045,7 @@
           </p:nvSpPr>
           <p:spPr>
             <a:xfrm>
-              <a:off x="470357" y="910593"/>
+              <a:off x="544909" y="955479"/>
               <a:ext cx="1921799" cy="646331"/>
             </a:xfrm>
             <a:prstGeom prst="rect">
@@ -38098,7 +38093,7 @@
         </p:nvSpPr>
         <p:spPr>
           <a:xfrm>
-            <a:off x="6715259" y="3504032"/>
+            <a:off x="6716400" y="3553479"/>
             <a:ext cx="2030316" cy="557597"/>
           </a:xfrm>
           <a:prstGeom prst="roundRect">
@@ -38176,13 +38171,14 @@
           <p:cNvCxnSpPr>
             <a:cxnSpLocks/>
             <a:stCxn id="56" idx="3"/>
+            <a:endCxn id="59" idx="1"/>
           </p:cNvCxnSpPr>
           <p:nvPr/>
         </p:nvCxnSpPr>
         <p:spPr>
           <a:xfrm>
             <a:off x="3165563" y="2507683"/>
-            <a:ext cx="3464684" cy="292815"/>
+            <a:ext cx="3630076" cy="13881"/>
           </a:xfrm>
           <a:prstGeom prst="straightConnector1">
             <a:avLst/>
@@ -38211,10 +38207,10 @@
       </p:cxnSp>
       <p:sp>
         <p:nvSpPr>
-          <p:cNvPr id="44" name="Rounded Rectangle 43">
-            <a:extLst>
-              <a:ext uri="{FF2B5EF4-FFF2-40B4-BE49-F238E27FC236}">
-                <a16:creationId xmlns:a16="http://schemas.microsoft.com/office/drawing/2014/main" id="{9172E8D5-9CB3-324E-8E0F-91F2B03C2A3B}"/>
+          <p:cNvPr id="45" name="Rounded Rectangle 44">
+            <a:extLst>
+              <a:ext uri="{FF2B5EF4-FFF2-40B4-BE49-F238E27FC236}">
+                <a16:creationId xmlns:a16="http://schemas.microsoft.com/office/drawing/2014/main" id="{6C8B01A4-9A8A-254A-BF7A-5AE3C0ABC2AC}"/>
               </a:ext>
             </a:extLst>
           </p:cNvPr>
@@ -38223,70 +38219,13 @@
         </p:nvSpPr>
         <p:spPr>
           <a:xfrm>
-            <a:off x="6447461" y="1618600"/>
-            <a:ext cx="2568194" cy="562839"/>
+            <a:off x="1320626" y="1618600"/>
+            <a:ext cx="3376575" cy="3551565"/>
           </a:xfrm>
           <a:prstGeom prst="roundRect">
-            <a:avLst/>
-          </a:prstGeom>
-          <a:noFill/>
-          <a:ln w="25400">
-            <a:solidFill>
-              <a:schemeClr val="tx1"/>
-            </a:solidFill>
-          </a:ln>
-        </p:spPr>
-        <p:style>
-          <a:lnRef idx="2">
-            <a:schemeClr val="accent1">
-              <a:shade val="50000"/>
-            </a:schemeClr>
-          </a:lnRef>
-          <a:fillRef idx="1">
-            <a:schemeClr val="accent1"/>
-          </a:fillRef>
-          <a:effectRef idx="0">
-            <a:schemeClr val="accent1"/>
-          </a:effectRef>
-          <a:fontRef idx="minor">
-            <a:schemeClr val="lt1"/>
-          </a:fontRef>
-        </p:style>
-        <p:txBody>
-          <a:bodyPr rtlCol="0" anchor="ctr"/>
-          <a:lstStyle/>
-          <a:p>
-            <a:pPr algn="ctr"/>
-            <a:r>
-              <a:rPr lang="en-US" dirty="0">
-                <a:solidFill>
-                  <a:schemeClr val="tx1"/>
-                </a:solidFill>
-              </a:rPr>
-              <a:t>Modeled Client-side APIs</a:t>
-            </a:r>
-          </a:p>
-        </p:txBody>
-      </p:sp>
-      <p:sp>
-        <p:nvSpPr>
-          <p:cNvPr id="45" name="Rounded Rectangle 44">
-            <a:extLst>
-              <a:ext uri="{FF2B5EF4-FFF2-40B4-BE49-F238E27FC236}">
-                <a16:creationId xmlns:a16="http://schemas.microsoft.com/office/drawing/2014/main" id="{6C8B01A4-9A8A-254A-BF7A-5AE3C0ABC2AC}"/>
-              </a:ext>
-            </a:extLst>
-          </p:cNvPr>
-          <p:cNvSpPr/>
-          <p:nvPr/>
-        </p:nvSpPr>
-        <p:spPr>
-          <a:xfrm>
-            <a:off x="1114618" y="1618600"/>
-            <a:ext cx="3582583" cy="3551565"/>
-          </a:xfrm>
-          <a:prstGeom prst="roundRect">
-            <a:avLst/>
+            <a:avLst>
+              <a:gd name="adj" fmla="val 7778"/>
+            </a:avLst>
           </a:prstGeom>
           <a:noFill/>
           <a:ln w="25400">
@@ -38759,8 +38698,8 @@
         </p:nvSpPr>
         <p:spPr>
           <a:xfrm>
-            <a:off x="3080499" y="3175637"/>
-            <a:ext cx="1408670" cy="276999"/>
+            <a:off x="3075024" y="3219437"/>
+            <a:ext cx="1408670" cy="307777"/>
           </a:xfrm>
           <a:prstGeom prst="rect">
             <a:avLst/>
@@ -38774,10 +38713,10 @@
           <a:lstStyle/>
           <a:p>
             <a:r>
-              <a:rPr lang="en-US" altLang="zh-CN" sz="1200" dirty="0"/>
+              <a:rPr lang="en-US" altLang="zh-CN" sz="1400" dirty="0"/>
               <a:t>Waiting queue</a:t>
             </a:r>
-            <a:endParaRPr lang="en-US" sz="1200" dirty="0"/>
+            <a:endParaRPr lang="en-US" sz="1400" dirty="0"/>
           </a:p>
         </p:txBody>
       </p:sp>
@@ -38816,94 +38755,6 @@
           </a:p>
         </p:txBody>
       </p:sp>
-      <p:cxnSp>
-        <p:nvCxnSpPr>
-          <p:cNvPr id="60" name="Straight Arrow Connector 59">
-            <a:extLst>
-              <a:ext uri="{FF2B5EF4-FFF2-40B4-BE49-F238E27FC236}">
-                <a16:creationId xmlns:a16="http://schemas.microsoft.com/office/drawing/2014/main" id="{09B72DF8-28EA-544A-9A00-32592F13B196}"/>
-              </a:ext>
-            </a:extLst>
-          </p:cNvPr>
-          <p:cNvCxnSpPr>
-            <a:cxnSpLocks/>
-          </p:cNvCxnSpPr>
-          <p:nvPr/>
-        </p:nvCxnSpPr>
-        <p:spPr>
-          <a:xfrm flipV="1">
-            <a:off x="7388385" y="2174903"/>
-            <a:ext cx="0" cy="542110"/>
-          </a:xfrm>
-          <a:prstGeom prst="straightConnector1">
-            <a:avLst/>
-          </a:prstGeom>
-          <a:ln w="25400">
-            <a:solidFill>
-              <a:schemeClr val="tx1"/>
-            </a:solidFill>
-            <a:tailEnd type="triangle"/>
-          </a:ln>
-        </p:spPr>
-        <p:style>
-          <a:lnRef idx="1">
-            <a:schemeClr val="accent1"/>
-          </a:lnRef>
-          <a:fillRef idx="0">
-            <a:schemeClr val="accent1"/>
-          </a:fillRef>
-          <a:effectRef idx="0">
-            <a:schemeClr val="accent1"/>
-          </a:effectRef>
-          <a:fontRef idx="minor">
-            <a:schemeClr val="tx1"/>
-          </a:fontRef>
-        </p:style>
-      </p:cxnSp>
-      <p:cxnSp>
-        <p:nvCxnSpPr>
-          <p:cNvPr id="63" name="Straight Arrow Connector 62">
-            <a:extLst>
-              <a:ext uri="{FF2B5EF4-FFF2-40B4-BE49-F238E27FC236}">
-                <a16:creationId xmlns:a16="http://schemas.microsoft.com/office/drawing/2014/main" id="{F9724EC5-4398-CE40-BB10-EA78A791BB34}"/>
-              </a:ext>
-            </a:extLst>
-          </p:cNvPr>
-          <p:cNvCxnSpPr>
-            <a:cxnSpLocks/>
-          </p:cNvCxnSpPr>
-          <p:nvPr/>
-        </p:nvCxnSpPr>
-        <p:spPr>
-          <a:xfrm>
-            <a:off x="8029050" y="2174903"/>
-            <a:ext cx="0" cy="542110"/>
-          </a:xfrm>
-          <a:prstGeom prst="straightConnector1">
-            <a:avLst/>
-          </a:prstGeom>
-          <a:ln w="25400">
-            <a:solidFill>
-              <a:schemeClr val="tx1"/>
-            </a:solidFill>
-            <a:tailEnd type="triangle"/>
-          </a:ln>
-        </p:spPr>
-        <p:style>
-          <a:lnRef idx="1">
-            <a:schemeClr val="accent1"/>
-          </a:lnRef>
-          <a:fillRef idx="0">
-            <a:schemeClr val="accent1"/>
-          </a:fillRef>
-          <a:effectRef idx="0">
-            <a:schemeClr val="accent1"/>
-          </a:effectRef>
-          <a:fontRef idx="minor">
-            <a:schemeClr val="tx1"/>
-          </a:fontRef>
-        </p:style>
-      </p:cxnSp>
       <p:cxnSp>
         <p:nvCxnSpPr>
           <p:cNvPr id="70" name="Straight Arrow Connector 69">
@@ -39069,6 +38920,530 @@
           </a:prstGeom>
         </p:spPr>
       </p:pic>
+      <p:sp>
+        <p:nvSpPr>
+          <p:cNvPr id="52" name="Rounded Rectangle 51">
+            <a:extLst>
+              <a:ext uri="{FF2B5EF4-FFF2-40B4-BE49-F238E27FC236}">
+                <a16:creationId xmlns:a16="http://schemas.microsoft.com/office/drawing/2014/main" id="{016DDBFB-F2E1-8345-F93B-A7046A5674ED}"/>
+              </a:ext>
+            </a:extLst>
+          </p:cNvPr>
+          <p:cNvSpPr/>
+          <p:nvPr/>
+        </p:nvSpPr>
+        <p:spPr>
+          <a:xfrm>
+            <a:off x="6715069" y="2786449"/>
+            <a:ext cx="2030316" cy="557597"/>
+          </a:xfrm>
+          <a:prstGeom prst="roundRect">
+            <a:avLst/>
+          </a:prstGeom>
+          <a:noFill/>
+          <a:ln w="25400">
+            <a:solidFill>
+              <a:schemeClr val="tx1"/>
+            </a:solidFill>
+          </a:ln>
+        </p:spPr>
+        <p:style>
+          <a:lnRef idx="2">
+            <a:schemeClr val="accent1">
+              <a:shade val="50000"/>
+            </a:schemeClr>
+          </a:lnRef>
+          <a:fillRef idx="1">
+            <a:schemeClr val="accent1"/>
+          </a:fillRef>
+          <a:effectRef idx="0">
+            <a:schemeClr val="accent1"/>
+          </a:effectRef>
+          <a:fontRef idx="minor">
+            <a:schemeClr val="lt1"/>
+          </a:fontRef>
+        </p:style>
+        <p:txBody>
+          <a:bodyPr rtlCol="0" anchor="ctr"/>
+          <a:lstStyle/>
+          <a:p>
+            <a:pPr algn="ctr"/>
+            <a:r>
+              <a:rPr lang="en-US" dirty="0">
+                <a:solidFill>
+                  <a:schemeClr val="tx1"/>
+                </a:solidFill>
+              </a:rPr>
+              <a:t>Modeled Client-side APIs</a:t>
+            </a:r>
+          </a:p>
+        </p:txBody>
+      </p:sp>
+      <p:sp>
+        <p:nvSpPr>
+          <p:cNvPr id="58" name="TextBox 57">
+            <a:extLst>
+              <a:ext uri="{FF2B5EF4-FFF2-40B4-BE49-F238E27FC236}">
+                <a16:creationId xmlns:a16="http://schemas.microsoft.com/office/drawing/2014/main" id="{96AB6DCE-A614-63C1-BC3F-6AAD084DFA5E}"/>
+              </a:ext>
+            </a:extLst>
+          </p:cNvPr>
+          <p:cNvSpPr txBox="1"/>
+          <p:nvPr/>
+        </p:nvSpPr>
+        <p:spPr>
+          <a:xfrm>
+            <a:off x="6715069" y="2131631"/>
+            <a:ext cx="1408670" cy="307777"/>
+          </a:xfrm>
+          <a:prstGeom prst="rect">
+            <a:avLst/>
+          </a:prstGeom>
+          <a:noFill/>
+        </p:spPr>
+        <p:txBody>
+          <a:bodyPr wrap="square" rtlCol="0">
+            <a:spAutoFit/>
+          </a:bodyPr>
+          <a:lstStyle/>
+          <a:p>
+            <a:r>
+              <a:rPr lang="en-US" altLang="zh-CN" sz="1400" dirty="0"/>
+              <a:t>Running</a:t>
+            </a:r>
+            <a:r>
+              <a:rPr lang="zh-CN" altLang="en-US" sz="1400" dirty="0"/>
+              <a:t> </a:t>
+            </a:r>
+            <a:r>
+              <a:rPr lang="en-US" altLang="zh-CN" sz="1400" dirty="0"/>
+              <a:t>queue</a:t>
+            </a:r>
+            <a:endParaRPr lang="en-US" sz="1400" dirty="0"/>
+          </a:p>
+        </p:txBody>
+      </p:sp>
+      <p:graphicFrame>
+        <p:nvGraphicFramePr>
+          <p:cNvPr id="59" name="Table 56">
+            <a:extLst>
+              <a:ext uri="{FF2B5EF4-FFF2-40B4-BE49-F238E27FC236}">
+                <a16:creationId xmlns:a16="http://schemas.microsoft.com/office/drawing/2014/main" id="{6B587B7D-CAE7-E9A3-C8FD-82DF30E15F12}"/>
+              </a:ext>
+            </a:extLst>
+          </p:cNvPr>
+          <p:cNvGraphicFramePr>
+            <a:graphicFrameLocks noGrp="1"/>
+          </p:cNvGraphicFramePr>
+          <p:nvPr>
+            <p:extLst>
+              <p:ext uri="{D42A27DB-BD31-4B8C-83A1-F6EECF244321}">
+                <p14:modId xmlns:p14="http://schemas.microsoft.com/office/powerpoint/2010/main" val="2882140984"/>
+              </p:ext>
+            </p:extLst>
+          </p:nvPr>
+        </p:nvGraphicFramePr>
+        <p:xfrm>
+          <a:off x="6795639" y="2407264"/>
+          <a:ext cx="1338978" cy="228600"/>
+        </p:xfrm>
+        <a:graphic>
+          <a:graphicData uri="http://schemas.openxmlformats.org/drawingml/2006/table">
+            <a:tbl>
+              <a:tblPr firstRow="1" bandRow="1">
+                <a:tableStyleId>{5C22544A-7EE6-4342-B048-85BDC9FD1C3A}</a:tableStyleId>
+              </a:tblPr>
+              <a:tblGrid>
+                <a:gridCol w="223163">
+                  <a:extLst>
+                    <a:ext uri="{9D8B030D-6E8A-4147-A177-3AD203B41FA5}">
+                      <a16:colId xmlns:a16="http://schemas.microsoft.com/office/drawing/2014/main" val="659545151"/>
+                    </a:ext>
+                  </a:extLst>
+                </a:gridCol>
+                <a:gridCol w="223163">
+                  <a:extLst>
+                    <a:ext uri="{9D8B030D-6E8A-4147-A177-3AD203B41FA5}">
+                      <a16:colId xmlns:a16="http://schemas.microsoft.com/office/drawing/2014/main" val="1206132907"/>
+                    </a:ext>
+                  </a:extLst>
+                </a:gridCol>
+                <a:gridCol w="223163">
+                  <a:extLst>
+                    <a:ext uri="{9D8B030D-6E8A-4147-A177-3AD203B41FA5}">
+                      <a16:colId xmlns:a16="http://schemas.microsoft.com/office/drawing/2014/main" val="2547941922"/>
+                    </a:ext>
+                  </a:extLst>
+                </a:gridCol>
+                <a:gridCol w="223163">
+                  <a:extLst>
+                    <a:ext uri="{9D8B030D-6E8A-4147-A177-3AD203B41FA5}">
+                      <a16:colId xmlns:a16="http://schemas.microsoft.com/office/drawing/2014/main" val="668732828"/>
+                    </a:ext>
+                  </a:extLst>
+                </a:gridCol>
+                <a:gridCol w="223163">
+                  <a:extLst>
+                    <a:ext uri="{9D8B030D-6E8A-4147-A177-3AD203B41FA5}">
+                      <a16:colId xmlns:a16="http://schemas.microsoft.com/office/drawing/2014/main" val="1148374785"/>
+                    </a:ext>
+                  </a:extLst>
+                </a:gridCol>
+                <a:gridCol w="223163">
+                  <a:extLst>
+                    <a:ext uri="{9D8B030D-6E8A-4147-A177-3AD203B41FA5}">
+                      <a16:colId xmlns:a16="http://schemas.microsoft.com/office/drawing/2014/main" val="1036905120"/>
+                    </a:ext>
+                  </a:extLst>
+                </a:gridCol>
+              </a:tblGrid>
+              <a:tr h="122892">
+                <a:tc>
+                  <a:txBody>
+                    <a:bodyPr/>
+                    <a:lstStyle/>
+                    <a:p>
+                      <a:endParaRPr lang="en-US" sz="900" dirty="0"/>
+                    </a:p>
+                  </a:txBody>
+                  <a:tcPr>
+                    <a:lnL w="28575" cap="flat" cmpd="sng" algn="ctr">
+                      <a:solidFill>
+                        <a:schemeClr val="tx1"/>
+                      </a:solidFill>
+                      <a:prstDash val="solid"/>
+                      <a:round/>
+                      <a:headEnd type="none" w="med" len="med"/>
+                      <a:tailEnd type="none" w="med" len="med"/>
+                    </a:lnL>
+                    <a:lnR w="28575" cap="flat" cmpd="sng" algn="ctr">
+                      <a:solidFill>
+                        <a:schemeClr val="tx1"/>
+                      </a:solidFill>
+                      <a:prstDash val="solid"/>
+                      <a:round/>
+                      <a:headEnd type="none" w="med" len="med"/>
+                      <a:tailEnd type="none" w="med" len="med"/>
+                    </a:lnR>
+                    <a:lnT w="28575" cap="flat" cmpd="sng" algn="ctr">
+                      <a:solidFill>
+                        <a:schemeClr val="tx1"/>
+                      </a:solidFill>
+                      <a:prstDash val="solid"/>
+                      <a:round/>
+                      <a:headEnd type="none" w="med" len="med"/>
+                      <a:tailEnd type="none" w="med" len="med"/>
+                    </a:lnT>
+                    <a:lnB w="28575" cap="flat" cmpd="sng" algn="ctr">
+                      <a:solidFill>
+                        <a:schemeClr val="tx1"/>
+                      </a:solidFill>
+                      <a:prstDash val="solid"/>
+                      <a:round/>
+                      <a:headEnd type="none" w="med" len="med"/>
+                      <a:tailEnd type="none" w="med" len="med"/>
+                    </a:lnB>
+                    <a:lnTlToBr w="12700" cmpd="sng">
+                      <a:noFill/>
+                      <a:prstDash val="solid"/>
+                    </a:lnTlToBr>
+                    <a:lnBlToTr w="12700" cmpd="sng">
+                      <a:noFill/>
+                      <a:prstDash val="solid"/>
+                    </a:lnBlToTr>
+                    <a:noFill/>
+                  </a:tcPr>
+                </a:tc>
+                <a:tc>
+                  <a:txBody>
+                    <a:bodyPr/>
+                    <a:lstStyle/>
+                    <a:p>
+                      <a:endParaRPr lang="en-US" sz="900" dirty="0"/>
+                    </a:p>
+                  </a:txBody>
+                  <a:tcPr>
+                    <a:lnL w="28575" cap="flat" cmpd="sng" algn="ctr">
+                      <a:solidFill>
+                        <a:schemeClr val="tx1"/>
+                      </a:solidFill>
+                      <a:prstDash val="solid"/>
+                      <a:round/>
+                      <a:headEnd type="none" w="med" len="med"/>
+                      <a:tailEnd type="none" w="med" len="med"/>
+                    </a:lnL>
+                    <a:lnR w="28575" cap="flat" cmpd="sng" algn="ctr">
+                      <a:solidFill>
+                        <a:schemeClr val="tx1"/>
+                      </a:solidFill>
+                      <a:prstDash val="solid"/>
+                      <a:round/>
+                      <a:headEnd type="none" w="med" len="med"/>
+                      <a:tailEnd type="none" w="med" len="med"/>
+                    </a:lnR>
+                    <a:lnT w="28575" cap="flat" cmpd="sng" algn="ctr">
+                      <a:solidFill>
+                        <a:schemeClr val="tx1"/>
+                      </a:solidFill>
+                      <a:prstDash val="solid"/>
+                      <a:round/>
+                      <a:headEnd type="none" w="med" len="med"/>
+                      <a:tailEnd type="none" w="med" len="med"/>
+                    </a:lnT>
+                    <a:lnB w="28575" cap="flat" cmpd="sng" algn="ctr">
+                      <a:solidFill>
+                        <a:schemeClr val="tx1"/>
+                      </a:solidFill>
+                      <a:prstDash val="solid"/>
+                      <a:round/>
+                      <a:headEnd type="none" w="med" len="med"/>
+                      <a:tailEnd type="none" w="med" len="med"/>
+                    </a:lnB>
+                    <a:lnTlToBr w="12700" cmpd="sng">
+                      <a:noFill/>
+                      <a:prstDash val="solid"/>
+                    </a:lnTlToBr>
+                    <a:lnBlToTr w="12700" cmpd="sng">
+                      <a:noFill/>
+                      <a:prstDash val="solid"/>
+                    </a:lnBlToTr>
+                    <a:noFill/>
+                  </a:tcPr>
+                </a:tc>
+                <a:tc>
+                  <a:txBody>
+                    <a:bodyPr/>
+                    <a:lstStyle/>
+                    <a:p>
+                      <a:endParaRPr lang="en-US" sz="900" dirty="0"/>
+                    </a:p>
+                  </a:txBody>
+                  <a:tcPr>
+                    <a:lnL w="28575" cap="flat" cmpd="sng" algn="ctr">
+                      <a:solidFill>
+                        <a:schemeClr val="tx1"/>
+                      </a:solidFill>
+                      <a:prstDash val="solid"/>
+                      <a:round/>
+                      <a:headEnd type="none" w="med" len="med"/>
+                      <a:tailEnd type="none" w="med" len="med"/>
+                    </a:lnL>
+                    <a:lnR w="28575" cap="flat" cmpd="sng" algn="ctr">
+                      <a:solidFill>
+                        <a:schemeClr val="tx1"/>
+                      </a:solidFill>
+                      <a:prstDash val="solid"/>
+                      <a:round/>
+                      <a:headEnd type="none" w="med" len="med"/>
+                      <a:tailEnd type="none" w="med" len="med"/>
+                    </a:lnR>
+                    <a:lnT w="28575" cap="flat" cmpd="sng" algn="ctr">
+                      <a:solidFill>
+                        <a:schemeClr val="tx1"/>
+                      </a:solidFill>
+                      <a:prstDash val="solid"/>
+                      <a:round/>
+                      <a:headEnd type="none" w="med" len="med"/>
+                      <a:tailEnd type="none" w="med" len="med"/>
+                    </a:lnT>
+                    <a:lnB w="28575" cap="flat" cmpd="sng" algn="ctr">
+                      <a:solidFill>
+                        <a:schemeClr val="tx1"/>
+                      </a:solidFill>
+                      <a:prstDash val="solid"/>
+                      <a:round/>
+                      <a:headEnd type="none" w="med" len="med"/>
+                      <a:tailEnd type="none" w="med" len="med"/>
+                    </a:lnB>
+                    <a:lnTlToBr w="12700" cmpd="sng">
+                      <a:noFill/>
+                      <a:prstDash val="solid"/>
+                    </a:lnTlToBr>
+                    <a:lnBlToTr w="12700" cmpd="sng">
+                      <a:noFill/>
+                      <a:prstDash val="solid"/>
+                    </a:lnBlToTr>
+                    <a:noFill/>
+                  </a:tcPr>
+                </a:tc>
+                <a:tc>
+                  <a:txBody>
+                    <a:bodyPr/>
+                    <a:lstStyle/>
+                    <a:p>
+                      <a:endParaRPr lang="en-US" sz="900"/>
+                    </a:p>
+                  </a:txBody>
+                  <a:tcPr>
+                    <a:lnL w="28575" cap="flat" cmpd="sng" algn="ctr">
+                      <a:solidFill>
+                        <a:schemeClr val="tx1"/>
+                      </a:solidFill>
+                      <a:prstDash val="solid"/>
+                      <a:round/>
+                      <a:headEnd type="none" w="med" len="med"/>
+                      <a:tailEnd type="none" w="med" len="med"/>
+                    </a:lnL>
+                    <a:lnR w="28575" cap="flat" cmpd="sng" algn="ctr">
+                      <a:solidFill>
+                        <a:schemeClr val="tx1"/>
+                      </a:solidFill>
+                      <a:prstDash val="solid"/>
+                      <a:round/>
+                      <a:headEnd type="none" w="med" len="med"/>
+                      <a:tailEnd type="none" w="med" len="med"/>
+                    </a:lnR>
+                    <a:lnT w="28575" cap="flat" cmpd="sng" algn="ctr">
+                      <a:solidFill>
+                        <a:schemeClr val="tx1"/>
+                      </a:solidFill>
+                      <a:prstDash val="solid"/>
+                      <a:round/>
+                      <a:headEnd type="none" w="med" len="med"/>
+                      <a:tailEnd type="none" w="med" len="med"/>
+                    </a:lnT>
+                    <a:lnB w="28575" cap="flat" cmpd="sng" algn="ctr">
+                      <a:solidFill>
+                        <a:schemeClr val="tx1"/>
+                      </a:solidFill>
+                      <a:prstDash val="solid"/>
+                      <a:round/>
+                      <a:headEnd type="none" w="med" len="med"/>
+                      <a:tailEnd type="none" w="med" len="med"/>
+                    </a:lnB>
+                    <a:lnTlToBr w="12700" cmpd="sng">
+                      <a:noFill/>
+                      <a:prstDash val="solid"/>
+                    </a:lnTlToBr>
+                    <a:lnBlToTr w="12700" cmpd="sng">
+                      <a:noFill/>
+                      <a:prstDash val="solid"/>
+                    </a:lnBlToTr>
+                    <a:noFill/>
+                  </a:tcPr>
+                </a:tc>
+                <a:tc>
+                  <a:txBody>
+                    <a:bodyPr/>
+                    <a:lstStyle/>
+                    <a:p>
+                      <a:endParaRPr lang="en-US" sz="900" dirty="0"/>
+                    </a:p>
+                  </a:txBody>
+                  <a:tcPr>
+                    <a:lnL w="28575" cap="flat" cmpd="sng" algn="ctr">
+                      <a:solidFill>
+                        <a:schemeClr val="tx1"/>
+                      </a:solidFill>
+                      <a:prstDash val="solid"/>
+                      <a:round/>
+                      <a:headEnd type="none" w="med" len="med"/>
+                      <a:tailEnd type="none" w="med" len="med"/>
+                    </a:lnL>
+                    <a:lnR w="28575" cap="flat" cmpd="sng" algn="ctr">
+                      <a:solidFill>
+                        <a:schemeClr val="tx1"/>
+                      </a:solidFill>
+                      <a:prstDash val="solid"/>
+                      <a:round/>
+                      <a:headEnd type="none" w="med" len="med"/>
+                      <a:tailEnd type="none" w="med" len="med"/>
+                    </a:lnR>
+                    <a:lnT w="28575" cap="flat" cmpd="sng" algn="ctr">
+                      <a:solidFill>
+                        <a:schemeClr val="tx1"/>
+                      </a:solidFill>
+                      <a:prstDash val="solid"/>
+                      <a:round/>
+                      <a:headEnd type="none" w="med" len="med"/>
+                      <a:tailEnd type="none" w="med" len="med"/>
+                    </a:lnT>
+                    <a:lnB w="28575" cap="flat" cmpd="sng" algn="ctr">
+                      <a:solidFill>
+                        <a:schemeClr val="tx1"/>
+                      </a:solidFill>
+                      <a:prstDash val="solid"/>
+                      <a:round/>
+                      <a:headEnd type="none" w="med" len="med"/>
+                      <a:tailEnd type="none" w="med" len="med"/>
+                    </a:lnB>
+                    <a:lnTlToBr w="12700" cmpd="sng">
+                      <a:noFill/>
+                      <a:prstDash val="solid"/>
+                    </a:lnTlToBr>
+                    <a:lnBlToTr w="12700" cmpd="sng">
+                      <a:noFill/>
+                      <a:prstDash val="solid"/>
+                    </a:lnBlToTr>
+                    <a:noFill/>
+                  </a:tcPr>
+                </a:tc>
+                <a:tc>
+                  <a:txBody>
+                    <a:bodyPr/>
+                    <a:lstStyle/>
+                    <a:p>
+                      <a:endParaRPr lang="en-US" sz="900" dirty="0"/>
+                    </a:p>
+                  </a:txBody>
+                  <a:tcPr>
+                    <a:lnL w="28575" cap="flat" cmpd="sng" algn="ctr">
+                      <a:solidFill>
+                        <a:schemeClr val="tx1"/>
+                      </a:solidFill>
+                      <a:prstDash val="solid"/>
+                      <a:round/>
+                      <a:headEnd type="none" w="med" len="med"/>
+                      <a:tailEnd type="none" w="med" len="med"/>
+                    </a:lnL>
+                    <a:lnR w="28575" cap="flat" cmpd="sng" algn="ctr">
+                      <a:solidFill>
+                        <a:schemeClr val="tx1"/>
+                      </a:solidFill>
+                      <a:prstDash val="solid"/>
+                      <a:round/>
+                      <a:headEnd type="none" w="med" len="med"/>
+                      <a:tailEnd type="none" w="med" len="med"/>
+                    </a:lnR>
+                    <a:lnT w="28575" cap="flat" cmpd="sng" algn="ctr">
+                      <a:solidFill>
+                        <a:schemeClr val="tx1"/>
+                      </a:solidFill>
+                      <a:prstDash val="solid"/>
+                      <a:round/>
+                      <a:headEnd type="none" w="med" len="med"/>
+                      <a:tailEnd type="none" w="med" len="med"/>
+                    </a:lnT>
+                    <a:lnB w="28575" cap="flat" cmpd="sng" algn="ctr">
+                      <a:solidFill>
+                        <a:schemeClr val="tx1"/>
+                      </a:solidFill>
+                      <a:prstDash val="solid"/>
+                      <a:round/>
+                      <a:headEnd type="none" w="med" len="med"/>
+                      <a:tailEnd type="none" w="med" len="med"/>
+                    </a:lnB>
+                    <a:lnTlToBr w="12700" cmpd="sng">
+                      <a:noFill/>
+                      <a:prstDash val="solid"/>
+                    </a:lnTlToBr>
+                    <a:lnBlToTr w="12700" cmpd="sng">
+                      <a:noFill/>
+                      <a:prstDash val="solid"/>
+                    </a:lnBlToTr>
+                    <a:noFill/>
+                  </a:tcPr>
+                </a:tc>
+                <a:extLst>
+                  <a:ext uri="{0D108BD9-81ED-4DB2-BD59-A6C34878D82A}">
+                    <a16:rowId xmlns:a16="http://schemas.microsoft.com/office/drawing/2014/main" val="2897628603"/>
+                  </a:ext>
+                </a:extLst>
+              </a:tr>
+            </a:tbl>
+          </a:graphicData>
+        </a:graphic>
+      </p:graphicFrame>
     </p:spTree>
     <p:extLst>
       <p:ext uri="{BB962C8B-B14F-4D97-AF65-F5344CB8AC3E}">

--- a/graphs.pptx
+++ b/graphs.pptx
@@ -211,35 +211,35 @@
               <a:buNone/>
               <a:defRPr sz="2400"/>
             </a:lvl1pPr>
-            <a:lvl2pPr marL="457200" indent="0" algn="ctr">
+            <a:lvl2pPr marL="457189" indent="0" algn="ctr">
               <a:buNone/>
               <a:defRPr sz="2000"/>
             </a:lvl2pPr>
-            <a:lvl3pPr marL="914400" indent="0" algn="ctr">
+            <a:lvl3pPr marL="914377" indent="0" algn="ctr">
               <a:buNone/>
               <a:defRPr sz="1800"/>
             </a:lvl3pPr>
-            <a:lvl4pPr marL="1371600" indent="0" algn="ctr">
+            <a:lvl4pPr marL="1371566" indent="0" algn="ctr">
               <a:buNone/>
               <a:defRPr sz="1600"/>
             </a:lvl4pPr>
-            <a:lvl5pPr marL="1828800" indent="0" algn="ctr">
+            <a:lvl5pPr marL="1828754" indent="0" algn="ctr">
               <a:buNone/>
               <a:defRPr sz="1600"/>
             </a:lvl5pPr>
-            <a:lvl6pPr marL="2286000" indent="0" algn="ctr">
+            <a:lvl6pPr marL="2285943" indent="0" algn="ctr">
               <a:buNone/>
               <a:defRPr sz="1600"/>
             </a:lvl6pPr>
-            <a:lvl7pPr marL="2743200" indent="0" algn="ctr">
+            <a:lvl7pPr marL="2743131" indent="0" algn="ctr">
               <a:buNone/>
               <a:defRPr sz="1600"/>
             </a:lvl7pPr>
-            <a:lvl8pPr marL="3200400" indent="0" algn="ctr">
+            <a:lvl8pPr marL="3200320" indent="0" algn="ctr">
               <a:buNone/>
               <a:defRPr sz="1600"/>
             </a:lvl8pPr>
-            <a:lvl9pPr marL="3657600" indent="0" algn="ctr">
+            <a:lvl9pPr marL="3657509" indent="0" algn="ctr">
               <a:buNone/>
               <a:defRPr sz="1600"/>
             </a:lvl9pPr>
@@ -275,7 +275,7 @@
           <a:p>
             <a:fld id="{F46474C2-B3F1-3F43-9237-15FC801B4913}" type="datetimeFigureOut">
               <a:rPr lang="en-US" smtClean="0"/>
-              <a:t>5/23/22</a:t>
+              <a:t>5/24/22</a:t>
             </a:fld>
             <a:endParaRPr lang="en-US"/>
           </a:p>
@@ -473,7 +473,7 @@
           <a:p>
             <a:fld id="{F46474C2-B3F1-3F43-9237-15FC801B4913}" type="datetimeFigureOut">
               <a:rPr lang="en-US" smtClean="0"/>
-              <a:t>5/23/22</a:t>
+              <a:t>5/24/22</a:t>
             </a:fld>
             <a:endParaRPr lang="en-US"/>
           </a:p>
@@ -581,7 +581,7 @@
         </p:nvSpPr>
         <p:spPr>
           <a:xfrm>
-            <a:off x="8724900" y="365125"/>
+            <a:off x="8724901" y="365125"/>
             <a:ext cx="2628900" cy="5811838"/>
           </a:xfrm>
         </p:spPr>
@@ -614,7 +614,7 @@
         </p:nvSpPr>
         <p:spPr>
           <a:xfrm>
-            <a:off x="838200" y="365125"/>
+            <a:off x="838201" y="365125"/>
             <a:ext cx="7734300" cy="5811838"/>
           </a:xfrm>
         </p:spPr>
@@ -681,7 +681,7 @@
           <a:p>
             <a:fld id="{F46474C2-B3F1-3F43-9237-15FC801B4913}" type="datetimeFigureOut">
               <a:rPr lang="en-US" smtClean="0"/>
-              <a:t>5/23/22</a:t>
+              <a:t>5/24/22</a:t>
             </a:fld>
             <a:endParaRPr lang="en-US"/>
           </a:p>
@@ -879,7 +879,7 @@
           <a:p>
             <a:fld id="{F46474C2-B3F1-3F43-9237-15FC801B4913}" type="datetimeFigureOut">
               <a:rPr lang="en-US" smtClean="0"/>
-              <a:t>5/23/22</a:t>
+              <a:t>5/24/22</a:t>
             </a:fld>
             <a:endParaRPr lang="en-US"/>
           </a:p>
@@ -987,7 +987,7 @@
         </p:nvSpPr>
         <p:spPr>
           <a:xfrm>
-            <a:off x="831850" y="1709738"/>
+            <a:off x="831851" y="1709740"/>
             <a:ext cx="10515600" cy="2852737"/>
           </a:xfrm>
         </p:spPr>
@@ -1024,7 +1024,7 @@
         </p:nvSpPr>
         <p:spPr>
           <a:xfrm>
-            <a:off x="831850" y="4589463"/>
+            <a:off x="831851" y="4589465"/>
             <a:ext cx="10515600" cy="1500187"/>
           </a:xfrm>
         </p:spPr>
@@ -1041,7 +1041,7 @@
                 </a:solidFill>
               </a:defRPr>
             </a:lvl1pPr>
-            <a:lvl2pPr marL="457200" indent="0">
+            <a:lvl2pPr marL="457189" indent="0">
               <a:buNone/>
               <a:defRPr sz="2000">
                 <a:solidFill>
@@ -1051,7 +1051,7 @@
                 </a:solidFill>
               </a:defRPr>
             </a:lvl2pPr>
-            <a:lvl3pPr marL="914400" indent="0">
+            <a:lvl3pPr marL="914377" indent="0">
               <a:buNone/>
               <a:defRPr sz="1800">
                 <a:solidFill>
@@ -1061,7 +1061,7 @@
                 </a:solidFill>
               </a:defRPr>
             </a:lvl3pPr>
-            <a:lvl4pPr marL="1371600" indent="0">
+            <a:lvl4pPr marL="1371566" indent="0">
               <a:buNone/>
               <a:defRPr sz="1600">
                 <a:solidFill>
@@ -1071,7 +1071,7 @@
                 </a:solidFill>
               </a:defRPr>
             </a:lvl4pPr>
-            <a:lvl5pPr marL="1828800" indent="0">
+            <a:lvl5pPr marL="1828754" indent="0">
               <a:buNone/>
               <a:defRPr sz="1600">
                 <a:solidFill>
@@ -1081,7 +1081,7 @@
                 </a:solidFill>
               </a:defRPr>
             </a:lvl5pPr>
-            <a:lvl6pPr marL="2286000" indent="0">
+            <a:lvl6pPr marL="2285943" indent="0">
               <a:buNone/>
               <a:defRPr sz="1600">
                 <a:solidFill>
@@ -1091,7 +1091,7 @@
                 </a:solidFill>
               </a:defRPr>
             </a:lvl6pPr>
-            <a:lvl7pPr marL="2743200" indent="0">
+            <a:lvl7pPr marL="2743131" indent="0">
               <a:buNone/>
               <a:defRPr sz="1600">
                 <a:solidFill>
@@ -1101,7 +1101,7 @@
                 </a:solidFill>
               </a:defRPr>
             </a:lvl7pPr>
-            <a:lvl8pPr marL="3200400" indent="0">
+            <a:lvl8pPr marL="3200320" indent="0">
               <a:buNone/>
               <a:defRPr sz="1600">
                 <a:solidFill>
@@ -1111,7 +1111,7 @@
                 </a:solidFill>
               </a:defRPr>
             </a:lvl8pPr>
-            <a:lvl9pPr marL="3657600" indent="0">
+            <a:lvl9pPr marL="3657509" indent="0">
               <a:buNone/>
               <a:defRPr sz="1600">
                 <a:solidFill>
@@ -1154,7 +1154,7 @@
           <a:p>
             <a:fld id="{F46474C2-B3F1-3F43-9237-15FC801B4913}" type="datetimeFigureOut">
               <a:rPr lang="en-US" smtClean="0"/>
-              <a:t>5/23/22</a:t>
+              <a:t>5/24/22</a:t>
             </a:fld>
             <a:endParaRPr lang="en-US"/>
           </a:p>
@@ -1419,7 +1419,7 @@
           <a:p>
             <a:fld id="{F46474C2-B3F1-3F43-9237-15FC801B4913}" type="datetimeFigureOut">
               <a:rPr lang="en-US" smtClean="0"/>
-              <a:t>5/23/22</a:t>
+              <a:t>5/24/22</a:t>
             </a:fld>
             <a:endParaRPr lang="en-US"/>
           </a:p>
@@ -1527,7 +1527,7 @@
         </p:nvSpPr>
         <p:spPr>
           <a:xfrm>
-            <a:off x="839788" y="365125"/>
+            <a:off x="839788" y="365127"/>
             <a:ext cx="10515600" cy="1325563"/>
           </a:xfrm>
         </p:spPr>
@@ -1560,7 +1560,7 @@
         </p:nvSpPr>
         <p:spPr>
           <a:xfrm>
-            <a:off x="839788" y="1681163"/>
+            <a:off x="839789" y="1681163"/>
             <a:ext cx="5157787" cy="823912"/>
           </a:xfrm>
         </p:spPr>
@@ -1571,35 +1571,35 @@
               <a:buNone/>
               <a:defRPr sz="2400" b="1"/>
             </a:lvl1pPr>
-            <a:lvl2pPr marL="457200" indent="0">
+            <a:lvl2pPr marL="457189" indent="0">
               <a:buNone/>
               <a:defRPr sz="2000" b="1"/>
             </a:lvl2pPr>
-            <a:lvl3pPr marL="914400" indent="0">
+            <a:lvl3pPr marL="914377" indent="0">
               <a:buNone/>
               <a:defRPr sz="1800" b="1"/>
             </a:lvl3pPr>
-            <a:lvl4pPr marL="1371600" indent="0">
+            <a:lvl4pPr marL="1371566" indent="0">
               <a:buNone/>
               <a:defRPr sz="1600" b="1"/>
             </a:lvl4pPr>
-            <a:lvl5pPr marL="1828800" indent="0">
+            <a:lvl5pPr marL="1828754" indent="0">
               <a:buNone/>
               <a:defRPr sz="1600" b="1"/>
             </a:lvl5pPr>
-            <a:lvl6pPr marL="2286000" indent="0">
+            <a:lvl6pPr marL="2285943" indent="0">
               <a:buNone/>
               <a:defRPr sz="1600" b="1"/>
             </a:lvl6pPr>
-            <a:lvl7pPr marL="2743200" indent="0">
+            <a:lvl7pPr marL="2743131" indent="0">
               <a:buNone/>
               <a:defRPr sz="1600" b="1"/>
             </a:lvl7pPr>
-            <a:lvl8pPr marL="3200400" indent="0">
+            <a:lvl8pPr marL="3200320" indent="0">
               <a:buNone/>
               <a:defRPr sz="1600" b="1"/>
             </a:lvl8pPr>
-            <a:lvl9pPr marL="3657600" indent="0">
+            <a:lvl9pPr marL="3657509" indent="0">
               <a:buNone/>
               <a:defRPr sz="1600" b="1"/>
             </a:lvl9pPr>
@@ -1631,7 +1631,7 @@
         </p:nvSpPr>
         <p:spPr>
           <a:xfrm>
-            <a:off x="839788" y="2505075"/>
+            <a:off x="839789" y="2505075"/>
             <a:ext cx="5157787" cy="3684588"/>
           </a:xfrm>
         </p:spPr>
@@ -1693,7 +1693,7 @@
         </p:nvSpPr>
         <p:spPr>
           <a:xfrm>
-            <a:off x="6172200" y="1681163"/>
+            <a:off x="6172201" y="1681163"/>
             <a:ext cx="5183188" cy="823912"/>
           </a:xfrm>
         </p:spPr>
@@ -1704,35 +1704,35 @@
               <a:buNone/>
               <a:defRPr sz="2400" b="1"/>
             </a:lvl1pPr>
-            <a:lvl2pPr marL="457200" indent="0">
+            <a:lvl2pPr marL="457189" indent="0">
               <a:buNone/>
               <a:defRPr sz="2000" b="1"/>
             </a:lvl2pPr>
-            <a:lvl3pPr marL="914400" indent="0">
+            <a:lvl3pPr marL="914377" indent="0">
               <a:buNone/>
               <a:defRPr sz="1800" b="1"/>
             </a:lvl3pPr>
-            <a:lvl4pPr marL="1371600" indent="0">
+            <a:lvl4pPr marL="1371566" indent="0">
               <a:buNone/>
               <a:defRPr sz="1600" b="1"/>
             </a:lvl4pPr>
-            <a:lvl5pPr marL="1828800" indent="0">
+            <a:lvl5pPr marL="1828754" indent="0">
               <a:buNone/>
               <a:defRPr sz="1600" b="1"/>
             </a:lvl5pPr>
-            <a:lvl6pPr marL="2286000" indent="0">
+            <a:lvl6pPr marL="2285943" indent="0">
               <a:buNone/>
               <a:defRPr sz="1600" b="1"/>
             </a:lvl6pPr>
-            <a:lvl7pPr marL="2743200" indent="0">
+            <a:lvl7pPr marL="2743131" indent="0">
               <a:buNone/>
               <a:defRPr sz="1600" b="1"/>
             </a:lvl7pPr>
-            <a:lvl8pPr marL="3200400" indent="0">
+            <a:lvl8pPr marL="3200320" indent="0">
               <a:buNone/>
               <a:defRPr sz="1600" b="1"/>
             </a:lvl8pPr>
-            <a:lvl9pPr marL="3657600" indent="0">
+            <a:lvl9pPr marL="3657509" indent="0">
               <a:buNone/>
               <a:defRPr sz="1600" b="1"/>
             </a:lvl9pPr>
@@ -1764,7 +1764,7 @@
         </p:nvSpPr>
         <p:spPr>
           <a:xfrm>
-            <a:off x="6172200" y="2505075"/>
+            <a:off x="6172201" y="2505075"/>
             <a:ext cx="5183188" cy="3684588"/>
           </a:xfrm>
         </p:spPr>
@@ -1831,7 +1831,7 @@
           <a:p>
             <a:fld id="{F46474C2-B3F1-3F43-9237-15FC801B4913}" type="datetimeFigureOut">
               <a:rPr lang="en-US" smtClean="0"/>
-              <a:t>5/23/22</a:t>
+              <a:t>5/24/22</a:t>
             </a:fld>
             <a:endParaRPr lang="en-US"/>
           </a:p>
@@ -1972,7 +1972,7 @@
           <a:p>
             <a:fld id="{F46474C2-B3F1-3F43-9237-15FC801B4913}" type="datetimeFigureOut">
               <a:rPr lang="en-US" smtClean="0"/>
-              <a:t>5/23/22</a:t>
+              <a:t>5/24/22</a:t>
             </a:fld>
             <a:endParaRPr lang="en-US"/>
           </a:p>
@@ -2085,7 +2085,7 @@
           <a:p>
             <a:fld id="{F46474C2-B3F1-3F43-9237-15FC801B4913}" type="datetimeFigureOut">
               <a:rPr lang="en-US" smtClean="0"/>
-              <a:t>5/23/22</a:t>
+              <a:t>5/24/22</a:t>
             </a:fld>
             <a:endParaRPr lang="en-US"/>
           </a:p>
@@ -2230,7 +2230,7 @@
         </p:nvSpPr>
         <p:spPr>
           <a:xfrm>
-            <a:off x="5183188" y="987425"/>
+            <a:off x="5183188" y="987427"/>
             <a:ext cx="6172200" cy="4873625"/>
           </a:xfrm>
         </p:spPr>
@@ -2331,35 +2331,35 @@
               <a:buNone/>
               <a:defRPr sz="1600"/>
             </a:lvl1pPr>
-            <a:lvl2pPr marL="457200" indent="0">
+            <a:lvl2pPr marL="457189" indent="0">
               <a:buNone/>
               <a:defRPr sz="1400"/>
             </a:lvl2pPr>
-            <a:lvl3pPr marL="914400" indent="0">
+            <a:lvl3pPr marL="914377" indent="0">
               <a:buNone/>
               <a:defRPr sz="1200"/>
             </a:lvl3pPr>
-            <a:lvl4pPr marL="1371600" indent="0">
+            <a:lvl4pPr marL="1371566" indent="0">
               <a:buNone/>
               <a:defRPr sz="1000"/>
             </a:lvl4pPr>
-            <a:lvl5pPr marL="1828800" indent="0">
+            <a:lvl5pPr marL="1828754" indent="0">
               <a:buNone/>
               <a:defRPr sz="1000"/>
             </a:lvl5pPr>
-            <a:lvl6pPr marL="2286000" indent="0">
+            <a:lvl6pPr marL="2285943" indent="0">
               <a:buNone/>
               <a:defRPr sz="1000"/>
             </a:lvl6pPr>
-            <a:lvl7pPr marL="2743200" indent="0">
+            <a:lvl7pPr marL="2743131" indent="0">
               <a:buNone/>
               <a:defRPr sz="1000"/>
             </a:lvl7pPr>
-            <a:lvl8pPr marL="3200400" indent="0">
+            <a:lvl8pPr marL="3200320" indent="0">
               <a:buNone/>
               <a:defRPr sz="1000"/>
             </a:lvl8pPr>
-            <a:lvl9pPr marL="3657600" indent="0">
+            <a:lvl9pPr marL="3657509" indent="0">
               <a:buNone/>
               <a:defRPr sz="1000"/>
             </a:lvl9pPr>
@@ -2396,7 +2396,7 @@
           <a:p>
             <a:fld id="{F46474C2-B3F1-3F43-9237-15FC801B4913}" type="datetimeFigureOut">
               <a:rPr lang="en-US" smtClean="0"/>
-              <a:t>5/23/22</a:t>
+              <a:t>5/24/22</a:t>
             </a:fld>
             <a:endParaRPr lang="en-US"/>
           </a:p>
@@ -2541,7 +2541,7 @@
         </p:nvSpPr>
         <p:spPr>
           <a:xfrm>
-            <a:off x="5183188" y="987425"/>
+            <a:off x="5183188" y="987427"/>
             <a:ext cx="6172200" cy="4873625"/>
           </a:xfrm>
         </p:spPr>
@@ -2552,35 +2552,35 @@
               <a:buNone/>
               <a:defRPr sz="3200"/>
             </a:lvl1pPr>
-            <a:lvl2pPr marL="457200" indent="0">
+            <a:lvl2pPr marL="457189" indent="0">
               <a:buNone/>
               <a:defRPr sz="2800"/>
             </a:lvl2pPr>
-            <a:lvl3pPr marL="914400" indent="0">
+            <a:lvl3pPr marL="914377" indent="0">
               <a:buNone/>
               <a:defRPr sz="2400"/>
             </a:lvl3pPr>
-            <a:lvl4pPr marL="1371600" indent="0">
+            <a:lvl4pPr marL="1371566" indent="0">
               <a:buNone/>
               <a:defRPr sz="2000"/>
             </a:lvl4pPr>
-            <a:lvl5pPr marL="1828800" indent="0">
+            <a:lvl5pPr marL="1828754" indent="0">
               <a:buNone/>
               <a:defRPr sz="2000"/>
             </a:lvl5pPr>
-            <a:lvl6pPr marL="2286000" indent="0">
+            <a:lvl6pPr marL="2285943" indent="0">
               <a:buNone/>
               <a:defRPr sz="2000"/>
             </a:lvl6pPr>
-            <a:lvl7pPr marL="2743200" indent="0">
+            <a:lvl7pPr marL="2743131" indent="0">
               <a:buNone/>
               <a:defRPr sz="2000"/>
             </a:lvl7pPr>
-            <a:lvl8pPr marL="3200400" indent="0">
+            <a:lvl8pPr marL="3200320" indent="0">
               <a:buNone/>
               <a:defRPr sz="2000"/>
             </a:lvl8pPr>
-            <a:lvl9pPr marL="3657600" indent="0">
+            <a:lvl9pPr marL="3657509" indent="0">
               <a:buNone/>
               <a:defRPr sz="2000"/>
             </a:lvl9pPr>
@@ -2619,35 +2619,35 @@
               <a:buNone/>
               <a:defRPr sz="1600"/>
             </a:lvl1pPr>
-            <a:lvl2pPr marL="457200" indent="0">
+            <a:lvl2pPr marL="457189" indent="0">
               <a:buNone/>
               <a:defRPr sz="1400"/>
             </a:lvl2pPr>
-            <a:lvl3pPr marL="914400" indent="0">
+            <a:lvl3pPr marL="914377" indent="0">
               <a:buNone/>
               <a:defRPr sz="1200"/>
             </a:lvl3pPr>
-            <a:lvl4pPr marL="1371600" indent="0">
+            <a:lvl4pPr marL="1371566" indent="0">
               <a:buNone/>
               <a:defRPr sz="1000"/>
             </a:lvl4pPr>
-            <a:lvl5pPr marL="1828800" indent="0">
+            <a:lvl5pPr marL="1828754" indent="0">
               <a:buNone/>
               <a:defRPr sz="1000"/>
             </a:lvl5pPr>
-            <a:lvl6pPr marL="2286000" indent="0">
+            <a:lvl6pPr marL="2285943" indent="0">
               <a:buNone/>
               <a:defRPr sz="1000"/>
             </a:lvl6pPr>
-            <a:lvl7pPr marL="2743200" indent="0">
+            <a:lvl7pPr marL="2743131" indent="0">
               <a:buNone/>
               <a:defRPr sz="1000"/>
             </a:lvl7pPr>
-            <a:lvl8pPr marL="3200400" indent="0">
+            <a:lvl8pPr marL="3200320" indent="0">
               <a:buNone/>
               <a:defRPr sz="1000"/>
             </a:lvl8pPr>
-            <a:lvl9pPr marL="3657600" indent="0">
+            <a:lvl9pPr marL="3657509" indent="0">
               <a:buNone/>
               <a:defRPr sz="1000"/>
             </a:lvl9pPr>
@@ -2684,7 +2684,7 @@
           <a:p>
             <a:fld id="{F46474C2-B3F1-3F43-9237-15FC801B4913}" type="datetimeFigureOut">
               <a:rPr lang="en-US" smtClean="0"/>
-              <a:t>5/23/22</a:t>
+              <a:t>5/24/22</a:t>
             </a:fld>
             <a:endParaRPr lang="en-US"/>
           </a:p>
@@ -2797,7 +2797,7 @@
         </p:nvSpPr>
         <p:spPr>
           <a:xfrm>
-            <a:off x="838200" y="365125"/>
+            <a:off x="838200" y="365127"/>
             <a:ext cx="10515600" cy="1325563"/>
           </a:xfrm>
           <a:prstGeom prst="rect">
@@ -2902,7 +2902,7 @@
         </p:nvSpPr>
         <p:spPr>
           <a:xfrm>
-            <a:off x="838200" y="6356350"/>
+            <a:off x="838200" y="6356352"/>
             <a:ext cx="2743200" cy="365125"/>
           </a:xfrm>
           <a:prstGeom prst="rect">
@@ -2925,7 +2925,7 @@
           <a:p>
             <a:fld id="{F46474C2-B3F1-3F43-9237-15FC801B4913}" type="datetimeFigureOut">
               <a:rPr lang="en-US" smtClean="0"/>
-              <a:t>5/23/22</a:t>
+              <a:t>5/24/22</a:t>
             </a:fld>
             <a:endParaRPr lang="en-US"/>
           </a:p>
@@ -2949,7 +2949,7 @@
         </p:nvSpPr>
         <p:spPr>
           <a:xfrm>
-            <a:off x="4038600" y="6356350"/>
+            <a:off x="4038600" y="6356352"/>
             <a:ext cx="4114800" cy="365125"/>
           </a:xfrm>
           <a:prstGeom prst="rect">
@@ -2992,7 +2992,7 @@
         </p:nvSpPr>
         <p:spPr>
           <a:xfrm>
-            <a:off x="8610600" y="6356350"/>
+            <a:off x="8610600" y="6356352"/>
             <a:ext cx="2743200" cy="365125"/>
           </a:xfrm>
           <a:prstGeom prst="rect">
@@ -3044,7 +3044,7 @@
   </p:sldLayoutIdLst>
   <p:txStyles>
     <p:titleStyle>
-      <a:lvl1pPr algn="l" defTabSz="914400" rtl="0" eaLnBrk="1" latinLnBrk="0" hangingPunct="1">
+      <a:lvl1pPr algn="l" defTabSz="914377" rtl="0" eaLnBrk="1" latinLnBrk="0" hangingPunct="1">
         <a:lnSpc>
           <a:spcPct val="90000"/>
         </a:lnSpc>
@@ -3063,7 +3063,7 @@
       </a:lvl1pPr>
     </p:titleStyle>
     <p:bodyStyle>
-      <a:lvl1pPr marL="228600" indent="-228600" algn="l" defTabSz="914400" rtl="0" eaLnBrk="1" latinLnBrk="0" hangingPunct="1">
+      <a:lvl1pPr marL="228594" indent="-228594" algn="l" defTabSz="914377" rtl="0" eaLnBrk="1" latinLnBrk="0" hangingPunct="1">
         <a:lnSpc>
           <a:spcPct val="90000"/>
         </a:lnSpc>
@@ -3081,7 +3081,7 @@
           <a:cs typeface="+mn-cs"/>
         </a:defRPr>
       </a:lvl1pPr>
-      <a:lvl2pPr marL="685800" indent="-228600" algn="l" defTabSz="914400" rtl="0" eaLnBrk="1" latinLnBrk="0" hangingPunct="1">
+      <a:lvl2pPr marL="685783" indent="-228594" algn="l" defTabSz="914377" rtl="0" eaLnBrk="1" latinLnBrk="0" hangingPunct="1">
         <a:lnSpc>
           <a:spcPct val="90000"/>
         </a:lnSpc>
@@ -3099,7 +3099,7 @@
           <a:cs typeface="+mn-cs"/>
         </a:defRPr>
       </a:lvl2pPr>
-      <a:lvl3pPr marL="1143000" indent="-228600" algn="l" defTabSz="914400" rtl="0" eaLnBrk="1" latinLnBrk="0" hangingPunct="1">
+      <a:lvl3pPr marL="1142971" indent="-228594" algn="l" defTabSz="914377" rtl="0" eaLnBrk="1" latinLnBrk="0" hangingPunct="1">
         <a:lnSpc>
           <a:spcPct val="90000"/>
         </a:lnSpc>
@@ -3117,7 +3117,7 @@
           <a:cs typeface="+mn-cs"/>
         </a:defRPr>
       </a:lvl3pPr>
-      <a:lvl4pPr marL="1600200" indent="-228600" algn="l" defTabSz="914400" rtl="0" eaLnBrk="1" latinLnBrk="0" hangingPunct="1">
+      <a:lvl4pPr marL="1600160" indent="-228594" algn="l" defTabSz="914377" rtl="0" eaLnBrk="1" latinLnBrk="0" hangingPunct="1">
         <a:lnSpc>
           <a:spcPct val="90000"/>
         </a:lnSpc>
@@ -3135,7 +3135,7 @@
           <a:cs typeface="+mn-cs"/>
         </a:defRPr>
       </a:lvl4pPr>
-      <a:lvl5pPr marL="2057400" indent="-228600" algn="l" defTabSz="914400" rtl="0" eaLnBrk="1" latinLnBrk="0" hangingPunct="1">
+      <a:lvl5pPr marL="2057349" indent="-228594" algn="l" defTabSz="914377" rtl="0" eaLnBrk="1" latinLnBrk="0" hangingPunct="1">
         <a:lnSpc>
           <a:spcPct val="90000"/>
         </a:lnSpc>
@@ -3153,7 +3153,7 @@
           <a:cs typeface="+mn-cs"/>
         </a:defRPr>
       </a:lvl5pPr>
-      <a:lvl6pPr marL="2514600" indent="-228600" algn="l" defTabSz="914400" rtl="0" eaLnBrk="1" latinLnBrk="0" hangingPunct="1">
+      <a:lvl6pPr marL="2514537" indent="-228594" algn="l" defTabSz="914377" rtl="0" eaLnBrk="1" latinLnBrk="0" hangingPunct="1">
         <a:lnSpc>
           <a:spcPct val="90000"/>
         </a:lnSpc>
@@ -3171,7 +3171,7 @@
           <a:cs typeface="+mn-cs"/>
         </a:defRPr>
       </a:lvl6pPr>
-      <a:lvl7pPr marL="2971800" indent="-228600" algn="l" defTabSz="914400" rtl="0" eaLnBrk="1" latinLnBrk="0" hangingPunct="1">
+      <a:lvl7pPr marL="2971726" indent="-228594" algn="l" defTabSz="914377" rtl="0" eaLnBrk="1" latinLnBrk="0" hangingPunct="1">
         <a:lnSpc>
           <a:spcPct val="90000"/>
         </a:lnSpc>
@@ -3189,7 +3189,7 @@
           <a:cs typeface="+mn-cs"/>
         </a:defRPr>
       </a:lvl7pPr>
-      <a:lvl8pPr marL="3429000" indent="-228600" algn="l" defTabSz="914400" rtl="0" eaLnBrk="1" latinLnBrk="0" hangingPunct="1">
+      <a:lvl8pPr marL="3428914" indent="-228594" algn="l" defTabSz="914377" rtl="0" eaLnBrk="1" latinLnBrk="0" hangingPunct="1">
         <a:lnSpc>
           <a:spcPct val="90000"/>
         </a:lnSpc>
@@ -3207,7 +3207,7 @@
           <a:cs typeface="+mn-cs"/>
         </a:defRPr>
       </a:lvl8pPr>
-      <a:lvl9pPr marL="3886200" indent="-228600" algn="l" defTabSz="914400" rtl="0" eaLnBrk="1" latinLnBrk="0" hangingPunct="1">
+      <a:lvl9pPr marL="3886103" indent="-228594" algn="l" defTabSz="914377" rtl="0" eaLnBrk="1" latinLnBrk="0" hangingPunct="1">
         <a:lnSpc>
           <a:spcPct val="90000"/>
         </a:lnSpc>
@@ -3230,7 +3230,7 @@
       <a:defPPr>
         <a:defRPr lang="en-US"/>
       </a:defPPr>
-      <a:lvl1pPr marL="0" algn="l" defTabSz="914400" rtl="0" eaLnBrk="1" latinLnBrk="0" hangingPunct="1">
+      <a:lvl1pPr marL="0" algn="l" defTabSz="914377" rtl="0" eaLnBrk="1" latinLnBrk="0" hangingPunct="1">
         <a:defRPr sz="1800" kern="1200">
           <a:solidFill>
             <a:schemeClr val="tx1"/>
@@ -3240,7 +3240,7 @@
           <a:cs typeface="+mn-cs"/>
         </a:defRPr>
       </a:lvl1pPr>
-      <a:lvl2pPr marL="457200" algn="l" defTabSz="914400" rtl="0" eaLnBrk="1" latinLnBrk="0" hangingPunct="1">
+      <a:lvl2pPr marL="457189" algn="l" defTabSz="914377" rtl="0" eaLnBrk="1" latinLnBrk="0" hangingPunct="1">
         <a:defRPr sz="1800" kern="1200">
           <a:solidFill>
             <a:schemeClr val="tx1"/>
@@ -3250,7 +3250,7 @@
           <a:cs typeface="+mn-cs"/>
         </a:defRPr>
       </a:lvl2pPr>
-      <a:lvl3pPr marL="914400" algn="l" defTabSz="914400" rtl="0" eaLnBrk="1" latinLnBrk="0" hangingPunct="1">
+      <a:lvl3pPr marL="914377" algn="l" defTabSz="914377" rtl="0" eaLnBrk="1" latinLnBrk="0" hangingPunct="1">
         <a:defRPr sz="1800" kern="1200">
           <a:solidFill>
             <a:schemeClr val="tx1"/>
@@ -3260,7 +3260,7 @@
           <a:cs typeface="+mn-cs"/>
         </a:defRPr>
       </a:lvl3pPr>
-      <a:lvl4pPr marL="1371600" algn="l" defTabSz="914400" rtl="0" eaLnBrk="1" latinLnBrk="0" hangingPunct="1">
+      <a:lvl4pPr marL="1371566" algn="l" defTabSz="914377" rtl="0" eaLnBrk="1" latinLnBrk="0" hangingPunct="1">
         <a:defRPr sz="1800" kern="1200">
           <a:solidFill>
             <a:schemeClr val="tx1"/>
@@ -3270,7 +3270,7 @@
           <a:cs typeface="+mn-cs"/>
         </a:defRPr>
       </a:lvl4pPr>
-      <a:lvl5pPr marL="1828800" algn="l" defTabSz="914400" rtl="0" eaLnBrk="1" latinLnBrk="0" hangingPunct="1">
+      <a:lvl5pPr marL="1828754" algn="l" defTabSz="914377" rtl="0" eaLnBrk="1" latinLnBrk="0" hangingPunct="1">
         <a:defRPr sz="1800" kern="1200">
           <a:solidFill>
             <a:schemeClr val="tx1"/>
@@ -3280,7 +3280,7 @@
           <a:cs typeface="+mn-cs"/>
         </a:defRPr>
       </a:lvl5pPr>
-      <a:lvl6pPr marL="2286000" algn="l" defTabSz="914400" rtl="0" eaLnBrk="1" latinLnBrk="0" hangingPunct="1">
+      <a:lvl6pPr marL="2285943" algn="l" defTabSz="914377" rtl="0" eaLnBrk="1" latinLnBrk="0" hangingPunct="1">
         <a:defRPr sz="1800" kern="1200">
           <a:solidFill>
             <a:schemeClr val="tx1"/>
@@ -3290,7 +3290,7 @@
           <a:cs typeface="+mn-cs"/>
         </a:defRPr>
       </a:lvl6pPr>
-      <a:lvl7pPr marL="2743200" algn="l" defTabSz="914400" rtl="0" eaLnBrk="1" latinLnBrk="0" hangingPunct="1">
+      <a:lvl7pPr marL="2743131" algn="l" defTabSz="914377" rtl="0" eaLnBrk="1" latinLnBrk="0" hangingPunct="1">
         <a:defRPr sz="1800" kern="1200">
           <a:solidFill>
             <a:schemeClr val="tx1"/>
@@ -3300,7 +3300,7 @@
           <a:cs typeface="+mn-cs"/>
         </a:defRPr>
       </a:lvl7pPr>
-      <a:lvl8pPr marL="3200400" algn="l" defTabSz="914400" rtl="0" eaLnBrk="1" latinLnBrk="0" hangingPunct="1">
+      <a:lvl8pPr marL="3200320" algn="l" defTabSz="914377" rtl="0" eaLnBrk="1" latinLnBrk="0" hangingPunct="1">
         <a:defRPr sz="1800" kern="1200">
           <a:solidFill>
             <a:schemeClr val="tx1"/>
@@ -3310,7 +3310,7 @@
           <a:cs typeface="+mn-cs"/>
         </a:defRPr>
       </a:lvl8pPr>
-      <a:lvl9pPr marL="3657600" algn="l" defTabSz="914400" rtl="0" eaLnBrk="1" latinLnBrk="0" hangingPunct="1">
+      <a:lvl9pPr marL="3657509" algn="l" defTabSz="914377" rtl="0" eaLnBrk="1" latinLnBrk="0" hangingPunct="1">
         <a:defRPr sz="1800" kern="1200">
           <a:solidFill>
             <a:schemeClr val="tx1"/>
@@ -3399,7 +3399,7 @@
         </p:nvCxnSpPr>
         <p:spPr>
           <a:xfrm>
-            <a:off x="5452712" y="4495687"/>
+            <a:off x="5452713" y="4495687"/>
             <a:ext cx="564292" cy="0"/>
           </a:xfrm>
           <a:prstGeom prst="straightConnector1">
@@ -3440,7 +3440,7 @@
         </p:nvCxnSpPr>
         <p:spPr>
           <a:xfrm flipV="1">
-            <a:off x="7315458" y="4519894"/>
+            <a:off x="7315459" y="4519896"/>
             <a:ext cx="588495" cy="1"/>
           </a:xfrm>
           <a:prstGeom prst="straightConnector1">
@@ -3479,7 +3479,7 @@
         </p:nvSpPr>
         <p:spPr>
           <a:xfrm>
-            <a:off x="3710120" y="573044"/>
+            <a:off x="3710121" y="573045"/>
             <a:ext cx="5027140" cy="2855945"/>
           </a:xfrm>
           <a:prstGeom prst="rect">
@@ -3531,7 +3531,7 @@
         </p:nvSpPr>
         <p:spPr>
           <a:xfrm>
-            <a:off x="3710120" y="573045"/>
+            <a:off x="3710121" y="573046"/>
             <a:ext cx="5027140" cy="469556"/>
           </a:xfrm>
           <a:prstGeom prst="rect">
@@ -3627,8 +3627,8 @@
         </p:nvSpPr>
         <p:spPr>
           <a:xfrm>
-            <a:off x="6302415" y="1442034"/>
-            <a:ext cx="963826" cy="247135"/>
+            <a:off x="6302415" y="1442035"/>
+            <a:ext cx="963827" cy="247135"/>
           </a:xfrm>
           <a:prstGeom prst="rect">
             <a:avLst/>
@@ -3673,7 +3673,7 @@
         </p:nvSpPr>
         <p:spPr>
           <a:xfrm>
-            <a:off x="6302415" y="1442033"/>
+            <a:off x="6302416" y="1442034"/>
             <a:ext cx="234779" cy="247135"/>
           </a:xfrm>
           <a:prstGeom prst="rect">
@@ -3719,7 +3719,7 @@
         </p:nvSpPr>
         <p:spPr>
           <a:xfrm>
-            <a:off x="6795653" y="1442034"/>
+            <a:off x="6795653" y="1442035"/>
             <a:ext cx="234779" cy="247135"/>
           </a:xfrm>
           <a:prstGeom prst="rect">
@@ -3768,8 +3768,8 @@
         </p:nvCxnSpPr>
         <p:spPr>
           <a:xfrm flipH="1" flipV="1">
-            <a:off x="4905636" y="3287072"/>
-            <a:ext cx="1518848" cy="788486"/>
+            <a:off x="4905636" y="3287073"/>
+            <a:ext cx="1518848" cy="788487"/>
           </a:xfrm>
           <a:prstGeom prst="straightConnector1">
             <a:avLst/>
@@ -3807,7 +3807,7 @@
         </p:nvSpPr>
         <p:spPr>
           <a:xfrm>
-            <a:off x="4035002" y="3563000"/>
+            <a:off x="4035004" y="3563001"/>
             <a:ext cx="1933833" cy="461665"/>
           </a:xfrm>
           <a:prstGeom prst="rect">
@@ -3863,8 +3863,8 @@
         </p:nvSpPr>
         <p:spPr>
           <a:xfrm>
-            <a:off x="5738687" y="1108401"/>
-            <a:ext cx="1408670" cy="276999"/>
+            <a:off x="5738687" y="1108402"/>
+            <a:ext cx="1408671" cy="276999"/>
           </a:xfrm>
           <a:prstGeom prst="rect">
             <a:avLst/>
@@ -3907,8 +3907,8 @@
         </p:nvSpPr>
         <p:spPr>
           <a:xfrm>
-            <a:off x="3855308" y="2204840"/>
-            <a:ext cx="2094475" cy="345990"/>
+            <a:off x="3855309" y="2204841"/>
+            <a:ext cx="2094475" cy="345991"/>
           </a:xfrm>
           <a:prstGeom prst="rect">
             <a:avLst/>
@@ -3975,7 +3975,7 @@
         </p:nvCxnSpPr>
         <p:spPr>
           <a:xfrm flipV="1">
-            <a:off x="4902546" y="1687115"/>
+            <a:off x="4902547" y="1687116"/>
             <a:ext cx="1046671" cy="517725"/>
           </a:xfrm>
           <a:prstGeom prst="straightConnector1">
@@ -4014,7 +4014,7 @@
         </p:nvSpPr>
         <p:spPr>
           <a:xfrm>
-            <a:off x="4989556" y="1802219"/>
+            <a:off x="4989557" y="1802220"/>
             <a:ext cx="564292" cy="276999"/>
           </a:xfrm>
           <a:prstGeom prst="rect">
@@ -4050,7 +4050,7 @@
         </p:nvSpPr>
         <p:spPr>
           <a:xfrm>
-            <a:off x="6560412" y="2191949"/>
+            <a:off x="6560412" y="2191950"/>
             <a:ext cx="2098589" cy="374557"/>
           </a:xfrm>
           <a:prstGeom prst="rect">
@@ -4118,7 +4118,7 @@
         </p:nvCxnSpPr>
         <p:spPr>
           <a:xfrm flipH="1" flipV="1">
-            <a:off x="5949783" y="2377835"/>
+            <a:off x="5949784" y="2377837"/>
             <a:ext cx="610629" cy="1393"/>
           </a:xfrm>
           <a:prstGeom prst="straightConnector1">
@@ -4160,8 +4160,8 @@
         </p:nvCxnSpPr>
         <p:spPr>
           <a:xfrm>
-            <a:off x="6645881" y="1676278"/>
-            <a:ext cx="963826" cy="515671"/>
+            <a:off x="6645881" y="1676279"/>
+            <a:ext cx="963827" cy="515671"/>
           </a:xfrm>
           <a:prstGeom prst="straightConnector1">
             <a:avLst/>
@@ -4199,7 +4199,7 @@
         </p:nvSpPr>
         <p:spPr>
           <a:xfrm>
-            <a:off x="7035632" y="1643800"/>
+            <a:off x="7035633" y="1643801"/>
             <a:ext cx="564292" cy="276999"/>
           </a:xfrm>
           <a:prstGeom prst="rect">
@@ -4235,8 +4235,8 @@
         </p:nvSpPr>
         <p:spPr>
           <a:xfrm>
-            <a:off x="3858398" y="2941082"/>
-            <a:ext cx="2094475" cy="345990"/>
+            <a:off x="3858399" y="2941082"/>
+            <a:ext cx="2094475" cy="345991"/>
           </a:xfrm>
           <a:prstGeom prst="rect">
             <a:avLst/>
@@ -4302,8 +4302,8 @@
         </p:nvCxnSpPr>
         <p:spPr>
           <a:xfrm flipH="1" flipV="1">
-            <a:off x="4902546" y="2550830"/>
-            <a:ext cx="3090" cy="390252"/>
+            <a:off x="4902545" y="2550831"/>
+            <a:ext cx="3091" cy="390252"/>
           </a:xfrm>
           <a:prstGeom prst="straightConnector1">
             <a:avLst/>
@@ -4341,8 +4341,8 @@
         </p:nvSpPr>
         <p:spPr>
           <a:xfrm>
-            <a:off x="5936398" y="2148646"/>
-            <a:ext cx="637398" cy="461665"/>
+            <a:off x="5936398" y="2148647"/>
+            <a:ext cx="637399" cy="461665"/>
           </a:xfrm>
           <a:prstGeom prst="rect">
             <a:avLst/>
@@ -4386,7 +4386,7 @@
         </p:nvSpPr>
         <p:spPr>
           <a:xfrm>
-            <a:off x="7481509" y="2607456"/>
+            <a:off x="7481509" y="2607457"/>
             <a:ext cx="800096" cy="276999"/>
           </a:xfrm>
           <a:prstGeom prst="rect">
@@ -4427,8 +4427,8 @@
         </p:nvSpPr>
         <p:spPr>
           <a:xfrm>
-            <a:off x="6564526" y="2943246"/>
-            <a:ext cx="2094475" cy="345990"/>
+            <a:off x="6564527" y="2943246"/>
+            <a:ext cx="2094475" cy="345991"/>
           </a:xfrm>
           <a:prstGeom prst="rect">
             <a:avLst/>
@@ -4487,7 +4487,7 @@
         </p:nvCxnSpPr>
         <p:spPr>
           <a:xfrm>
-            <a:off x="7609707" y="2566506"/>
+            <a:off x="7609709" y="2566507"/>
             <a:ext cx="2057" cy="376740"/>
           </a:xfrm>
           <a:prstGeom prst="straightConnector1">
@@ -4529,7 +4529,7 @@
         </p:nvCxnSpPr>
         <p:spPr>
           <a:xfrm flipH="1">
-            <a:off x="6424484" y="3289236"/>
+            <a:off x="6424484" y="3289237"/>
             <a:ext cx="1187280" cy="786321"/>
           </a:xfrm>
           <a:prstGeom prst="straightConnector1">
@@ -4576,8 +4576,8 @@
         </p:blipFill>
         <p:spPr>
           <a:xfrm>
-            <a:off x="3160920" y="4322838"/>
-            <a:ext cx="301706" cy="302127"/>
+            <a:off x="3160920" y="4322839"/>
+            <a:ext cx="301707" cy="302127"/>
           </a:xfrm>
           <a:prstGeom prst="rect">
             <a:avLst/>
@@ -4606,7 +4606,7 @@
         </p:blipFill>
         <p:spPr>
           <a:xfrm>
-            <a:off x="5557901" y="4177341"/>
+            <a:off x="5557902" y="4177342"/>
             <a:ext cx="316641" cy="296561"/>
           </a:xfrm>
           <a:prstGeom prst="rect">
@@ -4628,8 +4628,8 @@
         </p:nvSpPr>
         <p:spPr>
           <a:xfrm>
-            <a:off x="5338589" y="1439980"/>
-            <a:ext cx="963826" cy="247135"/>
+            <a:off x="5338589" y="1439982"/>
+            <a:ext cx="963827" cy="247135"/>
           </a:xfrm>
           <a:prstGeom prst="rect">
             <a:avLst/>
@@ -4674,7 +4674,7 @@
         </p:nvSpPr>
         <p:spPr>
           <a:xfrm>
-            <a:off x="5338589" y="1439979"/>
+            <a:off x="5338589" y="1439981"/>
             <a:ext cx="234779" cy="247135"/>
           </a:xfrm>
           <a:prstGeom prst="rect">
@@ -4720,7 +4720,7 @@
         </p:nvSpPr>
         <p:spPr>
           <a:xfrm>
-            <a:off x="5831827" y="1439980"/>
+            <a:off x="5831828" y="1439982"/>
             <a:ext cx="234779" cy="247135"/>
           </a:xfrm>
           <a:prstGeom prst="rect">
@@ -4766,7 +4766,7 @@
         </p:nvSpPr>
         <p:spPr>
           <a:xfrm>
-            <a:off x="4125988" y="4061557"/>
+            <a:off x="4125990" y="4061557"/>
             <a:ext cx="1327279" cy="906011"/>
           </a:xfrm>
           <a:prstGeom prst="roundRect">
@@ -4828,7 +4828,7 @@
         </p:nvSpPr>
         <p:spPr>
           <a:xfrm>
-            <a:off x="7903953" y="4058221"/>
+            <a:off x="7903954" y="4058221"/>
             <a:ext cx="1327279" cy="906011"/>
           </a:xfrm>
           <a:prstGeom prst="roundRect">
@@ -4883,7 +4883,7 @@
         </p:nvSpPr>
         <p:spPr>
           <a:xfrm>
-            <a:off x="6002518" y="4058222"/>
+            <a:off x="6002519" y="4058223"/>
             <a:ext cx="1327279" cy="906011"/>
           </a:xfrm>
           <a:prstGeom prst="roundRect">
@@ -4972,7 +4972,7 @@
         </p:nvCxnSpPr>
         <p:spPr>
           <a:xfrm>
-            <a:off x="2405158" y="6056865"/>
+            <a:off x="2405159" y="6056865"/>
             <a:ext cx="322256" cy="0"/>
           </a:xfrm>
           <a:prstGeom prst="straightConnector1">
@@ -5018,7 +5018,7 @@
         </p:nvCxnSpPr>
         <p:spPr>
           <a:xfrm flipV="1">
-            <a:off x="3391054" y="4116645"/>
+            <a:off x="3391055" y="4116645"/>
             <a:ext cx="0" cy="1640747"/>
           </a:xfrm>
           <a:prstGeom prst="straightConnector1">
@@ -5104,8 +5104,8 @@
         </p:nvSpPr>
         <p:spPr>
           <a:xfrm>
-            <a:off x="2258380" y="1381400"/>
-            <a:ext cx="1408670" cy="276999"/>
+            <a:off x="2258381" y="1381401"/>
+            <a:ext cx="1408671" cy="276999"/>
           </a:xfrm>
           <a:prstGeom prst="rect">
             <a:avLst/>
@@ -5148,7 +5148,7 @@
         </p:nvSpPr>
         <p:spPr>
           <a:xfrm>
-            <a:off x="166222" y="5505528"/>
+            <a:off x="166223" y="5505529"/>
             <a:ext cx="564292" cy="276999"/>
           </a:xfrm>
           <a:prstGeom prst="rect">
@@ -5187,7 +5187,7 @@
         <p:spPr>
           <a:xfrm flipH="1">
             <a:off x="4831302" y="3429345"/>
-            <a:ext cx="1708054" cy="13832"/>
+            <a:ext cx="1708055" cy="13832"/>
           </a:xfrm>
           <a:prstGeom prst="straightConnector1">
             <a:avLst/>
@@ -5231,7 +5231,7 @@
         </p:nvCxnSpPr>
         <p:spPr>
           <a:xfrm flipH="1">
-            <a:off x="4831302" y="3926046"/>
+            <a:off x="4831303" y="3926047"/>
             <a:ext cx="1706979" cy="2971"/>
           </a:xfrm>
           <a:prstGeom prst="straightConnector1">
@@ -5273,7 +5273,7 @@
         </p:nvSpPr>
         <p:spPr>
           <a:xfrm>
-            <a:off x="5412796" y="2201683"/>
+            <a:off x="5412797" y="2201683"/>
             <a:ext cx="564292" cy="276999"/>
           </a:xfrm>
           <a:prstGeom prst="rect">
@@ -5309,7 +5309,7 @@
         </p:nvSpPr>
         <p:spPr>
           <a:xfrm>
-            <a:off x="5185403" y="4199302"/>
+            <a:off x="5185403" y="4199304"/>
             <a:ext cx="1077260" cy="276999"/>
           </a:xfrm>
           <a:prstGeom prst="rect">
@@ -5358,7 +5358,7 @@
         </p:blipFill>
         <p:spPr>
           <a:xfrm>
-            <a:off x="2085975" y="5900167"/>
+            <a:off x="2085975" y="5900169"/>
             <a:ext cx="235512" cy="235841"/>
           </a:xfrm>
           <a:prstGeom prst="rect">
@@ -5380,8 +5380,8 @@
         </p:nvSpPr>
         <p:spPr>
           <a:xfrm>
-            <a:off x="2727414" y="5757392"/>
-            <a:ext cx="1327279" cy="598946"/>
+            <a:off x="2727415" y="5757392"/>
+            <a:ext cx="1327279" cy="598947"/>
           </a:xfrm>
           <a:prstGeom prst="roundRect">
             <a:avLst/>
@@ -5450,8 +5450,8 @@
         </p:nvGrpSpPr>
         <p:grpSpPr>
           <a:xfrm>
-            <a:off x="37990" y="6623600"/>
-            <a:ext cx="1706669" cy="345990"/>
+            <a:off x="37991" y="6623601"/>
+            <a:ext cx="1706669" cy="345991"/>
             <a:chOff x="6813730" y="3983439"/>
             <a:chExt cx="1922805" cy="345990"/>
           </a:xfrm>
@@ -5565,8 +5565,8 @@
         </p:nvGrpSpPr>
         <p:grpSpPr>
           <a:xfrm>
-            <a:off x="4877443" y="3126991"/>
-            <a:ext cx="2182222" cy="276999"/>
+            <a:off x="4877443" y="3126993"/>
+            <a:ext cx="2182223" cy="276999"/>
             <a:chOff x="7063595" y="2123733"/>
             <a:chExt cx="2182222" cy="276999"/>
           </a:xfrm>
@@ -5669,7 +5669,7 @@
         <p:spPr>
           <a:xfrm>
             <a:off x="3107963" y="5412014"/>
-            <a:ext cx="213928" cy="232014"/>
+            <a:ext cx="213928" cy="232015"/>
           </a:xfrm>
           <a:prstGeom prst="rect">
             <a:avLst/>
@@ -5698,7 +5698,7 @@
         </p:blipFill>
         <p:spPr>
           <a:xfrm>
-            <a:off x="5018238" y="5937506"/>
+            <a:off x="5018239" y="5937507"/>
             <a:ext cx="150316" cy="167181"/>
           </a:xfrm>
           <a:prstGeom prst="rect">
@@ -5720,7 +5720,7 @@
         </p:nvSpPr>
         <p:spPr>
           <a:xfrm>
-            <a:off x="1449707" y="398310"/>
+            <a:off x="1449707" y="398312"/>
             <a:ext cx="8075916" cy="4916897"/>
           </a:xfrm>
           <a:prstGeom prst="roundRect">
@@ -5773,7 +5773,7 @@
         </p:nvSpPr>
         <p:spPr>
           <a:xfrm>
-            <a:off x="2013526" y="514614"/>
+            <a:off x="2013527" y="514613"/>
             <a:ext cx="1095813" cy="369332"/>
           </a:xfrm>
           <a:prstGeom prst="rect">
@@ -5810,8 +5810,8 @@
           <p:nvPr/>
         </p:nvGraphicFramePr>
         <p:xfrm>
-          <a:off x="2382950" y="1657317"/>
-          <a:ext cx="1338978" cy="228600"/>
+          <a:off x="2382949" y="1657317"/>
+          <a:ext cx="1338976" cy="233680"/>
         </p:xfrm>
         <a:graphic>
           <a:graphicData uri="http://schemas.openxmlformats.org/drawingml/2006/table">
@@ -5863,7 +5863,7 @@
                   </a:extLst>
                 </a:gridCol>
               </a:tblGrid>
-              <a:tr h="122892">
+              <a:tr h="233680">
                 <a:tc>
                   <a:txBody>
                     <a:bodyPr/>
@@ -6224,8 +6224,8 @@
         </p:nvSpPr>
         <p:spPr>
           <a:xfrm>
-            <a:off x="7155003" y="5860744"/>
-            <a:ext cx="1327279" cy="598946"/>
+            <a:off x="7155005" y="5860744"/>
+            <a:ext cx="1327279" cy="598947"/>
           </a:xfrm>
           <a:prstGeom prst="roundRect">
             <a:avLst/>
@@ -6292,7 +6292,7 @@
         </p:nvCxnSpPr>
         <p:spPr>
           <a:xfrm>
-            <a:off x="7803654" y="4765167"/>
+            <a:off x="7803655" y="4765169"/>
             <a:ext cx="14989" cy="1095577"/>
           </a:xfrm>
           <a:prstGeom prst="straightConnector1">
@@ -6336,7 +6336,7 @@
         </p:nvCxnSpPr>
         <p:spPr>
           <a:xfrm flipH="1" flipV="1">
-            <a:off x="2891254" y="1768924"/>
+            <a:off x="2891255" y="1768925"/>
             <a:ext cx="1960349" cy="1697825"/>
           </a:xfrm>
           <a:prstGeom prst="straightConnector1">
@@ -6378,7 +6378,7 @@
         </p:nvSpPr>
         <p:spPr>
           <a:xfrm>
-            <a:off x="6538281" y="2836726"/>
+            <a:off x="6538282" y="2836727"/>
             <a:ext cx="2472564" cy="2178639"/>
           </a:xfrm>
           <a:prstGeom prst="roundRect">
@@ -6434,7 +6434,7 @@
         </p:nvSpPr>
         <p:spPr>
           <a:xfrm>
-            <a:off x="6788496" y="4207570"/>
+            <a:off x="6788497" y="4207571"/>
             <a:ext cx="2030316" cy="557597"/>
           </a:xfrm>
           <a:prstGeom prst="roundRect">
@@ -6514,7 +6514,7 @@
         </p:nvGrpSpPr>
         <p:grpSpPr>
           <a:xfrm>
-            <a:off x="6728737" y="2996483"/>
+            <a:off x="6728738" y="2996484"/>
             <a:ext cx="1921799" cy="646331"/>
             <a:chOff x="470357" y="910593"/>
             <a:chExt cx="1921799" cy="646331"/>
@@ -6612,7 +6612,7 @@
         </p:nvSpPr>
         <p:spPr>
           <a:xfrm>
-            <a:off x="6788496" y="3443177"/>
+            <a:off x="6788497" y="3443178"/>
             <a:ext cx="2030316" cy="557597"/>
           </a:xfrm>
           <a:prstGeom prst="roundRect">
@@ -6694,8 +6694,8 @@
         </p:nvCxnSpPr>
         <p:spPr>
           <a:xfrm>
-            <a:off x="3721928" y="1760892"/>
-            <a:ext cx="2984718" cy="1127275"/>
+            <a:off x="3721929" y="1760893"/>
+            <a:ext cx="2984719" cy="1127275"/>
           </a:xfrm>
           <a:prstGeom prst="straightConnector1">
             <a:avLst/>
@@ -6736,7 +6736,7 @@
         </p:nvSpPr>
         <p:spPr>
           <a:xfrm>
-            <a:off x="6538281" y="1039293"/>
+            <a:off x="6538282" y="1039294"/>
             <a:ext cx="2472565" cy="850495"/>
           </a:xfrm>
           <a:prstGeom prst="roundRect">
@@ -6795,7 +6795,7 @@
         </p:nvSpPr>
         <p:spPr>
           <a:xfrm>
-            <a:off x="1649954" y="1000250"/>
+            <a:off x="1649955" y="1000251"/>
             <a:ext cx="3181348" cy="4009823"/>
           </a:xfrm>
           <a:prstGeom prst="roundRect">
@@ -6852,8 +6852,8 @@
           <p:nvPr/>
         </p:nvGraphicFramePr>
         <p:xfrm>
-          <a:off x="2382950" y="2626832"/>
-          <a:ext cx="1338978" cy="228600"/>
+          <a:off x="2382949" y="2626832"/>
+          <a:ext cx="1338976" cy="233680"/>
         </p:xfrm>
         <a:graphic>
           <a:graphicData uri="http://schemas.openxmlformats.org/drawingml/2006/table">
@@ -6905,7 +6905,7 @@
                   </a:extLst>
                 </a:gridCol>
               </a:tblGrid>
-              <a:tr h="122892">
+              <a:tr h="233680">
                 <a:tc>
                   <a:txBody>
                     <a:bodyPr/>
@@ -7266,8 +7266,8 @@
         </p:nvSpPr>
         <p:spPr>
           <a:xfrm>
-            <a:off x="2321487" y="2370789"/>
-            <a:ext cx="1408670" cy="276999"/>
+            <a:off x="2321487" y="2370790"/>
+            <a:ext cx="1408671" cy="276999"/>
           </a:xfrm>
           <a:prstGeom prst="rect">
             <a:avLst/>
@@ -7302,7 +7302,7 @@
         </p:nvSpPr>
         <p:spPr>
           <a:xfrm>
-            <a:off x="2003998" y="1077625"/>
+            <a:off x="2004000" y="1077626"/>
             <a:ext cx="2164369" cy="369332"/>
           </a:xfrm>
           <a:prstGeom prst="rect">
@@ -7339,7 +7339,7 @@
         </p:nvCxnSpPr>
         <p:spPr>
           <a:xfrm flipV="1">
-            <a:off x="7475469" y="1896326"/>
+            <a:off x="7475469" y="1896327"/>
             <a:ext cx="0" cy="943068"/>
           </a:xfrm>
           <a:prstGeom prst="straightConnector1">
@@ -7383,7 +7383,7 @@
         </p:nvCxnSpPr>
         <p:spPr>
           <a:xfrm>
-            <a:off x="8116134" y="1896326"/>
+            <a:off x="8116135" y="1896327"/>
             <a:ext cx="0" cy="943068"/>
           </a:xfrm>
           <a:prstGeom prst="straightConnector1">
@@ -7427,8 +7427,8 @@
         </p:nvCxnSpPr>
         <p:spPr>
           <a:xfrm flipH="1" flipV="1">
-            <a:off x="3352852" y="1750732"/>
-            <a:ext cx="26" cy="2004219"/>
+            <a:off x="3352852" y="1750733"/>
+            <a:ext cx="27" cy="2004219"/>
           </a:xfrm>
           <a:prstGeom prst="straightConnector1">
             <a:avLst/>
@@ -7485,14 +7485,14 @@
           <a:p>
             <a:pPr algn="ctr"/>
             <a:r>
-              <a:rPr lang="zh-CN" altLang="en-US" sz="1800" dirty="0"/>
+              <a:rPr lang="zh-CN" altLang="en-US" dirty="0"/>
               <a:t> </a:t>
             </a:r>
             <a:r>
-              <a:rPr lang="en-US" altLang="zh-CN" sz="1800" dirty="0"/>
+              <a:rPr lang="en-US" altLang="zh-CN" dirty="0"/>
               <a:t>Events</a:t>
             </a:r>
-            <a:endParaRPr lang="en-US" sz="1800" dirty="0"/>
+            <a:endParaRPr lang="en-US" dirty="0"/>
           </a:p>
         </p:txBody>
       </p:sp>
@@ -7512,8 +7512,8 @@
         </p:nvCxnSpPr>
         <p:spPr>
           <a:xfrm flipH="1" flipV="1">
-            <a:off x="2716894" y="2739119"/>
-            <a:ext cx="2100320" cy="1173130"/>
+            <a:off x="2716895" y="2739119"/>
+            <a:ext cx="2100320" cy="1173131"/>
           </a:xfrm>
           <a:prstGeom prst="straightConnector1">
             <a:avLst/>
@@ -7554,7 +7554,7 @@
         </p:nvSpPr>
         <p:spPr>
           <a:xfrm>
-            <a:off x="4954249" y="5881623"/>
+            <a:off x="4954250" y="5881623"/>
             <a:ext cx="1933833" cy="461665"/>
           </a:xfrm>
           <a:prstGeom prst="rect">
@@ -7610,13 +7610,13 @@
         </p:nvCxnSpPr>
         <p:spPr>
           <a:xfrm rot="16200000" flipV="1">
-            <a:off x="1939719" y="2214849"/>
-            <a:ext cx="972737" cy="86274"/>
+            <a:off x="1940990" y="2216119"/>
+            <a:ext cx="970199" cy="86277"/>
           </a:xfrm>
           <a:prstGeom prst="bentConnector4">
             <a:avLst>
-              <a:gd name="adj1" fmla="val 481"/>
-              <a:gd name="adj2" fmla="val 364970"/>
+              <a:gd name="adj1" fmla="val 43978"/>
+              <a:gd name="adj2" fmla="val 453279"/>
             </a:avLst>
           </a:prstGeom>
           <a:ln w="25400">
@@ -7655,7 +7655,7 @@
         </p:nvGrpSpPr>
         <p:grpSpPr>
           <a:xfrm>
-            <a:off x="4847280" y="3501745"/>
+            <a:off x="4847281" y="3501745"/>
             <a:ext cx="1933833" cy="461665"/>
             <a:chOff x="5302255" y="2537141"/>
             <a:chExt cx="1933833" cy="461665"/>
@@ -7792,8 +7792,8 @@
         </p:nvSpPr>
         <p:spPr>
           <a:xfrm>
-            <a:off x="2429651" y="3770655"/>
-            <a:ext cx="1922805" cy="345990"/>
+            <a:off x="2429652" y="3770655"/>
+            <a:ext cx="1922805" cy="345991"/>
           </a:xfrm>
           <a:prstGeom prst="roundRect">
             <a:avLst/>
@@ -7902,8 +7902,8 @@
         </p:nvSpPr>
         <p:spPr>
           <a:xfrm>
-            <a:off x="8731508" y="1858539"/>
-            <a:ext cx="1510809" cy="787130"/>
+            <a:off x="8731509" y="1858539"/>
+            <a:ext cx="1510809" cy="787131"/>
           </a:xfrm>
           <a:prstGeom prst="rect">
             <a:avLst/>
@@ -7959,7 +7959,7 @@
         </p:nvSpPr>
         <p:spPr>
           <a:xfrm>
-            <a:off x="4027714" y="1858539"/>
+            <a:off x="4027716" y="1858541"/>
             <a:ext cx="4485665" cy="787129"/>
           </a:xfrm>
           <a:prstGeom prst="rect">
@@ -8016,7 +8016,7 @@
         </p:nvSpPr>
         <p:spPr>
           <a:xfrm>
-            <a:off x="4027714" y="3655136"/>
+            <a:off x="4027715" y="3655137"/>
             <a:ext cx="4485664" cy="796372"/>
           </a:xfrm>
           <a:prstGeom prst="rect">
@@ -8073,7 +8073,7 @@
         </p:nvSpPr>
         <p:spPr>
           <a:xfrm>
-            <a:off x="4027714" y="1450456"/>
+            <a:off x="4027715" y="1450456"/>
             <a:ext cx="2711669" cy="369332"/>
           </a:xfrm>
           <a:prstGeom prst="rect">
@@ -8108,7 +8108,7 @@
         </p:nvSpPr>
         <p:spPr>
           <a:xfrm>
-            <a:off x="3954141" y="3285804"/>
+            <a:off x="3954142" y="3285804"/>
             <a:ext cx="2711669" cy="369332"/>
           </a:xfrm>
           <a:prstGeom prst="rect">
@@ -8144,7 +8144,7 @@
         <p:spPr>
           <a:xfrm>
             <a:off x="7520165" y="1968432"/>
-            <a:ext cx="588578" cy="557048"/>
+            <a:ext cx="588579" cy="557048"/>
           </a:xfrm>
           <a:prstGeom prst="ellipse">
             <a:avLst/>
@@ -8192,8 +8192,8 @@
         </p:nvSpPr>
         <p:spPr>
           <a:xfrm>
-            <a:off x="8954814" y="1949669"/>
-            <a:ext cx="588578" cy="557048"/>
+            <a:off x="8954813" y="1949669"/>
+            <a:ext cx="588579" cy="557048"/>
           </a:xfrm>
           <a:prstGeom prst="ellipse">
             <a:avLst/>
@@ -8241,8 +8241,8 @@
         </p:nvSpPr>
         <p:spPr>
           <a:xfrm>
-            <a:off x="5728138" y="3775475"/>
-            <a:ext cx="588578" cy="557048"/>
+            <a:off x="5728137" y="3775475"/>
+            <a:ext cx="588579" cy="557048"/>
           </a:xfrm>
           <a:prstGeom prst="ellipse">
             <a:avLst/>
@@ -8290,8 +8290,8 @@
         </p:nvSpPr>
         <p:spPr>
           <a:xfrm>
-            <a:off x="6582118" y="1968432"/>
-            <a:ext cx="588578" cy="557048"/>
+            <a:off x="6582117" y="1968432"/>
+            <a:ext cx="588579" cy="557048"/>
           </a:xfrm>
           <a:prstGeom prst="ellipse">
             <a:avLst/>
@@ -8343,7 +8343,7 @@
         </p:nvCxnSpPr>
         <p:spPr>
           <a:xfrm rot="5400000" flipH="1">
-            <a:off x="7785730" y="1043345"/>
+            <a:off x="7785732" y="1043346"/>
             <a:ext cx="259761" cy="2666985"/>
           </a:xfrm>
           <a:prstGeom prst="bentConnector4">
@@ -8388,7 +8388,7 @@
         </p:nvSpPr>
         <p:spPr>
           <a:xfrm>
-            <a:off x="7598979" y="2924192"/>
+            <a:off x="7598980" y="2924192"/>
             <a:ext cx="2711669" cy="369332"/>
           </a:xfrm>
           <a:prstGeom prst="rect">
@@ -8427,7 +8427,7 @@
         </p:nvCxnSpPr>
         <p:spPr>
           <a:xfrm rot="5400000">
-            <a:off x="8107939" y="2912157"/>
+            <a:off x="8107940" y="2912158"/>
             <a:ext cx="1546605" cy="735725"/>
           </a:xfrm>
           <a:prstGeom prst="bentConnector2">
@@ -8469,7 +8469,7 @@
         </p:nvSpPr>
         <p:spPr>
           <a:xfrm>
-            <a:off x="8615853" y="4084322"/>
+            <a:off x="8615854" y="4084322"/>
             <a:ext cx="2711669" cy="369332"/>
           </a:xfrm>
           <a:prstGeom prst="rect">
@@ -8558,7 +8558,7 @@
         </p:nvCxnSpPr>
         <p:spPr>
           <a:xfrm flipV="1">
-            <a:off x="8108743" y="2228193"/>
+            <a:off x="8108745" y="2228193"/>
             <a:ext cx="846071" cy="18763"/>
           </a:xfrm>
           <a:prstGeom prst="straightConnector1">
@@ -8600,7 +8600,7 @@
         </p:nvSpPr>
         <p:spPr>
           <a:xfrm>
-            <a:off x="8615854" y="1475581"/>
+            <a:off x="8615855" y="1475581"/>
             <a:ext cx="2711669" cy="369332"/>
           </a:xfrm>
           <a:prstGeom prst="rect">
@@ -8637,7 +8637,7 @@
         </p:nvCxnSpPr>
         <p:spPr>
           <a:xfrm>
-            <a:off x="9543392" y="2228193"/>
+            <a:off x="9543393" y="2228193"/>
             <a:ext cx="1051036" cy="0"/>
           </a:xfrm>
           <a:prstGeom prst="straightConnector1">
@@ -8679,7 +8679,7 @@
         </p:nvSpPr>
         <p:spPr>
           <a:xfrm>
-            <a:off x="10594428" y="2062290"/>
+            <a:off x="10594428" y="2062289"/>
             <a:ext cx="2711669" cy="369332"/>
           </a:xfrm>
           <a:prstGeom prst="rect">
@@ -8717,7 +8717,7 @@
         <p:spPr>
           <a:xfrm>
             <a:off x="6022427" y="2246956"/>
-            <a:ext cx="262758" cy="0"/>
+            <a:ext cx="262759" cy="0"/>
           </a:xfrm>
           <a:prstGeom prst="straightConnector1">
             <a:avLst/>
@@ -8761,7 +8761,7 @@
         </p:nvCxnSpPr>
         <p:spPr>
           <a:xfrm>
-            <a:off x="6022427" y="2246956"/>
+            <a:off x="6022427" y="2246958"/>
             <a:ext cx="0" cy="1528519"/>
           </a:xfrm>
           <a:prstGeom prst="line">
@@ -8804,7 +8804,7 @@
             </p:nvSpPr>
             <p:spPr>
               <a:xfrm>
-                <a:off x="5989595" y="3210079"/>
+                <a:off x="5989596" y="3210079"/>
                 <a:ext cx="2711669" cy="369332"/>
               </a:xfrm>
               <a:prstGeom prst="rect">
@@ -8825,7 +8825,7 @@
                 <a14:m>
                   <m:oMath xmlns:m="http://schemas.openxmlformats.org/officeDocument/2006/math">
                     <m:r>
-                      <a:rPr lang="en-US" i="1" smtClean="0">
+                      <a:rPr lang="en-US" i="1">
                         <a:latin typeface="Cambria Math" panose="02040503050406030204" pitchFamily="18" charset="0"/>
                         <a:ea typeface="Cambria Math" panose="02040503050406030204" pitchFamily="18" charset="0"/>
                       </a:rPr>
@@ -8858,7 +8858,7 @@
             </p:nvSpPr>
             <p:spPr>
               <a:xfrm>
-                <a:off x="5989595" y="3210079"/>
+                <a:off x="5989596" y="3210079"/>
                 <a:ext cx="2711669" cy="369332"/>
               </a:xfrm>
               <a:prstGeom prst="rect">
@@ -8886,58 +8886,6 @@
           </p:sp>
         </mc:Fallback>
       </mc:AlternateContent>
-      <p:sp>
-        <p:nvSpPr>
-          <p:cNvPr id="65" name="TextBox 64">
-            <a:extLst>
-              <a:ext uri="{FF2B5EF4-FFF2-40B4-BE49-F238E27FC236}">
-                <a16:creationId xmlns:a16="http://schemas.microsoft.com/office/drawing/2014/main" id="{DC5C8B08-1656-5B46-A86F-04190FACEA8F}"/>
-              </a:ext>
-            </a:extLst>
-          </p:cNvPr>
-          <p:cNvSpPr txBox="1"/>
-          <p:nvPr/>
-        </p:nvSpPr>
-        <p:spPr>
-          <a:xfrm>
-            <a:off x="4049485" y="6032665"/>
-            <a:ext cx="2303813" cy="369332"/>
-          </a:xfrm>
-          <a:prstGeom prst="rect">
-            <a:avLst/>
-          </a:prstGeom>
-          <a:noFill/>
-        </p:spPr>
-        <p:txBody>
-          <a:bodyPr wrap="square" rtlCol="0">
-            <a:spAutoFit/>
-          </a:bodyPr>
-          <a:lstStyle/>
-          <a:p>
-            <a:r>
-              <a:rPr lang="en-US" altLang="zh-CN" dirty="0"/>
-              <a:t>1/d</a:t>
-            </a:r>
-            <a:r>
-              <a:rPr lang="zh-CN" altLang="en-US" dirty="0"/>
-              <a:t> </a:t>
-            </a:r>
-            <a:r>
-              <a:rPr lang="en-US" altLang="zh-CN" dirty="0"/>
-              <a:t>+</a:t>
-            </a:r>
-            <a:r>
-              <a:rPr lang="zh-CN" altLang="en-US" dirty="0"/>
-              <a:t> </a:t>
-            </a:r>
-            <a:r>
-              <a:rPr lang="en-US" altLang="zh-CN" dirty="0" err="1"/>
-              <a:t>code_coverage</a:t>
-            </a:r>
-            <a:endParaRPr lang="en-US" dirty="0"/>
-          </a:p>
-        </p:txBody>
-      </p:sp>
     </p:spTree>
     <p:extLst>
       <p:ext uri="{BB962C8B-B14F-4D97-AF65-F5344CB8AC3E}">
@@ -8984,7 +8932,7 @@
         </p:nvCxnSpPr>
         <p:spPr>
           <a:xfrm>
-            <a:off x="6619365" y="4684397"/>
+            <a:off x="6619366" y="4684398"/>
             <a:ext cx="7209" cy="896647"/>
           </a:xfrm>
           <a:prstGeom prst="straightConnector1">
@@ -9025,7 +8973,7 @@
         </p:nvCxnSpPr>
         <p:spPr>
           <a:xfrm>
-            <a:off x="7393635" y="1711411"/>
+            <a:off x="7393635" y="1711413"/>
             <a:ext cx="0" cy="2000433"/>
           </a:xfrm>
           <a:prstGeom prst="straightConnector1">
@@ -9069,8 +9017,8 @@
         </p:nvCxnSpPr>
         <p:spPr>
           <a:xfrm>
-            <a:off x="6598685" y="1578490"/>
-            <a:ext cx="794950" cy="132921"/>
+            <a:off x="6598686" y="1578492"/>
+            <a:ext cx="794951" cy="132921"/>
           </a:xfrm>
           <a:prstGeom prst="straightConnector1">
             <a:avLst/>
@@ -9144,7 +9092,7 @@
         </p:nvSpPr>
         <p:spPr>
           <a:xfrm>
-            <a:off x="7381911" y="1372381"/>
+            <a:off x="7381913" y="1372382"/>
             <a:ext cx="794945" cy="369332"/>
           </a:xfrm>
           <a:prstGeom prst="rect">
@@ -9182,7 +9130,7 @@
         </p:nvCxnSpPr>
         <p:spPr>
           <a:xfrm>
-            <a:off x="6582073" y="1564384"/>
+            <a:off x="6582074" y="1564385"/>
             <a:ext cx="1474708" cy="147027"/>
           </a:xfrm>
           <a:prstGeom prst="straightConnector1">
@@ -9224,7 +9172,7 @@
         <p:spPr>
           <a:xfrm>
             <a:off x="8035349" y="1714693"/>
-            <a:ext cx="0" cy="2630674"/>
+            <a:ext cx="0" cy="2630675"/>
           </a:xfrm>
           <a:prstGeom prst="straightConnector1">
             <a:avLst/>
@@ -9269,8 +9217,8 @@
         </p:nvCxnSpPr>
         <p:spPr>
           <a:xfrm flipH="1" flipV="1">
-            <a:off x="6590379" y="1564385"/>
-            <a:ext cx="28986" cy="3120012"/>
+            <a:off x="6590379" y="1564386"/>
+            <a:ext cx="28987" cy="3120012"/>
           </a:xfrm>
           <a:prstGeom prst="line">
             <a:avLst/>
@@ -9310,8 +9258,8 @@
         </p:nvCxnSpPr>
         <p:spPr>
           <a:xfrm flipH="1" flipV="1">
-            <a:off x="6582073" y="984612"/>
-            <a:ext cx="8306" cy="581883"/>
+            <a:off x="6582073" y="984613"/>
+            <a:ext cx="8307" cy="581883"/>
           </a:xfrm>
           <a:prstGeom prst="line">
             <a:avLst/>
@@ -9351,7 +9299,7 @@
         </p:nvCxnSpPr>
         <p:spPr>
           <a:xfrm flipH="1">
-            <a:off x="6626575" y="3706436"/>
+            <a:off x="6626575" y="3706437"/>
             <a:ext cx="767060" cy="222819"/>
           </a:xfrm>
           <a:prstGeom prst="straightConnector1">
@@ -9390,7 +9338,7 @@
         </p:nvSpPr>
         <p:spPr>
           <a:xfrm>
-            <a:off x="7240404" y="4382096"/>
+            <a:off x="7240405" y="4382097"/>
             <a:ext cx="794945" cy="369332"/>
           </a:xfrm>
           <a:prstGeom prst="rect">
@@ -9428,7 +9376,7 @@
         </p:nvCxnSpPr>
         <p:spPr>
           <a:xfrm flipV="1">
-            <a:off x="4538427" y="984612"/>
+            <a:off x="4538429" y="984613"/>
             <a:ext cx="2060257" cy="996275"/>
           </a:xfrm>
           <a:prstGeom prst="straightConnector1">
@@ -9469,7 +9417,7 @@
         </p:nvCxnSpPr>
         <p:spPr>
           <a:xfrm flipV="1">
-            <a:off x="4554986" y="1578490"/>
+            <a:off x="4554987" y="1578491"/>
             <a:ext cx="2027087" cy="983679"/>
           </a:xfrm>
           <a:prstGeom prst="straightConnector1">
@@ -9510,7 +9458,7 @@
         </p:nvCxnSpPr>
         <p:spPr>
           <a:xfrm flipV="1">
-            <a:off x="4554986" y="1723768"/>
+            <a:off x="4554987" y="1723768"/>
             <a:ext cx="3480363" cy="2027645"/>
           </a:xfrm>
           <a:prstGeom prst="straightConnector1">
@@ -9592,7 +9540,7 @@
         </p:nvCxnSpPr>
         <p:spPr>
           <a:xfrm flipH="1">
-            <a:off x="6626574" y="4332606"/>
+            <a:off x="6626576" y="4332607"/>
             <a:ext cx="1413649" cy="332667"/>
           </a:xfrm>
           <a:prstGeom prst="straightConnector1">
@@ -9631,7 +9579,7 @@
         </p:nvSpPr>
         <p:spPr>
           <a:xfrm>
-            <a:off x="4990657" y="4390436"/>
+            <a:off x="4990658" y="4390437"/>
             <a:ext cx="1105343" cy="369332"/>
           </a:xfrm>
           <a:prstGeom prst="rect">
@@ -9705,7 +9653,7 @@
                     <a:lstStyle/>
                     <a:p>
                       <a:r>
-                        <a:rPr lang="en-US" altLang="zh-CN" b="0" dirty="0">
+                        <a:rPr lang="en-US" altLang="zh-CN" sz="1300" b="0" dirty="0">
                           <a:solidFill>
                             <a:schemeClr val="tx1"/>
                           </a:solidFill>
@@ -9715,7 +9663,7 @@
                         </a:rPr>
                         <a:t>1</a:t>
                       </a:r>
-                      <a:endParaRPr lang="en-US" b="0" dirty="0">
+                      <a:endParaRPr lang="en-US" sz="1300" b="0" dirty="0">
                         <a:solidFill>
                           <a:schemeClr val="tx1"/>
                         </a:solidFill>
@@ -9735,7 +9683,7 @@
                     <a:lstStyle/>
                     <a:p>
                       <a:r>
-                        <a:rPr lang="en-US" b="0" dirty="0">
+                        <a:rPr lang="en-US" sz="1300" b="0" dirty="0">
                           <a:solidFill>
                             <a:srgbClr val="0070C0"/>
                           </a:solidFill>
@@ -9747,7 +9695,7 @@
                         <a:t>var</a:t>
                       </a:r>
                       <a:r>
-                        <a:rPr lang="en-US" b="0" dirty="0">
+                        <a:rPr lang="en-US" sz="1300" b="0" dirty="0">
                           <a:solidFill>
                             <a:schemeClr val="tx1"/>
                           </a:solidFill>
@@ -9758,7 +9706,7 @@
                         <a:t> a </a:t>
                       </a:r>
                       <a:r>
-                        <a:rPr lang="en-US" b="0" dirty="0">
+                        <a:rPr lang="en-US" sz="1300" b="0" dirty="0">
                           <a:solidFill>
                             <a:schemeClr val="tx1"/>
                           </a:solidFill>
@@ -9770,7 +9718,7 @@
                         <a:t>=</a:t>
                       </a:r>
                       <a:r>
-                        <a:rPr lang="en-US" b="0" dirty="0">
+                        <a:rPr lang="en-US" sz="1300" b="0" dirty="0">
                           <a:solidFill>
                             <a:schemeClr val="tx1"/>
                           </a:solidFill>
@@ -9781,7 +9729,7 @@
                         <a:t> </a:t>
                       </a:r>
                       <a:r>
-                        <a:rPr lang="en-US" b="0" dirty="0">
+                        <a:rPr lang="en-US" sz="1300" b="0" dirty="0">
                           <a:solidFill>
                             <a:srgbClr val="C00000"/>
                           </a:solidFill>
@@ -9793,7 +9741,7 @@
                         <a:t>0</a:t>
                       </a:r>
                       <a:r>
-                        <a:rPr lang="en-US" b="0" dirty="0">
+                        <a:rPr lang="en-US" sz="1300" b="0" dirty="0">
                           <a:solidFill>
                             <a:schemeClr val="tx1"/>
                           </a:solidFill>
@@ -9805,7 +9753,7 @@
                         <a:t>;</a:t>
                       </a:r>
                       <a:r>
-                        <a:rPr lang="en-US" b="0" dirty="0">
+                        <a:rPr lang="en-US" sz="1300" b="0" dirty="0">
                           <a:solidFill>
                             <a:schemeClr val="tx1"/>
                           </a:solidFill>
@@ -9852,7 +9800,7 @@
                     <a:lstStyle/>
                     <a:p>
                       <a:r>
-                        <a:rPr lang="en-US" altLang="zh-CN" b="0" dirty="0">
+                        <a:rPr lang="en-US" altLang="zh-CN" sz="1300" b="0" dirty="0">
                           <a:solidFill>
                             <a:schemeClr val="tx1"/>
                           </a:solidFill>
@@ -9862,7 +9810,7 @@
                         </a:rPr>
                         <a:t>2</a:t>
                       </a:r>
-                      <a:endParaRPr lang="en-US" b="0" dirty="0">
+                      <a:endParaRPr lang="en-US" sz="1300" b="0" dirty="0">
                         <a:solidFill>
                           <a:schemeClr val="tx1"/>
                         </a:solidFill>
@@ -9882,7 +9830,7 @@
                     <a:lstStyle/>
                     <a:p>
                       <a:r>
-                        <a:rPr lang="en-US" b="0" dirty="0">
+                        <a:rPr lang="en-US" sz="1300" b="0" dirty="0">
                           <a:solidFill>
                             <a:srgbClr val="0070C0"/>
                           </a:solidFill>
@@ -9894,7 +9842,7 @@
                         <a:t>if</a:t>
                       </a:r>
                       <a:r>
-                        <a:rPr lang="en-US" b="0" dirty="0">
+                        <a:rPr lang="en-US" sz="1300" b="0" dirty="0">
                           <a:solidFill>
                             <a:schemeClr val="tx1"/>
                           </a:solidFill>
@@ -9905,7 +9853,7 @@
                         <a:t> </a:t>
                       </a:r>
                       <a:r>
-                        <a:rPr lang="en-US" b="0" dirty="0">
+                        <a:rPr lang="en-US" sz="1300" b="0" dirty="0">
                           <a:solidFill>
                             <a:schemeClr val="tx1"/>
                           </a:solidFill>
@@ -9917,7 +9865,7 @@
                         <a:t>(</a:t>
                       </a:r>
                       <a:r>
-                        <a:rPr lang="en-US" b="0" dirty="0">
+                        <a:rPr lang="en-US" sz="1300" b="0" dirty="0">
                           <a:solidFill>
                             <a:schemeClr val="tx1"/>
                           </a:solidFill>
@@ -9928,7 +9876,7 @@
                         <a:t>b</a:t>
                       </a:r>
                       <a:r>
-                        <a:rPr lang="en-US" b="0" dirty="0">
+                        <a:rPr lang="en-US" sz="1300" b="0" dirty="0">
                           <a:solidFill>
                             <a:schemeClr val="tx1"/>
                           </a:solidFill>
@@ -9940,7 +9888,7 @@
                         <a:t>){</a:t>
                       </a:r>
                       <a:r>
-                        <a:rPr lang="en-US" b="0" dirty="0">
+                        <a:rPr lang="en-US" sz="1300" b="0" dirty="0">
                           <a:solidFill>
                             <a:schemeClr val="tx1"/>
                           </a:solidFill>
@@ -9978,7 +9926,7 @@
                     <a:lstStyle/>
                     <a:p>
                       <a:r>
-                        <a:rPr lang="en-US" altLang="zh-CN" b="0" dirty="0">
+                        <a:rPr lang="en-US" altLang="zh-CN" sz="1300" b="0" dirty="0">
                           <a:solidFill>
                             <a:schemeClr val="tx1"/>
                           </a:solidFill>
@@ -9988,7 +9936,7 @@
                         </a:rPr>
                         <a:t>3</a:t>
                       </a:r>
-                      <a:endParaRPr lang="en-US" b="0" dirty="0">
+                      <a:endParaRPr lang="en-US" sz="1300" b="0" dirty="0">
                         <a:solidFill>
                           <a:schemeClr val="tx1"/>
                         </a:solidFill>
@@ -10008,7 +9956,7 @@
                     <a:lstStyle/>
                     <a:p>
                       <a:r>
-                        <a:rPr lang="zh-CN" altLang="en-US" b="0" dirty="0">
+                        <a:rPr lang="zh-CN" altLang="en-US" sz="1300" b="0" dirty="0">
                           <a:solidFill>
                             <a:schemeClr val="tx1"/>
                           </a:solidFill>
@@ -10018,7 +9966,7 @@
                         <a:t> </a:t>
                       </a:r>
                       <a:r>
-                        <a:rPr lang="en-US" b="0" dirty="0">
+                        <a:rPr lang="en-US" sz="1300" b="0" dirty="0">
                           <a:solidFill>
                             <a:schemeClr val="tx1"/>
                           </a:solidFill>
@@ -10029,7 +9977,7 @@
                         <a:t>a </a:t>
                       </a:r>
                       <a:r>
-                        <a:rPr lang="en-US" b="0" dirty="0">
+                        <a:rPr lang="en-US" sz="1300" b="0" dirty="0">
                           <a:solidFill>
                             <a:schemeClr val="tx1"/>
                           </a:solidFill>
@@ -10041,7 +9989,7 @@
                         <a:t>=</a:t>
                       </a:r>
                       <a:r>
-                        <a:rPr lang="en-US" b="0" dirty="0">
+                        <a:rPr lang="en-US" sz="1300" b="0" dirty="0">
                           <a:solidFill>
                             <a:schemeClr val="tx1"/>
                           </a:solidFill>
@@ -10052,7 +10000,7 @@
                         <a:t> </a:t>
                       </a:r>
                       <a:r>
-                        <a:rPr lang="en-US" b="0" dirty="0">
+                        <a:rPr lang="en-US" sz="1300" b="0" dirty="0">
                           <a:solidFill>
                             <a:srgbClr val="C00000"/>
                           </a:solidFill>
@@ -10064,7 +10012,7 @@
                         <a:t>1</a:t>
                       </a:r>
                       <a:r>
-                        <a:rPr lang="en-US" b="0" dirty="0">
+                        <a:rPr lang="en-US" sz="1300" b="0" dirty="0">
                           <a:solidFill>
                             <a:schemeClr val="tx1"/>
                           </a:solidFill>
@@ -10076,7 +10024,7 @@
                         <a:t>;</a:t>
                       </a:r>
                       <a:r>
-                        <a:rPr lang="en-US" b="0" dirty="0">
+                        <a:rPr lang="en-US" sz="1300" b="0" dirty="0">
                           <a:solidFill>
                             <a:schemeClr val="tx1"/>
                           </a:solidFill>
@@ -10105,7 +10053,7 @@
                     <a:lstStyle/>
                     <a:p>
                       <a:r>
-                        <a:rPr lang="en-US" altLang="zh-CN" b="0" dirty="0">
+                        <a:rPr lang="en-US" altLang="zh-CN" sz="1300" b="0" dirty="0">
                           <a:solidFill>
                             <a:schemeClr val="tx1"/>
                           </a:solidFill>
@@ -10115,7 +10063,7 @@
                         </a:rPr>
                         <a:t>4</a:t>
                       </a:r>
-                      <a:endParaRPr lang="en-US" b="0" dirty="0">
+                      <a:endParaRPr lang="en-US" sz="1300" b="0" dirty="0">
                         <a:solidFill>
                           <a:schemeClr val="tx1"/>
                         </a:solidFill>
@@ -10135,7 +10083,7 @@
                     <a:lstStyle/>
                     <a:p>
                       <a:r>
-                        <a:rPr lang="en-US" b="0" dirty="0">
+                        <a:rPr lang="en-US" sz="1300" b="0" dirty="0">
                           <a:solidFill>
                             <a:schemeClr val="tx1"/>
                           </a:solidFill>
@@ -10147,7 +10095,7 @@
                         <a:t>}</a:t>
                       </a:r>
                       <a:r>
-                        <a:rPr lang="en-US" b="0" dirty="0">
+                        <a:rPr lang="en-US" sz="1300" b="0" dirty="0">
                           <a:solidFill>
                             <a:schemeClr val="tx1"/>
                           </a:solidFill>
@@ -10185,7 +10133,7 @@
                     <a:lstStyle/>
                     <a:p>
                       <a:r>
-                        <a:rPr lang="en-US" altLang="zh-CN" b="0" dirty="0">
+                        <a:rPr lang="en-US" altLang="zh-CN" sz="1300" b="0" dirty="0">
                           <a:solidFill>
                             <a:schemeClr val="tx1"/>
                           </a:solidFill>
@@ -10195,7 +10143,7 @@
                         </a:rPr>
                         <a:t>5</a:t>
                       </a:r>
-                      <a:endParaRPr lang="en-US" b="0" dirty="0">
+                      <a:endParaRPr lang="en-US" sz="1300" b="0" dirty="0">
                         <a:solidFill>
                           <a:schemeClr val="tx1"/>
                         </a:solidFill>
@@ -10215,7 +10163,7 @@
                     <a:lstStyle/>
                     <a:p>
                       <a:r>
-                        <a:rPr lang="en-US" b="0" dirty="0">
+                        <a:rPr lang="en-US" sz="1300" b="0" dirty="0">
                           <a:solidFill>
                             <a:srgbClr val="0070C0"/>
                           </a:solidFill>
@@ -10227,7 +10175,7 @@
                         <a:t>else</a:t>
                       </a:r>
                       <a:r>
-                        <a:rPr lang="en-US" b="0" dirty="0">
+                        <a:rPr lang="en-US" sz="1300" b="0" dirty="0">
                           <a:solidFill>
                             <a:schemeClr val="tx1"/>
                           </a:solidFill>
@@ -10239,7 +10187,7 @@
                         <a:t>{</a:t>
                       </a:r>
                       <a:r>
-                        <a:rPr lang="en-US" b="0" dirty="0">
+                        <a:rPr lang="en-US" sz="1300" b="0" dirty="0">
                           <a:solidFill>
                             <a:schemeClr val="tx1"/>
                           </a:solidFill>
@@ -10277,7 +10225,7 @@
                     <a:lstStyle/>
                     <a:p>
                       <a:r>
-                        <a:rPr lang="en-US" altLang="zh-CN" b="0" dirty="0">
+                        <a:rPr lang="en-US" altLang="zh-CN" sz="1300" b="0" dirty="0">
                           <a:solidFill>
                             <a:schemeClr val="tx1"/>
                           </a:solidFill>
@@ -10287,7 +10235,7 @@
                         </a:rPr>
                         <a:t>6</a:t>
                       </a:r>
-                      <a:endParaRPr lang="en-US" b="0" dirty="0">
+                      <a:endParaRPr lang="en-US" sz="1300" b="0" dirty="0">
                         <a:solidFill>
                           <a:schemeClr val="tx1"/>
                         </a:solidFill>
@@ -10307,7 +10255,7 @@
                     <a:lstStyle/>
                     <a:p>
                       <a:r>
-                        <a:rPr lang="zh-CN" altLang="en-US" b="0" dirty="0">
+                        <a:rPr lang="zh-CN" altLang="en-US" sz="1300" b="0" dirty="0">
                           <a:solidFill>
                             <a:schemeClr val="tx1"/>
                           </a:solidFill>
@@ -10317,7 +10265,7 @@
                         <a:t> </a:t>
                       </a:r>
                       <a:r>
-                        <a:rPr lang="en-US" b="0" dirty="0">
+                        <a:rPr lang="en-US" sz="1300" b="0" dirty="0">
                           <a:solidFill>
                             <a:schemeClr val="tx1"/>
                           </a:solidFill>
@@ -10328,7 +10276,7 @@
                         <a:t>a </a:t>
                       </a:r>
                       <a:r>
-                        <a:rPr lang="en-US" b="0" dirty="0">
+                        <a:rPr lang="en-US" sz="1300" b="0" dirty="0">
                           <a:solidFill>
                             <a:schemeClr val="tx1"/>
                           </a:solidFill>
@@ -10340,7 +10288,7 @@
                         <a:t>=</a:t>
                       </a:r>
                       <a:r>
-                        <a:rPr lang="en-US" b="0" dirty="0">
+                        <a:rPr lang="en-US" sz="1300" b="0" dirty="0">
                           <a:solidFill>
                             <a:schemeClr val="tx1"/>
                           </a:solidFill>
@@ -10351,7 +10299,7 @@
                         <a:t> </a:t>
                       </a:r>
                       <a:r>
-                        <a:rPr lang="en-US" b="0" dirty="0">
+                        <a:rPr lang="en-US" sz="1300" b="0" dirty="0">
                           <a:solidFill>
                             <a:srgbClr val="C00000"/>
                           </a:solidFill>
@@ -10363,7 +10311,7 @@
                         <a:t>2</a:t>
                       </a:r>
                       <a:r>
-                        <a:rPr lang="en-US" b="0" dirty="0">
+                        <a:rPr lang="en-US" sz="1300" b="0" dirty="0">
                           <a:solidFill>
                             <a:schemeClr val="tx1"/>
                           </a:solidFill>
@@ -10375,7 +10323,7 @@
                         <a:t>;</a:t>
                       </a:r>
                       <a:r>
-                        <a:rPr lang="en-US" b="0" dirty="0">
+                        <a:rPr lang="en-US" sz="1300" b="0" dirty="0">
                           <a:solidFill>
                             <a:schemeClr val="tx1"/>
                           </a:solidFill>
@@ -10404,7 +10352,7 @@
                     <a:lstStyle/>
                     <a:p>
                       <a:r>
-                        <a:rPr lang="en-US" altLang="zh-CN" b="0" dirty="0">
+                        <a:rPr lang="en-US" altLang="zh-CN" sz="1300" b="0" dirty="0">
                           <a:solidFill>
                             <a:schemeClr val="tx1"/>
                           </a:solidFill>
@@ -10414,7 +10362,7 @@
                         </a:rPr>
                         <a:t>7</a:t>
                       </a:r>
-                      <a:endParaRPr lang="en-US" b="0" dirty="0">
+                      <a:endParaRPr lang="en-US" sz="1300" b="0" dirty="0">
                         <a:solidFill>
                           <a:schemeClr val="tx1"/>
                         </a:solidFill>
@@ -10434,7 +10382,7 @@
                     <a:lstStyle/>
                     <a:p>
                       <a:r>
-                        <a:rPr lang="en-US" b="0" dirty="0">
+                        <a:rPr lang="en-US" sz="1300" b="0" dirty="0">
                           <a:solidFill>
                             <a:schemeClr val="tx1"/>
                           </a:solidFill>
@@ -10446,7 +10394,7 @@
                         <a:t>}</a:t>
                       </a:r>
                       <a:r>
-                        <a:rPr lang="en-US" b="0" dirty="0">
+                        <a:rPr lang="en-US" sz="1300" b="0" dirty="0">
                           <a:solidFill>
                             <a:schemeClr val="tx1"/>
                           </a:solidFill>
@@ -10484,7 +10432,7 @@
                     <a:lstStyle/>
                     <a:p>
                       <a:r>
-                        <a:rPr lang="en-US" altLang="zh-CN" b="0" dirty="0">
+                        <a:rPr lang="en-US" altLang="zh-CN" sz="1300" b="0" dirty="0">
                           <a:solidFill>
                             <a:schemeClr val="tx1"/>
                           </a:solidFill>
@@ -10494,7 +10442,7 @@
                         </a:rPr>
                         <a:t>8</a:t>
                       </a:r>
-                      <a:endParaRPr lang="en-US" b="0" dirty="0">
+                      <a:endParaRPr lang="en-US" sz="1300" b="0" dirty="0">
                         <a:solidFill>
                           <a:schemeClr val="tx1"/>
                         </a:solidFill>
@@ -10531,7 +10479,7 @@
                         <a:defRPr/>
                       </a:pPr>
                       <a:r>
-                        <a:rPr lang="en-US" b="0" dirty="0">
+                        <a:rPr lang="en-US" sz="1300" b="0" dirty="0">
                           <a:solidFill>
                             <a:schemeClr val="tx1"/>
                           </a:solidFill>
@@ -10542,7 +10490,7 @@
                         <a:t>a </a:t>
                       </a:r>
                       <a:r>
-                        <a:rPr lang="en-US" b="0" dirty="0">
+                        <a:rPr lang="en-US" sz="1300" b="0" dirty="0">
                           <a:solidFill>
                             <a:schemeClr val="tx1"/>
                           </a:solidFill>
@@ -10554,7 +10502,7 @@
                         <a:t>+=</a:t>
                       </a:r>
                       <a:r>
-                        <a:rPr lang="en-US" b="0" dirty="0">
+                        <a:rPr lang="en-US" sz="1300" b="0" dirty="0">
                           <a:solidFill>
                             <a:schemeClr val="tx1"/>
                           </a:solidFill>
@@ -10565,7 +10513,7 @@
                         <a:t> </a:t>
                       </a:r>
                       <a:r>
-                        <a:rPr lang="en-US" b="0" dirty="0">
+                        <a:rPr lang="en-US" sz="1300" b="0" dirty="0">
                           <a:solidFill>
                             <a:srgbClr val="C00000"/>
                           </a:solidFill>
@@ -10577,7 +10525,7 @@
                         <a:t>1</a:t>
                       </a:r>
                       <a:r>
-                        <a:rPr lang="en-US" b="0" dirty="0">
+                        <a:rPr lang="en-US" sz="1300" b="0" dirty="0">
                           <a:solidFill>
                             <a:schemeClr val="tx1"/>
                           </a:solidFill>
@@ -10588,7 +10536,7 @@
                         </a:rPr>
                         <a:t>;</a:t>
                       </a:r>
-                      <a:endParaRPr lang="en-US" b="0" dirty="0">
+                      <a:endParaRPr lang="en-US" sz="1300" b="0" dirty="0">
                         <a:solidFill>
                           <a:schemeClr val="tx1"/>
                         </a:solidFill>
@@ -10646,8 +10594,8 @@
         </p:nvCxnSpPr>
         <p:spPr>
           <a:xfrm flipH="1" flipV="1">
-            <a:off x="7134979" y="5202111"/>
-            <a:ext cx="764402" cy="1"/>
+            <a:off x="7134979" y="5202113"/>
+            <a:ext cx="764403" cy="1"/>
           </a:xfrm>
           <a:prstGeom prst="line">
             <a:avLst/>
@@ -10685,7 +10633,7 @@
         </p:nvSpPr>
         <p:spPr>
           <a:xfrm>
-            <a:off x="8019117" y="5004998"/>
+            <a:off x="8019118" y="5004997"/>
             <a:ext cx="874401" cy="369332"/>
           </a:xfrm>
           <a:prstGeom prst="rect">
@@ -10722,7 +10670,7 @@
         </p:nvCxnSpPr>
         <p:spPr>
           <a:xfrm>
-            <a:off x="7130852" y="5493192"/>
+            <a:off x="7130853" y="5493192"/>
             <a:ext cx="768529" cy="0"/>
           </a:xfrm>
           <a:prstGeom prst="straightConnector1">
@@ -10761,7 +10709,7 @@
         </p:nvSpPr>
         <p:spPr>
           <a:xfrm>
-            <a:off x="8060908" y="5318898"/>
+            <a:off x="8060909" y="5318897"/>
             <a:ext cx="874401" cy="369332"/>
           </a:xfrm>
           <a:prstGeom prst="rect">
@@ -10832,7 +10780,7 @@
         </p:nvSpPr>
         <p:spPr>
           <a:xfrm>
-            <a:off x="6823518" y="1796221"/>
+            <a:off x="6823519" y="1796222"/>
             <a:ext cx="863600" cy="369332"/>
           </a:xfrm>
           <a:prstGeom prst="rect">
@@ -10906,7 +10854,7 @@
         </p:nvCxnSpPr>
         <p:spPr>
           <a:xfrm flipV="1">
-            <a:off x="4640789" y="3929255"/>
+            <a:off x="4640790" y="3929256"/>
             <a:ext cx="1941284" cy="572235"/>
           </a:xfrm>
           <a:prstGeom prst="straightConnector1">
@@ -10945,7 +10893,7 @@
         </p:nvSpPr>
         <p:spPr>
           <a:xfrm>
-            <a:off x="6970425" y="3864425"/>
+            <a:off x="6970426" y="3864426"/>
             <a:ext cx="794945" cy="369332"/>
           </a:xfrm>
           <a:prstGeom prst="rect">
@@ -10981,7 +10929,7 @@
         </p:nvSpPr>
         <p:spPr>
           <a:xfrm>
-            <a:off x="4919185" y="3910178"/>
+            <a:off x="4919186" y="3910178"/>
             <a:ext cx="1105343" cy="369332"/>
           </a:xfrm>
           <a:prstGeom prst="rect">
@@ -11048,7 +10996,7 @@
         </p:nvCxnSpPr>
         <p:spPr>
           <a:xfrm>
-            <a:off x="7862385" y="4684397"/>
+            <a:off x="8405530" y="4684398"/>
             <a:ext cx="7209" cy="896647"/>
           </a:xfrm>
           <a:prstGeom prst="straightConnector1">
@@ -11089,7 +11037,7 @@
         </p:nvCxnSpPr>
         <p:spPr>
           <a:xfrm>
-            <a:off x="8636655" y="1711411"/>
+            <a:off x="9179799" y="1711413"/>
             <a:ext cx="0" cy="2000433"/>
           </a:xfrm>
           <a:prstGeom prst="straightConnector1">
@@ -11133,8 +11081,8 @@
         </p:nvCxnSpPr>
         <p:spPr>
           <a:xfrm>
-            <a:off x="7841705" y="1578490"/>
-            <a:ext cx="794950" cy="132921"/>
+            <a:off x="8384850" y="1578492"/>
+            <a:ext cx="794951" cy="132921"/>
           </a:xfrm>
           <a:prstGeom prst="straightConnector1">
             <a:avLst/>
@@ -11172,7 +11120,7 @@
         </p:nvSpPr>
         <p:spPr>
           <a:xfrm>
-            <a:off x="7838729" y="1311226"/>
+            <a:off x="8381874" y="1311226"/>
             <a:ext cx="937748" cy="369332"/>
           </a:xfrm>
           <a:prstGeom prst="rect">
@@ -11208,7 +11156,7 @@
         </p:nvSpPr>
         <p:spPr>
           <a:xfrm>
-            <a:off x="8553491" y="1372381"/>
+            <a:off x="9096636" y="1372382"/>
             <a:ext cx="1014347" cy="369332"/>
           </a:xfrm>
           <a:prstGeom prst="rect">
@@ -11246,7 +11194,7 @@
         </p:nvCxnSpPr>
         <p:spPr>
           <a:xfrm>
-            <a:off x="7825093" y="1564384"/>
+            <a:off x="8368238" y="1564385"/>
             <a:ext cx="1474708" cy="147027"/>
           </a:xfrm>
           <a:prstGeom prst="straightConnector1">
@@ -11287,8 +11235,8 @@
         </p:nvCxnSpPr>
         <p:spPr>
           <a:xfrm>
-            <a:off x="9278369" y="1714693"/>
-            <a:ext cx="0" cy="2630674"/>
+            <a:off x="9821513" y="1714693"/>
+            <a:ext cx="0" cy="2630675"/>
           </a:xfrm>
           <a:prstGeom prst="straightConnector1">
             <a:avLst/>
@@ -11333,8 +11281,8 @@
         </p:nvCxnSpPr>
         <p:spPr>
           <a:xfrm flipH="1" flipV="1">
-            <a:off x="7833399" y="1564385"/>
-            <a:ext cx="28986" cy="3120012"/>
+            <a:off x="8376543" y="1564386"/>
+            <a:ext cx="28987" cy="3120012"/>
           </a:xfrm>
           <a:prstGeom prst="line">
             <a:avLst/>
@@ -11374,8 +11322,8 @@
         </p:nvCxnSpPr>
         <p:spPr>
           <a:xfrm flipH="1" flipV="1">
-            <a:off x="7825093" y="984612"/>
-            <a:ext cx="8306" cy="581883"/>
+            <a:off x="8368237" y="984613"/>
+            <a:ext cx="8307" cy="581883"/>
           </a:xfrm>
           <a:prstGeom prst="line">
             <a:avLst/>
@@ -11415,7 +11363,7 @@
         </p:nvCxnSpPr>
         <p:spPr>
           <a:xfrm flipH="1">
-            <a:off x="7869595" y="3706436"/>
+            <a:off x="8412739" y="3706437"/>
             <a:ext cx="767060" cy="222819"/>
           </a:xfrm>
           <a:prstGeom prst="straightConnector1">
@@ -11454,7 +11402,7 @@
         </p:nvSpPr>
         <p:spPr>
           <a:xfrm>
-            <a:off x="8483424" y="4382096"/>
+            <a:off x="9026569" y="4382097"/>
             <a:ext cx="794945" cy="369332"/>
           </a:xfrm>
           <a:prstGeom prst="rect">
@@ -11492,8 +11440,8 @@
         </p:nvCxnSpPr>
         <p:spPr>
           <a:xfrm flipV="1">
-            <a:off x="6313967" y="984613"/>
-            <a:ext cx="1527737" cy="996274"/>
+            <a:off x="6857113" y="984613"/>
+            <a:ext cx="1527737" cy="996275"/>
           </a:xfrm>
           <a:prstGeom prst="straightConnector1">
             <a:avLst/>
@@ -11533,8 +11481,8 @@
         </p:nvCxnSpPr>
         <p:spPr>
           <a:xfrm flipV="1">
-            <a:off x="6322273" y="1578491"/>
-            <a:ext cx="1502820" cy="969194"/>
+            <a:off x="6865418" y="1578491"/>
+            <a:ext cx="1502820" cy="969195"/>
           </a:xfrm>
           <a:prstGeom prst="straightConnector1">
             <a:avLst/>
@@ -11574,8 +11522,8 @@
         </p:nvCxnSpPr>
         <p:spPr>
           <a:xfrm flipV="1">
-            <a:off x="6322273" y="1723769"/>
-            <a:ext cx="2956096" cy="1945938"/>
+            <a:off x="6865417" y="1723769"/>
+            <a:ext cx="2956096" cy="1945939"/>
           </a:xfrm>
           <a:prstGeom prst="straightConnector1">
             <a:avLst/>
@@ -11615,7 +11563,7 @@
         </p:nvCxnSpPr>
         <p:spPr>
           <a:xfrm flipH="1">
-            <a:off x="7869594" y="4332606"/>
+            <a:off x="8412740" y="4332607"/>
             <a:ext cx="1413649" cy="332667"/>
           </a:xfrm>
           <a:prstGeom prst="straightConnector1">
@@ -11654,7 +11602,7 @@
         </p:nvSpPr>
         <p:spPr>
           <a:xfrm>
-            <a:off x="8018181" y="3754889"/>
+            <a:off x="8561326" y="3754890"/>
             <a:ext cx="794945" cy="369332"/>
           </a:xfrm>
           <a:prstGeom prst="rect">
@@ -11692,8 +11640,8 @@
         </p:nvCxnSpPr>
         <p:spPr>
           <a:xfrm flipH="1" flipV="1">
-            <a:off x="8377999" y="5202111"/>
-            <a:ext cx="764402" cy="1"/>
+            <a:off x="8921143" y="5202113"/>
+            <a:ext cx="764403" cy="1"/>
           </a:xfrm>
           <a:prstGeom prst="line">
             <a:avLst/>
@@ -11731,7 +11679,7 @@
         </p:nvSpPr>
         <p:spPr>
           <a:xfrm>
-            <a:off x="9262137" y="5004998"/>
+            <a:off x="9805282" y="5004997"/>
             <a:ext cx="874401" cy="369332"/>
           </a:xfrm>
           <a:prstGeom prst="rect">
@@ -11768,7 +11716,7 @@
         </p:nvCxnSpPr>
         <p:spPr>
           <a:xfrm>
-            <a:off x="8373872" y="5493192"/>
+            <a:off x="8917017" y="5493192"/>
             <a:ext cx="768529" cy="0"/>
           </a:xfrm>
           <a:prstGeom prst="straightConnector1">
@@ -11807,7 +11755,7 @@
         </p:nvSpPr>
         <p:spPr>
           <a:xfrm>
-            <a:off x="9303928" y="5318898"/>
+            <a:off x="9847073" y="5318897"/>
             <a:ext cx="874401" cy="369332"/>
           </a:xfrm>
           <a:prstGeom prst="rect">
@@ -11842,7 +11790,7 @@
         </p:nvSpPr>
         <p:spPr>
           <a:xfrm>
-            <a:off x="7131976" y="799946"/>
+            <a:off x="7675122" y="799945"/>
             <a:ext cx="996015" cy="369332"/>
           </a:xfrm>
           <a:prstGeom prst="rect">
@@ -11878,7 +11826,7 @@
         </p:nvSpPr>
         <p:spPr>
           <a:xfrm>
-            <a:off x="8252280" y="1839085"/>
+            <a:off x="8795424" y="1839086"/>
             <a:ext cx="429181" cy="369332"/>
           </a:xfrm>
           <a:prstGeom prst="rect">
@@ -11914,7 +11862,7 @@
         </p:nvSpPr>
         <p:spPr>
           <a:xfrm>
-            <a:off x="8910840" y="1874379"/>
+            <a:off x="9453986" y="1874379"/>
             <a:ext cx="448383" cy="369332"/>
           </a:xfrm>
           <a:prstGeom prst="rect">
@@ -11951,14 +11899,14 @@
           <p:nvPr>
             <p:extLst>
               <p:ext uri="{D42A27DB-BD31-4B8C-83A1-F6EECF244321}">
-                <p14:modId xmlns:p14="http://schemas.microsoft.com/office/powerpoint/2010/main" val="1427094096"/>
+                <p14:modId xmlns:p14="http://schemas.microsoft.com/office/powerpoint/2010/main" val="1631739481"/>
               </p:ext>
             </p:extLst>
           </p:nvPr>
         </p:nvGraphicFramePr>
         <p:xfrm>
-          <a:off x="1449257" y="1723768"/>
-          <a:ext cx="4864710" cy="3119120"/>
+          <a:off x="3142252" y="2156904"/>
+          <a:ext cx="3714859" cy="2710729"/>
         </p:xfrm>
         <a:graphic>
           <a:graphicData uri="http://schemas.openxmlformats.org/drawingml/2006/table">
@@ -11967,7 +11915,7 @@
                 <a:tableStyleId>{5C22544A-7EE6-4342-B048-85BDC9FD1C3A}</a:tableStyleId>
               </a:tblPr>
               <a:tblGrid>
-                <a:gridCol w="4864710">
+                <a:gridCol w="3714859">
                   <a:extLst>
                     <a:ext uri="{9D8B030D-6E8A-4147-A177-3AD203B41FA5}">
                       <a16:colId xmlns:a16="http://schemas.microsoft.com/office/drawing/2014/main" val="2884428312"/>
@@ -11975,7 +11923,7 @@
                   </a:extLst>
                 </a:gridCol>
               </a:tblGrid>
-              <a:tr h="370840">
+              <a:tr h="382014">
                 <a:tc>
                   <a:txBody>
                     <a:bodyPr/>
@@ -11999,65 +11947,73 @@
                         <a:defRPr/>
                       </a:pPr>
                       <a:r>
-                        <a:rPr lang="en-US" altLang="zh-CN" b="0" dirty="0">
+                        <a:rPr lang="en-US" altLang="zh-CN" sz="1400" b="0" dirty="0">
                           <a:solidFill>
                             <a:schemeClr val="tx1"/>
                           </a:solidFill>
+                          <a:latin typeface="+mn-lt"/>
                         </a:rPr>
                         <a:t>//</a:t>
                       </a:r>
                       <a:r>
-                        <a:rPr lang="zh-CN" altLang="en-US" b="0" dirty="0">
+                        <a:rPr lang="zh-CN" altLang="en-US" sz="1400" b="0" dirty="0">
                           <a:solidFill>
                             <a:schemeClr val="tx1"/>
                           </a:solidFill>
+                          <a:latin typeface="+mn-lt"/>
                         </a:rPr>
                         <a:t> </a:t>
                       </a:r>
                       <a:r>
-                        <a:rPr lang="en-US" altLang="zh-CN" b="0" dirty="0">
+                        <a:rPr lang="en-US" altLang="zh-CN" sz="1400" b="0" dirty="0">
                           <a:solidFill>
                             <a:schemeClr val="tx1"/>
                           </a:solidFill>
+                          <a:latin typeface="+mn-lt"/>
                         </a:rPr>
                         <a:t>some</a:t>
                       </a:r>
                       <a:r>
-                        <a:rPr lang="zh-CN" altLang="en-US" b="0" dirty="0">
+                        <a:rPr lang="zh-CN" altLang="en-US" sz="1400" b="0" dirty="0">
                           <a:solidFill>
                             <a:schemeClr val="tx1"/>
                           </a:solidFill>
+                          <a:latin typeface="+mn-lt"/>
                         </a:rPr>
                         <a:t> </a:t>
                       </a:r>
                       <a:r>
-                        <a:rPr lang="en-US" altLang="zh-CN" b="0" dirty="0">
+                        <a:rPr lang="en-US" altLang="zh-CN" sz="1400" b="0" dirty="0">
                           <a:solidFill>
                             <a:schemeClr val="tx1"/>
                           </a:solidFill>
+                          <a:latin typeface="+mn-lt"/>
                         </a:rPr>
                         <a:t>statement</a:t>
                       </a:r>
                       <a:r>
-                        <a:rPr lang="zh-CN" altLang="en-US" b="0" dirty="0">
+                        <a:rPr lang="zh-CN" altLang="en-US" sz="1400" b="0" dirty="0">
                           <a:solidFill>
                             <a:schemeClr val="tx1"/>
                           </a:solidFill>
+                          <a:latin typeface="+mn-lt"/>
                         </a:rPr>
                         <a:t> </a:t>
                       </a:r>
                       <a:r>
-                        <a:rPr lang="en-US" altLang="zh-CN" b="0" dirty="0">
+                        <a:rPr lang="en-US" altLang="zh-CN" sz="1400" b="0" dirty="0">
                           <a:solidFill>
                             <a:schemeClr val="tx1"/>
                           </a:solidFill>
+                          <a:latin typeface="+mn-lt"/>
                         </a:rPr>
                         <a:t>1</a:t>
                       </a:r>
-                      <a:endParaRPr lang="en-US" b="0" dirty="0">
+                      <a:endParaRPr lang="en-US" sz="1400" b="0" dirty="0">
                         <a:solidFill>
                           <a:schemeClr val="tx1"/>
                         </a:solidFill>
+                        <a:latin typeface="+mn-lt"/>
                       </a:endParaRPr>
                     </a:p>
                   </a:txBody>
@@ -12107,46 +12063,62 @@
                   </a:ext>
                 </a:extLst>
               </a:tr>
-              <a:tr h="370840">
+              <a:tr h="753562">
                 <a:tc>
                   <a:txBody>
                     <a:bodyPr/>
                     <a:lstStyle/>
                     <a:p>
                       <a:r>
-                        <a:rPr lang="en-US" b="0" dirty="0"/>
+                        <a:rPr lang="en-US" sz="1400" b="0" dirty="0">
+                          <a:latin typeface="+mn-lt"/>
+                        </a:rPr>
                         <a:t>if (</a:t>
                       </a:r>
                       <a:r>
-                        <a:rPr lang="en-US" b="0" dirty="0" err="1"/>
+                        <a:rPr lang="en-US" sz="1400" b="0" dirty="0" err="1">
+                          <a:latin typeface="+mn-lt"/>
+                        </a:rPr>
                         <a:t>actionList.indexOf</a:t>
                       </a:r>
                       <a:r>
-                        <a:rPr lang="en-US" b="0" dirty="0"/>
+                        <a:rPr lang="en-US" sz="1400" b="0" dirty="0">
+                          <a:latin typeface="+mn-lt"/>
+                        </a:rPr>
                         <a:t>(</a:t>
                       </a:r>
                       <a:r>
-                        <a:rPr lang="en-US" b="0" dirty="0" err="1"/>
+                        <a:rPr lang="en-US" sz="1400" b="0" dirty="0" err="1">
+                          <a:latin typeface="+mn-lt"/>
+                        </a:rPr>
                         <a:t>req.action</a:t>
                       </a:r>
                       <a:r>
-                        <a:rPr lang="en-US" b="0" dirty="0"/>
+                        <a:rPr lang="en-US" sz="1400" b="0" dirty="0">
+                          <a:latin typeface="+mn-lt"/>
+                        </a:rPr>
                         <a:t>) == -1) {</a:t>
                       </a:r>
                     </a:p>
                     <a:p>
                       <a:r>
-                        <a:rPr lang="zh-CN" altLang="en-US" b="0" dirty="0"/>
+                        <a:rPr lang="zh-CN" altLang="en-US" sz="1400" b="0" dirty="0">
+                          <a:latin typeface="+mn-lt"/>
+                        </a:rPr>
                         <a:t>    </a:t>
                       </a:r>
                       <a:r>
-                        <a:rPr lang="en-US" b="0" dirty="0"/>
+                        <a:rPr lang="en-US" sz="1400" b="0" dirty="0">
+                          <a:latin typeface="+mn-lt"/>
+                        </a:rPr>
                         <a:t>//dealing with invalid actions</a:t>
                       </a:r>
                     </a:p>
                     <a:p>
                       <a:r>
-                        <a:rPr lang="en-US" b="0" dirty="0"/>
+                        <a:rPr lang="en-US" sz="1400" b="0" dirty="0">
+                          <a:latin typeface="+mn-lt"/>
+                        </a:rPr>
                         <a:t>} </a:t>
                       </a:r>
                     </a:p>
@@ -12197,74 +12169,102 @@
                   </a:ext>
                 </a:extLst>
               </a:tr>
-              <a:tr h="370840">
+              <a:tr h="1193139">
                 <a:tc>
                   <a:txBody>
                     <a:bodyPr/>
                     <a:lstStyle/>
                     <a:p>
                       <a:r>
-                        <a:rPr lang="en-US" b="0" dirty="0"/>
+                        <a:rPr lang="en-US" sz="1400" b="0" dirty="0">
+                          <a:latin typeface="+mn-lt"/>
+                        </a:rPr>
                         <a:t>else {</a:t>
                       </a:r>
                     </a:p>
                     <a:p>
                       <a:r>
-                        <a:rPr lang="zh-CN" altLang="en-US" b="0" dirty="0"/>
+                        <a:rPr lang="zh-CN" altLang="en-US" sz="1400" b="0" dirty="0">
+                          <a:latin typeface="+mn-lt"/>
+                        </a:rPr>
                         <a:t>    </a:t>
                       </a:r>
                       <a:r>
-                        <a:rPr lang="en-US" b="0" dirty="0"/>
+                        <a:rPr lang="en-US" sz="1400" b="0" dirty="0">
+                          <a:latin typeface="+mn-lt"/>
+                        </a:rPr>
                         <a:t>//call the callback with request and caller data</a:t>
                       </a:r>
                     </a:p>
                     <a:p>
                       <a:r>
-                        <a:rPr lang="zh-CN" altLang="en-US" b="0" dirty="0"/>
+                        <a:rPr lang="zh-CN" altLang="en-US" sz="1400" b="0" dirty="0">
+                          <a:latin typeface="+mn-lt"/>
+                        </a:rPr>
                         <a:t>    </a:t>
                       </a:r>
                       <a:r>
-                        <a:rPr lang="en-US" b="0" dirty="0"/>
+                        <a:rPr lang="en-US" sz="1400" b="0" dirty="0">
+                          <a:latin typeface="+mn-lt"/>
+                        </a:rPr>
                         <a:t>var index = </a:t>
                       </a:r>
                       <a:r>
-                        <a:rPr lang="en-US" b="0" dirty="0" err="1"/>
+                        <a:rPr lang="en-US" sz="1400" b="0" dirty="0" err="1">
+                          <a:latin typeface="+mn-lt"/>
+                        </a:rPr>
                         <a:t>actionList.indexOf</a:t>
                       </a:r>
                       <a:r>
-                        <a:rPr lang="en-US" b="0" dirty="0"/>
+                        <a:rPr lang="en-US" sz="1400" b="0" dirty="0">
+                          <a:latin typeface="+mn-lt"/>
+                        </a:rPr>
                         <a:t>(</a:t>
                       </a:r>
                       <a:r>
-                        <a:rPr lang="en-US" b="0" dirty="0" err="1"/>
+                        <a:rPr lang="en-US" sz="1400" b="0" dirty="0" err="1">
+                          <a:latin typeface="+mn-lt"/>
+                        </a:rPr>
                         <a:t>req.action</a:t>
                       </a:r>
                       <a:r>
-                        <a:rPr lang="en-US" b="0" dirty="0"/>
+                        <a:rPr lang="en-US" sz="1400" b="0" dirty="0">
+                          <a:latin typeface="+mn-lt"/>
+                        </a:rPr>
                         <a:t>);</a:t>
                       </a:r>
                     </a:p>
                     <a:p>
                       <a:r>
-                        <a:rPr lang="zh-CN" altLang="en-US" b="0" dirty="0"/>
+                        <a:rPr lang="zh-CN" altLang="en-US" sz="1400" b="0" dirty="0">
+                          <a:latin typeface="+mn-lt"/>
+                        </a:rPr>
                         <a:t>    </a:t>
                       </a:r>
                       <a:r>
-                        <a:rPr lang="en-US" b="0" dirty="0"/>
+                        <a:rPr lang="en-US" sz="1400" b="0" dirty="0">
+                          <a:latin typeface="+mn-lt"/>
+                        </a:rPr>
                         <a:t>res({'result': window[</a:t>
                       </a:r>
                       <a:r>
-                        <a:rPr lang="en-US" b="0" dirty="0" err="1"/>
+                        <a:rPr lang="en-US" sz="1400" b="0" dirty="0" err="1">
+                          <a:latin typeface="+mn-lt"/>
+                        </a:rPr>
                         <a:t>actionList</a:t>
                       </a:r>
                       <a:r>
-                        <a:rPr lang="en-US" b="0" dirty="0"/>
+                        <a:rPr lang="en-US" sz="1400" b="0" dirty="0">
+                          <a:latin typeface="+mn-lt"/>
+                        </a:rPr>
                         <a:t>[index]](req)});</a:t>
                       </a:r>
                     </a:p>
                     <a:p>
                       <a:r>
-                        <a:rPr lang="en-US" b="0" dirty="0"/>
+                        <a:rPr lang="en-US" sz="1400" b="0" dirty="0">
+                          <a:latin typeface="+mn-lt"/>
+                        </a:rPr>
                         <a:t>}</a:t>
                       </a:r>
                     </a:p>
@@ -12315,7 +12315,7 @@
                   </a:ext>
                 </a:extLst>
               </a:tr>
-              <a:tr h="370840">
+              <a:tr h="382014">
                 <a:tc>
                   <a:txBody>
                     <a:bodyPr/>
@@ -12339,65 +12339,73 @@
                         <a:defRPr/>
                       </a:pPr>
                       <a:r>
-                        <a:rPr lang="en-US" altLang="zh-CN" b="0" dirty="0">
+                        <a:rPr lang="en-US" altLang="zh-CN" sz="1400" b="0" dirty="0">
                           <a:solidFill>
                             <a:schemeClr val="tx1"/>
                           </a:solidFill>
+                          <a:latin typeface="+mn-lt"/>
                         </a:rPr>
                         <a:t>//</a:t>
                       </a:r>
                       <a:r>
-                        <a:rPr lang="zh-CN" altLang="en-US" b="0" dirty="0">
+                        <a:rPr lang="zh-CN" altLang="en-US" sz="1400" b="0" dirty="0">
                           <a:solidFill>
                             <a:schemeClr val="tx1"/>
                           </a:solidFill>
+                          <a:latin typeface="+mn-lt"/>
                         </a:rPr>
                         <a:t> </a:t>
                       </a:r>
                       <a:r>
-                        <a:rPr lang="en-US" altLang="zh-CN" b="0" dirty="0">
+                        <a:rPr lang="en-US" altLang="zh-CN" sz="1400" b="0" dirty="0">
                           <a:solidFill>
                             <a:schemeClr val="tx1"/>
                           </a:solidFill>
+                          <a:latin typeface="+mn-lt"/>
                         </a:rPr>
                         <a:t>some</a:t>
                       </a:r>
                       <a:r>
-                        <a:rPr lang="zh-CN" altLang="en-US" b="0" dirty="0">
+                        <a:rPr lang="zh-CN" altLang="en-US" sz="1400" b="0" dirty="0">
                           <a:solidFill>
                             <a:schemeClr val="tx1"/>
                           </a:solidFill>
+                          <a:latin typeface="+mn-lt"/>
                         </a:rPr>
                         <a:t> </a:t>
                       </a:r>
                       <a:r>
-                        <a:rPr lang="en-US" altLang="zh-CN" b="0" dirty="0">
+                        <a:rPr lang="en-US" altLang="zh-CN" sz="1400" b="0" dirty="0">
                           <a:solidFill>
                             <a:schemeClr val="tx1"/>
                           </a:solidFill>
+                          <a:latin typeface="+mn-lt"/>
                         </a:rPr>
                         <a:t>statement</a:t>
                       </a:r>
                       <a:r>
-                        <a:rPr lang="zh-CN" altLang="en-US" b="0" dirty="0">
+                        <a:rPr lang="zh-CN" altLang="en-US" sz="1400" b="0" dirty="0">
                           <a:solidFill>
                             <a:schemeClr val="tx1"/>
                           </a:solidFill>
+                          <a:latin typeface="+mn-lt"/>
                         </a:rPr>
                         <a:t> </a:t>
                       </a:r>
                       <a:r>
-                        <a:rPr lang="en-US" altLang="zh-CN" b="0" dirty="0">
+                        <a:rPr lang="en-US" altLang="zh-CN" sz="1400" b="0" dirty="0">
                           <a:solidFill>
                             <a:schemeClr val="tx1"/>
                           </a:solidFill>
+                          <a:latin typeface="+mn-lt"/>
                         </a:rPr>
                         <a:t>2</a:t>
                       </a:r>
-                      <a:endParaRPr lang="en-US" b="0" dirty="0">
+                      <a:endParaRPr lang="en-US" sz="1400" b="0" dirty="0">
                         <a:solidFill>
                           <a:schemeClr val="tx1"/>
                         </a:solidFill>
+                        <a:latin typeface="+mn-lt"/>
                       </a:endParaRPr>
                     </a:p>
                   </a:txBody>
@@ -12467,8 +12475,8 @@
         </p:nvCxnSpPr>
         <p:spPr>
           <a:xfrm flipV="1">
-            <a:off x="6322273" y="4665273"/>
-            <a:ext cx="1548966" cy="19124"/>
+            <a:off x="6865418" y="4665274"/>
+            <a:ext cx="1548967" cy="19124"/>
           </a:xfrm>
           <a:prstGeom prst="straightConnector1">
             <a:avLst/>
@@ -12506,7 +12514,7 @@
         </p:nvSpPr>
         <p:spPr>
           <a:xfrm>
-            <a:off x="6821805" y="4357656"/>
+            <a:off x="7344326" y="4343906"/>
             <a:ext cx="1105343" cy="369332"/>
           </a:xfrm>
           <a:prstGeom prst="rect">
@@ -12522,7 +12530,7 @@
           <a:p>
             <a:r>
               <a:rPr lang="en-US" dirty="0"/>
-              <a:t>Policy 2</a:t>
+              <a:t>Policy 2/3</a:t>
             </a:r>
           </a:p>
         </p:txBody>
@@ -12543,8 +12551,8 @@
         </p:nvCxnSpPr>
         <p:spPr>
           <a:xfrm flipV="1">
-            <a:off x="6322273" y="3929255"/>
-            <a:ext cx="1521042" cy="736018"/>
+            <a:off x="6865417" y="3929255"/>
+            <a:ext cx="1521043" cy="736019"/>
           </a:xfrm>
           <a:prstGeom prst="straightConnector1">
             <a:avLst/>
@@ -12582,7 +12590,7 @@
         </p:nvSpPr>
         <p:spPr>
           <a:xfrm>
-            <a:off x="6495434" y="3950558"/>
+            <a:off x="7017930" y="3814986"/>
             <a:ext cx="1105343" cy="369332"/>
           </a:xfrm>
           <a:prstGeom prst="rect">
@@ -12598,7 +12606,7 @@
           <a:p>
             <a:r>
               <a:rPr lang="en-US" dirty="0"/>
-              <a:t>Policy 1</a:t>
+              <a:t>Policy 1/3</a:t>
             </a:r>
           </a:p>
         </p:txBody>
@@ -12654,7 +12662,7 @@
           </p:nvPr>
         </p:nvGraphicFramePr>
         <p:xfrm>
-          <a:off x="1142398" y="252336"/>
+          <a:off x="1142399" y="252336"/>
           <a:ext cx="10140951" cy="6101080"/>
         </p:xfrm>
         <a:graphic>
@@ -12664,7 +12672,7 @@
                 <a:tableStyleId>{5C22544A-7EE6-4342-B048-85BDC9FD1C3A}</a:tableStyleId>
               </a:tblPr>
               <a:tblGrid>
-                <a:gridCol w="2254250">
+                <a:gridCol w="2254251">
                   <a:extLst>
                     <a:ext uri="{9D8B030D-6E8A-4147-A177-3AD203B41FA5}">
                       <a16:colId xmlns:a16="http://schemas.microsoft.com/office/drawing/2014/main" val="1904384964"/>
@@ -12693,7 +12701,7 @@
                     <a:lstStyle/>
                     <a:p>
                       <a:r>
-                        <a:rPr lang="en-US" dirty="0">
+                        <a:rPr lang="en-US" sz="1300" dirty="0">
                           <a:ln>
                             <a:solidFill>
                               <a:schemeClr val="tx1"/>
@@ -12747,7 +12755,7 @@
                     <a:lstStyle/>
                     <a:p>
                       <a:r>
-                        <a:rPr lang="en-US" altLang="zh-CN" dirty="0">
+                        <a:rPr lang="en-US" altLang="zh-CN" sz="1300" dirty="0">
                           <a:ln>
                             <a:solidFill>
                               <a:schemeClr val="tx1"/>
@@ -12759,7 +12767,7 @@
                         </a:rPr>
                         <a:t>Thread1</a:t>
                       </a:r>
-                      <a:endParaRPr lang="en-US" dirty="0">
+                      <a:endParaRPr lang="en-US" sz="1300" dirty="0">
                         <a:ln>
                           <a:solidFill>
                             <a:schemeClr val="tx1"/>
@@ -12811,7 +12819,7 @@
                     <a:lstStyle/>
                     <a:p>
                       <a:r>
-                        <a:rPr lang="en-US" altLang="zh-CN" dirty="0">
+                        <a:rPr lang="en-US" altLang="zh-CN" sz="1300" dirty="0">
                           <a:ln>
                             <a:solidFill>
                               <a:schemeClr val="tx1"/>
@@ -12823,7 +12831,7 @@
                         </a:rPr>
                         <a:t>Thread2</a:t>
                       </a:r>
-                      <a:endParaRPr lang="en-US" dirty="0">
+                      <a:endParaRPr lang="en-US" sz="1300" dirty="0">
                         <a:ln>
                           <a:solidFill>
                             <a:schemeClr val="tx1"/>
@@ -12882,7 +12890,7 @@
                     <a:lstStyle/>
                     <a:p>
                       <a:r>
-                        <a:rPr lang="en-US" altLang="zh-CN" dirty="0">
+                        <a:rPr lang="en-US" altLang="zh-CN" sz="1300" dirty="0">
                           <a:solidFill>
                             <a:schemeClr val="tx1"/>
                           </a:solidFill>
@@ -12890,7 +12898,7 @@
                         <a:t>starts</a:t>
                       </a:r>
                       <a:r>
-                        <a:rPr lang="zh-CN" altLang="en-US" dirty="0">
+                        <a:rPr lang="zh-CN" altLang="en-US" sz="1300" dirty="0">
                           <a:solidFill>
                             <a:schemeClr val="tx1"/>
                           </a:solidFill>
@@ -12898,14 +12906,14 @@
                         <a:t> </a:t>
                       </a:r>
                       <a:r>
-                        <a:rPr lang="en-US" altLang="zh-CN" dirty="0">
+                        <a:rPr lang="en-US" altLang="zh-CN" sz="1300" dirty="0">
                           <a:solidFill>
                             <a:schemeClr val="tx1"/>
                           </a:solidFill>
                         </a:rPr>
                         <a:t>running</a:t>
                       </a:r>
-                      <a:endParaRPr lang="en-US" dirty="0">
+                      <a:endParaRPr lang="en-US" sz="1300" dirty="0">
                         <a:solidFill>
                           <a:schemeClr val="tx1"/>
                         </a:solidFill>
@@ -12959,7 +12967,7 @@
                     <a:bodyPr/>
                     <a:lstStyle/>
                     <a:p>
-                      <a:endParaRPr lang="en-US" dirty="0">
+                      <a:endParaRPr lang="en-US" sz="1300" dirty="0">
                         <a:solidFill>
                           <a:schemeClr val="tx1"/>
                         </a:solidFill>
@@ -13013,7 +13021,7 @@
                     <a:bodyPr/>
                     <a:lstStyle/>
                     <a:p>
-                      <a:endParaRPr lang="en-US" dirty="0">
+                      <a:endParaRPr lang="en-US" sz="1300" dirty="0">
                         <a:solidFill>
                           <a:schemeClr val="tx1"/>
                         </a:solidFill>
@@ -13092,7 +13100,7 @@
                         <a:defRPr/>
                       </a:pPr>
                       <a:r>
-                        <a:rPr lang="en-US" altLang="zh-CN" b="0" dirty="0">
+                        <a:rPr lang="en-US" altLang="zh-CN" sz="1300" b="0" dirty="0">
                           <a:solidFill>
                             <a:schemeClr val="tx1"/>
                           </a:solidFill>
@@ -13100,7 +13108,7 @@
                         <a:t>//</a:t>
                       </a:r>
                       <a:r>
-                        <a:rPr lang="zh-CN" altLang="en-US" b="0" dirty="0">
+                        <a:rPr lang="zh-CN" altLang="en-US" sz="1300" b="0" dirty="0">
                           <a:solidFill>
                             <a:schemeClr val="tx1"/>
                           </a:solidFill>
@@ -13108,7 +13116,7 @@
                         <a:t> </a:t>
                       </a:r>
                       <a:r>
-                        <a:rPr lang="en-US" altLang="zh-CN" b="0" dirty="0">
+                        <a:rPr lang="en-US" altLang="zh-CN" sz="1300" b="0" dirty="0">
                           <a:solidFill>
                             <a:schemeClr val="tx1"/>
                           </a:solidFill>
@@ -13116,7 +13124,7 @@
                         <a:t>some</a:t>
                       </a:r>
                       <a:r>
-                        <a:rPr lang="zh-CN" altLang="en-US" b="0" dirty="0">
+                        <a:rPr lang="zh-CN" altLang="en-US" sz="1300" b="0" dirty="0">
                           <a:solidFill>
                             <a:schemeClr val="tx1"/>
                           </a:solidFill>
@@ -13124,7 +13132,7 @@
                         <a:t> </a:t>
                       </a:r>
                       <a:r>
-                        <a:rPr lang="en-US" altLang="zh-CN" b="0" dirty="0">
+                        <a:rPr lang="en-US" altLang="zh-CN" sz="1300" b="0" dirty="0">
                           <a:solidFill>
                             <a:schemeClr val="tx1"/>
                           </a:solidFill>
@@ -13132,7 +13140,7 @@
                         <a:t>statement</a:t>
                       </a:r>
                       <a:r>
-                        <a:rPr lang="zh-CN" altLang="en-US" b="0" dirty="0">
+                        <a:rPr lang="zh-CN" altLang="en-US" sz="1300" b="0" dirty="0">
                           <a:solidFill>
                             <a:schemeClr val="tx1"/>
                           </a:solidFill>
@@ -13140,14 +13148,14 @@
                         <a:t> </a:t>
                       </a:r>
                       <a:r>
-                        <a:rPr lang="en-US" altLang="zh-CN" b="0" dirty="0">
+                        <a:rPr lang="en-US" altLang="zh-CN" sz="1300" b="0" dirty="0">
                           <a:solidFill>
                             <a:schemeClr val="tx1"/>
                           </a:solidFill>
                         </a:rPr>
                         <a:t>1</a:t>
                       </a:r>
-                      <a:endParaRPr lang="en-US" b="0" dirty="0">
+                      <a:endParaRPr lang="en-US" sz="1300" b="0" dirty="0">
                         <a:solidFill>
                           <a:schemeClr val="tx1"/>
                         </a:solidFill>
@@ -13199,7 +13207,7 @@
                     <a:bodyPr/>
                     <a:lstStyle/>
                     <a:p>
-                      <a:endParaRPr lang="en-US" dirty="0">
+                      <a:endParaRPr lang="en-US" sz="1300" dirty="0">
                         <a:solidFill>
                           <a:schemeClr val="tx1"/>
                         </a:solidFill>
@@ -13251,7 +13259,7 @@
                     <a:bodyPr/>
                     <a:lstStyle/>
                     <a:p>
-                      <a:endParaRPr lang="en-US">
+                      <a:endParaRPr lang="en-US" sz="1300">
                         <a:solidFill>
                           <a:schemeClr val="tx1"/>
                         </a:solidFill>
@@ -13328,7 +13336,7 @@
                         <a:defRPr/>
                       </a:pPr>
                       <a:r>
-                        <a:rPr lang="en-US" altLang="zh-CN" b="0" dirty="0">
+                        <a:rPr lang="en-US" altLang="zh-CN" sz="1300" b="0" dirty="0">
                           <a:solidFill>
                             <a:schemeClr val="tx1"/>
                           </a:solidFill>
@@ -13336,7 +13344,7 @@
                         <a:t>creates</a:t>
                       </a:r>
                       <a:r>
-                        <a:rPr lang="zh-CN" altLang="en-US" b="0" dirty="0">
+                        <a:rPr lang="zh-CN" altLang="en-US" sz="1300" b="0" dirty="0">
                           <a:solidFill>
                             <a:schemeClr val="tx1"/>
                           </a:solidFill>
@@ -13344,7 +13352,7 @@
                         <a:t> </a:t>
                       </a:r>
                       <a:r>
-                        <a:rPr lang="en-US" altLang="zh-CN" b="0" dirty="0">
+                        <a:rPr lang="en-US" altLang="zh-CN" sz="1300" b="0" dirty="0">
                           <a:solidFill>
                             <a:schemeClr val="tx1"/>
                           </a:solidFill>
@@ -13352,7 +13360,7 @@
                         <a:t>Thread</a:t>
                       </a:r>
                       <a:r>
-                        <a:rPr lang="zh-CN" altLang="en-US" b="0" dirty="0">
+                        <a:rPr lang="zh-CN" altLang="en-US" sz="1300" b="0" dirty="0">
                           <a:solidFill>
                             <a:schemeClr val="tx1"/>
                           </a:solidFill>
@@ -13360,14 +13368,14 @@
                         <a:t> </a:t>
                       </a:r>
                       <a:r>
-                        <a:rPr lang="en-US" altLang="zh-CN" b="0" dirty="0">
+                        <a:rPr lang="en-US" altLang="zh-CN" sz="1300" b="0" dirty="0">
                           <a:solidFill>
                             <a:schemeClr val="tx1"/>
                           </a:solidFill>
                         </a:rPr>
                         <a:t>1</a:t>
                       </a:r>
-                      <a:endParaRPr lang="en-US" b="0" dirty="0">
+                      <a:endParaRPr lang="en-US" sz="1300" b="0" dirty="0">
                         <a:solidFill>
                           <a:schemeClr val="tx1"/>
                         </a:solidFill>
@@ -13419,7 +13427,7 @@
                     <a:bodyPr/>
                     <a:lstStyle/>
                     <a:p>
-                      <a:endParaRPr lang="en-US" dirty="0">
+                      <a:endParaRPr lang="en-US" sz="1300" dirty="0">
                         <a:solidFill>
                           <a:schemeClr val="tx1"/>
                         </a:solidFill>
@@ -13471,7 +13479,7 @@
                     <a:bodyPr/>
                     <a:lstStyle/>
                     <a:p>
-                      <a:endParaRPr lang="en-US" dirty="0">
+                      <a:endParaRPr lang="en-US" sz="1300" dirty="0">
                         <a:solidFill>
                           <a:schemeClr val="tx1"/>
                         </a:solidFill>
@@ -13548,7 +13556,7 @@
                         <a:defRPr/>
                       </a:pPr>
                       <a:r>
-                        <a:rPr lang="en-US" altLang="zh-CN" b="0" dirty="0">
+                        <a:rPr lang="en-US" altLang="zh-CN" sz="1300" b="0" dirty="0">
                           <a:solidFill>
                             <a:schemeClr val="tx1"/>
                           </a:solidFill>
@@ -13556,7 +13564,7 @@
                         <a:t>creates</a:t>
                       </a:r>
                       <a:r>
-                        <a:rPr lang="zh-CN" altLang="en-US" b="0" dirty="0">
+                        <a:rPr lang="zh-CN" altLang="en-US" sz="1300" b="0" dirty="0">
                           <a:solidFill>
                             <a:schemeClr val="tx1"/>
                           </a:solidFill>
@@ -13564,7 +13572,7 @@
                         <a:t> </a:t>
                       </a:r>
                       <a:r>
-                        <a:rPr lang="en-US" altLang="zh-CN" b="0" dirty="0">
+                        <a:rPr lang="en-US" altLang="zh-CN" sz="1300" b="0" dirty="0">
                           <a:solidFill>
                             <a:schemeClr val="tx1"/>
                           </a:solidFill>
@@ -13572,7 +13580,7 @@
                         <a:t>Thread</a:t>
                       </a:r>
                       <a:r>
-                        <a:rPr lang="zh-CN" altLang="en-US" b="0" dirty="0">
+                        <a:rPr lang="zh-CN" altLang="en-US" sz="1300" b="0" dirty="0">
                           <a:solidFill>
                             <a:schemeClr val="tx1"/>
                           </a:solidFill>
@@ -13580,14 +13588,14 @@
                         <a:t> </a:t>
                       </a:r>
                       <a:r>
-                        <a:rPr lang="en-US" altLang="zh-CN" b="0" dirty="0">
+                        <a:rPr lang="en-US" altLang="zh-CN" sz="1300" b="0" dirty="0">
                           <a:solidFill>
                             <a:schemeClr val="tx1"/>
                           </a:solidFill>
                         </a:rPr>
                         <a:t>2</a:t>
                       </a:r>
-                      <a:endParaRPr lang="en-US" b="0" dirty="0">
+                      <a:endParaRPr lang="en-US" sz="1300" b="0" dirty="0">
                         <a:solidFill>
                           <a:schemeClr val="tx1"/>
                         </a:solidFill>
@@ -13639,7 +13647,7 @@
                     <a:bodyPr/>
                     <a:lstStyle/>
                     <a:p>
-                      <a:endParaRPr lang="en-US" dirty="0">
+                      <a:endParaRPr lang="en-US" sz="1300" dirty="0">
                         <a:solidFill>
                           <a:schemeClr val="tx1"/>
                         </a:solidFill>
@@ -13691,7 +13699,7 @@
                     <a:bodyPr/>
                     <a:lstStyle/>
                     <a:p>
-                      <a:endParaRPr lang="en-US" dirty="0">
+                      <a:endParaRPr lang="en-US" sz="1300" dirty="0">
                         <a:solidFill>
                           <a:schemeClr val="tx1"/>
                         </a:solidFill>
@@ -13751,7 +13759,7 @@
                     <a:lstStyle/>
                     <a:p>
                       <a:r>
-                        <a:rPr lang="en-US" altLang="zh-CN" dirty="0">
+                        <a:rPr lang="en-US" altLang="zh-CN" sz="1300" dirty="0">
                           <a:solidFill>
                             <a:schemeClr val="tx1"/>
                           </a:solidFill>
@@ -13759,7 +13767,7 @@
                         <a:t>waits</a:t>
                       </a:r>
                       <a:r>
-                        <a:rPr lang="zh-CN" altLang="en-US" dirty="0">
+                        <a:rPr lang="zh-CN" altLang="en-US" sz="1300" dirty="0">
                           <a:solidFill>
                             <a:schemeClr val="tx1"/>
                           </a:solidFill>
@@ -13767,7 +13775,7 @@
                         <a:t> </a:t>
                       </a:r>
                       <a:r>
-                        <a:rPr lang="en-US" altLang="zh-CN" dirty="0">
+                        <a:rPr lang="en-US" altLang="zh-CN" sz="1300" dirty="0">
                           <a:solidFill>
                             <a:schemeClr val="tx1"/>
                           </a:solidFill>
@@ -13775,7 +13783,7 @@
                         <a:t>for</a:t>
                       </a:r>
                       <a:r>
-                        <a:rPr lang="zh-CN" altLang="en-US" dirty="0">
+                        <a:rPr lang="zh-CN" altLang="en-US" sz="1300" dirty="0">
                           <a:solidFill>
                             <a:schemeClr val="tx1"/>
                           </a:solidFill>
@@ -13783,7 +13791,7 @@
                         <a:t> </a:t>
                       </a:r>
                       <a:r>
-                        <a:rPr lang="en-US" altLang="zh-CN" dirty="0">
+                        <a:rPr lang="en-US" altLang="zh-CN" sz="1300" dirty="0">
                           <a:solidFill>
                             <a:schemeClr val="tx1"/>
                           </a:solidFill>
@@ -13791,7 +13799,7 @@
                         <a:t>T1</a:t>
                       </a:r>
                       <a:r>
-                        <a:rPr lang="zh-CN" altLang="en-US" dirty="0">
+                        <a:rPr lang="zh-CN" altLang="en-US" sz="1300" dirty="0">
                           <a:solidFill>
                             <a:schemeClr val="tx1"/>
                           </a:solidFill>
@@ -13799,7 +13807,7 @@
                         <a:t> </a:t>
                       </a:r>
                       <a:r>
-                        <a:rPr lang="en-US" altLang="zh-CN" dirty="0">
+                        <a:rPr lang="en-US" altLang="zh-CN" sz="1300" dirty="0">
                           <a:solidFill>
                             <a:schemeClr val="tx1"/>
                           </a:solidFill>
@@ -13807,7 +13815,7 @@
                         <a:t>and</a:t>
                       </a:r>
                       <a:r>
-                        <a:rPr lang="zh-CN" altLang="en-US" dirty="0">
+                        <a:rPr lang="zh-CN" altLang="en-US" sz="1300" dirty="0">
                           <a:solidFill>
                             <a:schemeClr val="tx1"/>
                           </a:solidFill>
@@ -13815,14 +13823,14 @@
                         <a:t> </a:t>
                       </a:r>
                       <a:r>
-                        <a:rPr lang="en-US" altLang="zh-CN" dirty="0">
+                        <a:rPr lang="en-US" altLang="zh-CN" sz="1300" dirty="0">
                           <a:solidFill>
                             <a:schemeClr val="tx1"/>
                           </a:solidFill>
                         </a:rPr>
                         <a:t>T2</a:t>
                       </a:r>
-                      <a:endParaRPr lang="en-US" dirty="0">
+                      <a:endParaRPr lang="en-US" sz="1300" dirty="0">
                         <a:solidFill>
                           <a:schemeClr val="tx1"/>
                         </a:solidFill>
@@ -13874,7 +13882,7 @@
                     <a:bodyPr/>
                     <a:lstStyle/>
                     <a:p>
-                      <a:endParaRPr lang="en-US" dirty="0">
+                      <a:endParaRPr lang="en-US" sz="1300" dirty="0">
                         <a:solidFill>
                           <a:schemeClr val="tx1"/>
                         </a:solidFill>
@@ -13926,7 +13934,7 @@
                     <a:bodyPr/>
                     <a:lstStyle/>
                     <a:p>
-                      <a:endParaRPr lang="en-US" dirty="0">
+                      <a:endParaRPr lang="en-US" sz="1300" dirty="0">
                         <a:solidFill>
                           <a:schemeClr val="tx1"/>
                         </a:solidFill>
@@ -13985,7 +13993,7 @@
                     <a:bodyPr/>
                     <a:lstStyle/>
                     <a:p>
-                      <a:endParaRPr lang="en-US" dirty="0">
+                      <a:endParaRPr lang="en-US" sz="1300" dirty="0">
                         <a:solidFill>
                           <a:schemeClr val="tx1"/>
                         </a:solidFill>
@@ -14038,14 +14046,14 @@
                     <a:lstStyle/>
                     <a:p>
                       <a:r>
-                        <a:rPr lang="en-US" altLang="zh-CN" dirty="0">
+                        <a:rPr lang="en-US" altLang="zh-CN" sz="1300" dirty="0">
                           <a:solidFill>
                             <a:schemeClr val="tx1"/>
                           </a:solidFill>
                         </a:rPr>
                         <a:t>runs</a:t>
                       </a:r>
-                      <a:endParaRPr lang="en-US" dirty="0">
+                      <a:endParaRPr lang="en-US" sz="1300" dirty="0">
                         <a:solidFill>
                           <a:schemeClr val="tx1"/>
                         </a:solidFill>
@@ -14098,14 +14106,14 @@
                     <a:lstStyle/>
                     <a:p>
                       <a:r>
-                        <a:rPr lang="en-US" altLang="zh-CN" dirty="0">
+                        <a:rPr lang="en-US" altLang="zh-CN" sz="1300" dirty="0">
                           <a:solidFill>
                             <a:schemeClr val="tx1"/>
                           </a:solidFill>
                         </a:rPr>
                         <a:t>runs</a:t>
                       </a:r>
-                      <a:endParaRPr lang="en-US" dirty="0">
+                      <a:endParaRPr lang="en-US" sz="1300" dirty="0">
                         <a:solidFill>
                           <a:schemeClr val="tx1"/>
                         </a:solidFill>
@@ -14164,7 +14172,7 @@
                     <a:bodyPr/>
                     <a:lstStyle/>
                     <a:p>
-                      <a:endParaRPr lang="en-US" dirty="0">
+                      <a:endParaRPr lang="en-US" sz="1300" dirty="0">
                         <a:solidFill>
                           <a:schemeClr val="tx1"/>
                         </a:solidFill>
@@ -14234,10 +14242,10 @@
                         <a:defRPr/>
                       </a:pPr>
                       <a:r>
-                        <a:rPr lang="en-US" b="0" dirty="0"/>
+                        <a:rPr lang="en-US" sz="1300" b="0" dirty="0"/>
                         <a:t>//dealing with invalid actions</a:t>
                       </a:r>
-                      <a:endParaRPr lang="en-US" dirty="0">
+                      <a:endParaRPr lang="en-US" sz="1300" dirty="0">
                         <a:solidFill>
                           <a:schemeClr val="tx1"/>
                         </a:solidFill>
@@ -14289,7 +14297,7 @@
                     <a:bodyPr/>
                     <a:lstStyle/>
                     <a:p>
-                      <a:endParaRPr lang="en-US" b="0" dirty="0"/>
+                      <a:endParaRPr lang="en-US" sz="1300" b="0" dirty="0"/>
                     </a:p>
                   </a:txBody>
                   <a:tcPr>
@@ -14344,7 +14352,7 @@
                     <a:bodyPr/>
                     <a:lstStyle/>
                     <a:p>
-                      <a:endParaRPr lang="en-US" dirty="0">
+                      <a:endParaRPr lang="en-US" sz="1300" dirty="0">
                         <a:solidFill>
                           <a:schemeClr val="tx1"/>
                         </a:solidFill>
@@ -14396,7 +14404,7 @@
                     <a:bodyPr/>
                     <a:lstStyle/>
                     <a:p>
-                      <a:endParaRPr lang="en-US" dirty="0">
+                      <a:endParaRPr lang="en-US" sz="1300" dirty="0">
                         <a:solidFill>
                           <a:schemeClr val="tx1"/>
                         </a:solidFill>
@@ -14449,7 +14457,7 @@
                     <a:lstStyle/>
                     <a:p>
                       <a:r>
-                        <a:rPr lang="en-US" b="0" dirty="0"/>
+                        <a:rPr lang="en-US" sz="1300" b="0" dirty="0"/>
                         <a:t>//call the callback with request and caller data</a:t>
                       </a:r>
                     </a:p>
@@ -14506,7 +14514,7 @@
                     <a:bodyPr/>
                     <a:lstStyle/>
                     <a:p>
-                      <a:endParaRPr lang="en-US">
+                      <a:endParaRPr lang="en-US" sz="1300">
                         <a:solidFill>
                           <a:schemeClr val="tx1"/>
                         </a:solidFill>
@@ -14576,10 +14584,10 @@
                         <a:defRPr/>
                       </a:pPr>
                       <a:r>
-                        <a:rPr lang="en-US" b="0" dirty="0"/>
+                        <a:rPr lang="en-US" sz="1300" b="0" dirty="0"/>
                         <a:t>//dealing with invalid actions</a:t>
                       </a:r>
-                      <a:endParaRPr lang="en-US" dirty="0">
+                      <a:endParaRPr lang="en-US" sz="1300" dirty="0">
                         <a:solidFill>
                           <a:schemeClr val="tx1"/>
                         </a:solidFill>
@@ -14631,7 +14639,7 @@
                     <a:bodyPr/>
                     <a:lstStyle/>
                     <a:p>
-                      <a:endParaRPr lang="en-US" b="0" dirty="0"/>
+                      <a:endParaRPr lang="en-US" sz="1300" b="0" dirty="0"/>
                     </a:p>
                   </a:txBody>
                   <a:tcPr>
@@ -14686,7 +14694,7 @@
                     <a:bodyPr/>
                     <a:lstStyle/>
                     <a:p>
-                      <a:endParaRPr lang="en-US">
+                      <a:endParaRPr lang="en-US" sz="1300">
                         <a:solidFill>
                           <a:schemeClr val="tx1"/>
                         </a:solidFill>
@@ -14755,7 +14763,7 @@
                         <a:tabLst/>
                         <a:defRPr/>
                       </a:pPr>
-                      <a:endParaRPr lang="en-US" dirty="0">
+                      <a:endParaRPr lang="en-US" sz="1300" dirty="0">
                         <a:solidFill>
                           <a:schemeClr val="tx1"/>
                         </a:solidFill>
@@ -14808,27 +14816,27 @@
                     <a:lstStyle/>
                     <a:p>
                       <a:r>
-                        <a:rPr lang="zh-CN" altLang="en-US" b="0" dirty="0"/>
+                        <a:rPr lang="zh-CN" altLang="en-US" sz="1300" b="0" dirty="0"/>
                         <a:t> </a:t>
                       </a:r>
                       <a:r>
-                        <a:rPr lang="en-US" b="0" dirty="0"/>
+                        <a:rPr lang="en-US" sz="1300" b="0" dirty="0"/>
                         <a:t>var index = </a:t>
                       </a:r>
                       <a:r>
-                        <a:rPr lang="en-US" b="0" dirty="0" err="1"/>
+                        <a:rPr lang="en-US" sz="1300" b="0" dirty="0" err="1"/>
                         <a:t>actionList.indexOf</a:t>
                       </a:r>
                       <a:r>
-                        <a:rPr lang="en-US" b="0" dirty="0"/>
+                        <a:rPr lang="en-US" sz="1300" b="0" dirty="0"/>
                         <a:t>(</a:t>
                       </a:r>
                       <a:r>
-                        <a:rPr lang="en-US" b="0" dirty="0" err="1"/>
+                        <a:rPr lang="en-US" sz="1300" b="0" dirty="0" err="1"/>
                         <a:t>req.action</a:t>
                       </a:r>
                       <a:r>
-                        <a:rPr lang="en-US" b="0" dirty="0"/>
+                        <a:rPr lang="en-US" sz="1300" b="0" dirty="0"/>
                         <a:t>);</a:t>
                       </a:r>
                     </a:p>
@@ -14885,7 +14893,7 @@
                     <a:bodyPr/>
                     <a:lstStyle/>
                     <a:p>
-                      <a:endParaRPr lang="en-US" dirty="0">
+                      <a:endParaRPr lang="en-US" sz="1300" dirty="0">
                         <a:solidFill>
                           <a:schemeClr val="tx1"/>
                         </a:solidFill>
@@ -14955,14 +14963,14 @@
                         <a:defRPr/>
                       </a:pPr>
                       <a:r>
-                        <a:rPr lang="en-US" altLang="zh-CN" dirty="0">
+                        <a:rPr lang="en-US" altLang="zh-CN" sz="1300" dirty="0">
                           <a:solidFill>
                             <a:schemeClr val="tx1"/>
                           </a:solidFill>
                         </a:rPr>
                         <a:t>returns</a:t>
                       </a:r>
-                      <a:endParaRPr lang="en-US" dirty="0">
+                      <a:endParaRPr lang="en-US" sz="1300" dirty="0">
                         <a:solidFill>
                           <a:schemeClr val="tx1"/>
                         </a:solidFill>
@@ -15014,7 +15022,7 @@
                     <a:bodyPr/>
                     <a:lstStyle/>
                     <a:p>
-                      <a:endParaRPr lang="en-US" dirty="0">
+                      <a:endParaRPr lang="en-US" sz="1300" dirty="0">
                         <a:solidFill>
                           <a:schemeClr val="tx1"/>
                         </a:solidFill>
@@ -15067,7 +15075,7 @@
                   </a:ext>
                 </a:extLst>
               </a:tr>
-              <a:tr h="370840">
+              <a:tr h="502920">
                 <a:tc>
                   <a:txBody>
                     <a:bodyPr/>
@@ -15091,7 +15099,7 @@
                         <a:defRPr/>
                       </a:pPr>
                       <a:r>
-                        <a:rPr lang="en-US" altLang="zh-CN" b="0" dirty="0">
+                        <a:rPr lang="en-US" altLang="zh-CN" sz="1300" b="0" dirty="0">
                           <a:solidFill>
                             <a:schemeClr val="tx1"/>
                           </a:solidFill>
@@ -15099,7 +15107,7 @@
                         <a:t>//</a:t>
                       </a:r>
                       <a:r>
-                        <a:rPr lang="zh-CN" altLang="en-US" b="0" dirty="0">
+                        <a:rPr lang="zh-CN" altLang="en-US" sz="1300" b="0" dirty="0">
                           <a:solidFill>
                             <a:schemeClr val="tx1"/>
                           </a:solidFill>
@@ -15107,7 +15115,7 @@
                         <a:t> </a:t>
                       </a:r>
                       <a:r>
-                        <a:rPr lang="en-US" altLang="zh-CN" b="0" dirty="0">
+                        <a:rPr lang="en-US" altLang="zh-CN" sz="1300" b="0" dirty="0">
                           <a:solidFill>
                             <a:schemeClr val="tx1"/>
                           </a:solidFill>
@@ -15134,7 +15142,7 @@
                         <a:defRPr/>
                       </a:pPr>
                       <a:r>
-                        <a:rPr lang="en-US" altLang="zh-CN" b="0" dirty="0">
+                        <a:rPr lang="en-US" altLang="zh-CN" sz="1300" b="0" dirty="0">
                           <a:solidFill>
                             <a:schemeClr val="tx1"/>
                           </a:solidFill>
@@ -15142,7 +15150,7 @@
                         <a:t>some</a:t>
                       </a:r>
                       <a:r>
-                        <a:rPr lang="zh-CN" altLang="en-US" b="0" dirty="0">
+                        <a:rPr lang="zh-CN" altLang="en-US" sz="1300" b="0" dirty="0">
                           <a:solidFill>
                             <a:schemeClr val="tx1"/>
                           </a:solidFill>
@@ -15150,7 +15158,7 @@
                         <a:t> </a:t>
                       </a:r>
                       <a:r>
-                        <a:rPr lang="en-US" altLang="zh-CN" b="0" dirty="0">
+                        <a:rPr lang="en-US" altLang="zh-CN" sz="1300" b="0" dirty="0">
                           <a:solidFill>
                             <a:schemeClr val="tx1"/>
                           </a:solidFill>
@@ -15158,7 +15166,7 @@
                         <a:t>statement</a:t>
                       </a:r>
                       <a:r>
-                        <a:rPr lang="zh-CN" altLang="en-US" b="0" dirty="0">
+                        <a:rPr lang="zh-CN" altLang="en-US" sz="1300" b="0" dirty="0">
                           <a:solidFill>
                             <a:schemeClr val="tx1"/>
                           </a:solidFill>
@@ -15166,14 +15174,14 @@
                         <a:t> </a:t>
                       </a:r>
                       <a:r>
-                        <a:rPr lang="en-US" altLang="zh-CN" b="0" dirty="0">
+                        <a:rPr lang="en-US" altLang="zh-CN" sz="1300" b="0" dirty="0">
                           <a:solidFill>
                             <a:schemeClr val="tx1"/>
                           </a:solidFill>
                         </a:rPr>
                         <a:t>2</a:t>
                       </a:r>
-                      <a:endParaRPr lang="en-US" b="0" dirty="0">
+                      <a:endParaRPr lang="en-US" sz="1300" b="0" dirty="0">
                         <a:solidFill>
                           <a:schemeClr val="tx1"/>
                         </a:solidFill>
@@ -15225,7 +15233,7 @@
                     <a:bodyPr/>
                     <a:lstStyle/>
                     <a:p>
-                      <a:endParaRPr lang="en-US" dirty="0">
+                      <a:endParaRPr lang="en-US" sz="1300" dirty="0">
                         <a:solidFill>
                           <a:schemeClr val="tx1"/>
                         </a:solidFill>
@@ -15295,18 +15303,18 @@
                         <a:defRPr/>
                       </a:pPr>
                       <a:r>
-                        <a:rPr lang="en-US" b="0" dirty="0"/>
+                        <a:rPr lang="en-US" sz="1300" b="0" dirty="0"/>
                         <a:t>res({'result': window[</a:t>
                       </a:r>
                       <a:r>
-                        <a:rPr lang="en-US" b="0" dirty="0" err="1"/>
+                        <a:rPr lang="en-US" sz="1300" b="0" dirty="0" err="1"/>
                         <a:t>actionList</a:t>
                       </a:r>
                       <a:r>
-                        <a:rPr lang="en-US" b="0" dirty="0"/>
+                        <a:rPr lang="en-US" sz="1300" b="0" dirty="0"/>
                         <a:t>[index]](req)});</a:t>
                       </a:r>
-                      <a:endParaRPr lang="en-US" dirty="0">
+                      <a:endParaRPr lang="en-US" sz="1300" dirty="0">
                         <a:solidFill>
                           <a:schemeClr val="tx1"/>
                         </a:solidFill>
@@ -15382,7 +15390,7 @@
                         <a:tabLst/>
                         <a:defRPr/>
                       </a:pPr>
-                      <a:endParaRPr lang="en-US" b="0" dirty="0">
+                      <a:endParaRPr lang="en-US" sz="1300" b="0" dirty="0">
                         <a:solidFill>
                           <a:schemeClr val="tx1"/>
                         </a:solidFill>
@@ -15434,7 +15442,7 @@
                     <a:bodyPr/>
                     <a:lstStyle/>
                     <a:p>
-                      <a:endParaRPr lang="en-US" dirty="0">
+                      <a:endParaRPr lang="en-US" sz="1300" dirty="0">
                         <a:solidFill>
                           <a:schemeClr val="tx1"/>
                         </a:solidFill>
@@ -15504,14 +15512,14 @@
                         <a:defRPr/>
                       </a:pPr>
                       <a:r>
-                        <a:rPr lang="en-US" altLang="zh-CN" dirty="0">
+                        <a:rPr lang="en-US" altLang="zh-CN" sz="1300" dirty="0">
                           <a:solidFill>
                             <a:schemeClr val="tx1"/>
                           </a:solidFill>
                         </a:rPr>
                         <a:t>returns</a:t>
                       </a:r>
-                      <a:endParaRPr lang="en-US" dirty="0">
+                      <a:endParaRPr lang="en-US" sz="1300" dirty="0">
                         <a:solidFill>
                           <a:schemeClr val="tx1"/>
                         </a:solidFill>
@@ -15564,7 +15572,7 @@
                   </a:ext>
                 </a:extLst>
               </a:tr>
-              <a:tr h="370840">
+              <a:tr h="502920">
                 <a:tc>
                   <a:txBody>
                     <a:bodyPr/>
@@ -15588,7 +15596,7 @@
                         <a:defRPr/>
                       </a:pPr>
                       <a:r>
-                        <a:rPr lang="en-US" altLang="zh-CN" b="0" dirty="0">
+                        <a:rPr lang="en-US" altLang="zh-CN" sz="1300" b="0" dirty="0">
                           <a:solidFill>
                             <a:schemeClr val="tx1"/>
                           </a:solidFill>
@@ -15596,7 +15604,7 @@
                         <a:t>//</a:t>
                       </a:r>
                       <a:r>
-                        <a:rPr lang="zh-CN" altLang="en-US" b="0" dirty="0">
+                        <a:rPr lang="zh-CN" altLang="en-US" sz="1300" b="0" dirty="0">
                           <a:solidFill>
                             <a:schemeClr val="tx1"/>
                           </a:solidFill>
@@ -15604,7 +15612,7 @@
                         <a:t> </a:t>
                       </a:r>
                       <a:r>
-                        <a:rPr lang="en-US" altLang="zh-CN" b="0" dirty="0">
+                        <a:rPr lang="en-US" altLang="zh-CN" sz="1300" b="0" dirty="0">
                           <a:solidFill>
                             <a:schemeClr val="tx1"/>
                           </a:solidFill>
@@ -15631,7 +15639,7 @@
                         <a:defRPr/>
                       </a:pPr>
                       <a:r>
-                        <a:rPr lang="en-US" altLang="zh-CN" b="0" dirty="0">
+                        <a:rPr lang="en-US" altLang="zh-CN" sz="1300" b="0" dirty="0">
                           <a:solidFill>
                             <a:schemeClr val="tx1"/>
                           </a:solidFill>
@@ -15639,7 +15647,7 @@
                         <a:t>some</a:t>
                       </a:r>
                       <a:r>
-                        <a:rPr lang="zh-CN" altLang="en-US" b="0" dirty="0">
+                        <a:rPr lang="zh-CN" altLang="en-US" sz="1300" b="0" dirty="0">
                           <a:solidFill>
                             <a:schemeClr val="tx1"/>
                           </a:solidFill>
@@ -15647,7 +15655,7 @@
                         <a:t> </a:t>
                       </a:r>
                       <a:r>
-                        <a:rPr lang="en-US" altLang="zh-CN" b="0" dirty="0">
+                        <a:rPr lang="en-US" altLang="zh-CN" sz="1300" b="0" dirty="0">
                           <a:solidFill>
                             <a:schemeClr val="tx1"/>
                           </a:solidFill>
@@ -15655,7 +15663,7 @@
                         <a:t>statement</a:t>
                       </a:r>
                       <a:r>
-                        <a:rPr lang="zh-CN" altLang="en-US" b="0" dirty="0">
+                        <a:rPr lang="zh-CN" altLang="en-US" sz="1300" b="0" dirty="0">
                           <a:solidFill>
                             <a:schemeClr val="tx1"/>
                           </a:solidFill>
@@ -15663,14 +15671,14 @@
                         <a:t> </a:t>
                       </a:r>
                       <a:r>
-                        <a:rPr lang="en-US" altLang="zh-CN" b="0" dirty="0">
+                        <a:rPr lang="en-US" altLang="zh-CN" sz="1300" b="0" dirty="0">
                           <a:solidFill>
                             <a:schemeClr val="tx1"/>
                           </a:solidFill>
                         </a:rPr>
                         <a:t>2</a:t>
                       </a:r>
-                      <a:endParaRPr lang="en-US" b="0" dirty="0">
+                      <a:endParaRPr lang="en-US" sz="1300" b="0" dirty="0">
                         <a:solidFill>
                           <a:schemeClr val="tx1"/>
                         </a:solidFill>
@@ -15722,7 +15730,7 @@
                     <a:bodyPr/>
                     <a:lstStyle/>
                     <a:p>
-                      <a:endParaRPr lang="en-US" dirty="0">
+                      <a:endParaRPr lang="en-US" sz="1300" dirty="0">
                         <a:solidFill>
                           <a:schemeClr val="tx1"/>
                         </a:solidFill>
@@ -15791,7 +15799,7 @@
                         <a:tabLst/>
                         <a:defRPr/>
                       </a:pPr>
-                      <a:endParaRPr lang="en-US" dirty="0">
+                      <a:endParaRPr lang="en-US" sz="1300" dirty="0">
                         <a:solidFill>
                           <a:schemeClr val="tx1"/>
                         </a:solidFill>
@@ -15900,8 +15908,8 @@
           </p:nvPr>
         </p:nvGraphicFramePr>
         <p:xfrm>
-          <a:off x="474277" y="2547832"/>
-          <a:ext cx="11330152" cy="765326"/>
+          <a:off x="474277" y="2547833"/>
+          <a:ext cx="11330152" cy="765327"/>
         </p:xfrm>
         <a:graphic>
           <a:graphicData uri="http://schemas.openxmlformats.org/drawingml/2006/table">
@@ -15910,56 +15918,56 @@
                 <a:tableStyleId>{5C22544A-7EE6-4342-B048-85BDC9FD1C3A}</a:tableStyleId>
               </a:tblPr>
               <a:tblGrid>
-                <a:gridCol w="1477846">
+                <a:gridCol w="1477847">
                   <a:extLst>
                     <a:ext uri="{9D8B030D-6E8A-4147-A177-3AD203B41FA5}">
                       <a16:colId xmlns:a16="http://schemas.microsoft.com/office/drawing/2014/main" val="1820683565"/>
                     </a:ext>
                   </a:extLst>
                 </a:gridCol>
-                <a:gridCol w="1477846">
+                <a:gridCol w="1477847">
                   <a:extLst>
                     <a:ext uri="{9D8B030D-6E8A-4147-A177-3AD203B41FA5}">
                       <a16:colId xmlns:a16="http://schemas.microsoft.com/office/drawing/2014/main" val="3681966404"/>
                     </a:ext>
                   </a:extLst>
                 </a:gridCol>
-                <a:gridCol w="1477846">
+                <a:gridCol w="1477847">
                   <a:extLst>
                     <a:ext uri="{9D8B030D-6E8A-4147-A177-3AD203B41FA5}">
                       <a16:colId xmlns:a16="http://schemas.microsoft.com/office/drawing/2014/main" val="2982967346"/>
                     </a:ext>
                   </a:extLst>
                 </a:gridCol>
-                <a:gridCol w="1477846">
+                <a:gridCol w="1477847">
                   <a:extLst>
                     <a:ext uri="{9D8B030D-6E8A-4147-A177-3AD203B41FA5}">
                       <a16:colId xmlns:a16="http://schemas.microsoft.com/office/drawing/2014/main" val="876132786"/>
                     </a:ext>
                   </a:extLst>
                 </a:gridCol>
-                <a:gridCol w="1477846">
+                <a:gridCol w="1477847">
                   <a:extLst>
                     <a:ext uri="{9D8B030D-6E8A-4147-A177-3AD203B41FA5}">
                       <a16:colId xmlns:a16="http://schemas.microsoft.com/office/drawing/2014/main" val="233406774"/>
                     </a:ext>
                   </a:extLst>
                 </a:gridCol>
-                <a:gridCol w="985230">
+                <a:gridCol w="985231">
                   <a:extLst>
                     <a:ext uri="{9D8B030D-6E8A-4147-A177-3AD203B41FA5}">
                       <a16:colId xmlns:a16="http://schemas.microsoft.com/office/drawing/2014/main" val="1938309566"/>
                     </a:ext>
                   </a:extLst>
                 </a:gridCol>
-                <a:gridCol w="1477846">
+                <a:gridCol w="1477847">
                   <a:extLst>
                     <a:ext uri="{9D8B030D-6E8A-4147-A177-3AD203B41FA5}">
                       <a16:colId xmlns:a16="http://schemas.microsoft.com/office/drawing/2014/main" val="1750403960"/>
                     </a:ext>
                   </a:extLst>
                 </a:gridCol>
-                <a:gridCol w="1477846">
+                <a:gridCol w="1477847">
                   <a:extLst>
                     <a:ext uri="{9D8B030D-6E8A-4147-A177-3AD203B41FA5}">
                       <a16:colId xmlns:a16="http://schemas.microsoft.com/office/drawing/2014/main" val="1768611176"/>
@@ -15975,7 +15983,7 @@
                     <a:p>
                       <a:pPr algn="ctr"/>
                       <a:r>
-                        <a:rPr lang="en-US" b="0" dirty="0">
+                        <a:rPr lang="en-US" sz="1300" b="0" dirty="0">
                           <a:solidFill>
                             <a:schemeClr val="tx1"/>
                           </a:solidFill>
@@ -16041,7 +16049,7 @@
                     <a:p>
                       <a:pPr algn="ctr"/>
                       <a:r>
-                        <a:rPr lang="en-US" b="0" dirty="0">
+                        <a:rPr lang="en-US" sz="1300" b="0" dirty="0">
                           <a:solidFill>
                             <a:schemeClr val="tx1"/>
                           </a:solidFill>
@@ -16107,7 +16115,7 @@
                     <a:p>
                       <a:pPr algn="ctr"/>
                       <a:r>
-                        <a:rPr lang="en-US" b="0" dirty="0">
+                        <a:rPr lang="en-US" sz="1300" b="0" dirty="0">
                           <a:solidFill>
                             <a:schemeClr val="tx1"/>
                           </a:solidFill>
@@ -16173,7 +16181,7 @@
                     <a:p>
                       <a:pPr algn="ctr"/>
                       <a:r>
-                        <a:rPr lang="en-US" b="0" dirty="0">
+                        <a:rPr lang="en-US" sz="1300" b="0" dirty="0">
                           <a:solidFill>
                             <a:schemeClr val="tx1"/>
                           </a:solidFill>
@@ -16239,7 +16247,7 @@
                     <a:p>
                       <a:pPr algn="ctr"/>
                       <a:r>
-                        <a:rPr lang="en-US" b="0" dirty="0">
+                        <a:rPr lang="en-US" sz="1300" b="0" dirty="0">
                           <a:solidFill>
                             <a:schemeClr val="tx1"/>
                           </a:solidFill>
@@ -16305,7 +16313,7 @@
                     <a:p>
                       <a:pPr algn="ctr"/>
                       <a:r>
-                        <a:rPr lang="en-US" b="0" dirty="0">
+                        <a:rPr lang="en-US" sz="1300" b="0" dirty="0">
                           <a:solidFill>
                             <a:schemeClr val="tx1"/>
                           </a:solidFill>
@@ -16371,7 +16379,7 @@
                     <a:p>
                       <a:pPr algn="ctr"/>
                       <a:r>
-                        <a:rPr lang="en-US" b="0" dirty="0">
+                        <a:rPr lang="en-US" sz="1300" b="0" dirty="0">
                           <a:solidFill>
                             <a:schemeClr val="tx1"/>
                           </a:solidFill>
@@ -16437,7 +16445,7 @@
                     <a:p>
                       <a:pPr algn="ctr"/>
                       <a:r>
-                        <a:rPr lang="en-US" b="0" dirty="0">
+                        <a:rPr lang="en-US" sz="1300" b="0" dirty="0">
                           <a:solidFill>
                             <a:schemeClr val="tx1"/>
                           </a:solidFill>
@@ -16502,14 +16510,14 @@
                   </a:ext>
                 </a:extLst>
               </a:tr>
-              <a:tr h="399566">
+              <a:tr h="399567">
                 <a:tc>
                   <a:txBody>
                     <a:bodyPr/>
                     <a:lstStyle/>
                     <a:p>
                       <a:r>
-                        <a:rPr lang="en-US" sz="1400" b="0" dirty="0">
+                        <a:rPr lang="en-US" sz="1500" b="0" dirty="0">
                           <a:solidFill>
                             <a:schemeClr val="tx1"/>
                           </a:solidFill>
@@ -16569,7 +16577,7 @@
                     <a:bodyPr/>
                     <a:lstStyle/>
                     <a:p>
-                      <a:endParaRPr lang="en-US" b="0" dirty="0">
+                      <a:endParaRPr lang="en-US" sz="1300" b="0" dirty="0">
                         <a:solidFill>
                           <a:schemeClr val="tx1"/>
                         </a:solidFill>
@@ -16627,7 +16635,7 @@
                     <a:bodyPr/>
                     <a:lstStyle/>
                     <a:p>
-                      <a:endParaRPr lang="en-US" b="0" dirty="0">
+                      <a:endParaRPr lang="en-US" sz="1300" b="0" dirty="0">
                         <a:solidFill>
                           <a:schemeClr val="tx1"/>
                         </a:solidFill>
@@ -16685,7 +16693,7 @@
                     <a:bodyPr/>
                     <a:lstStyle/>
                     <a:p>
-                      <a:endParaRPr lang="en-US" b="0" dirty="0">
+                      <a:endParaRPr lang="en-US" sz="1300" b="0" dirty="0">
                         <a:solidFill>
                           <a:schemeClr val="tx1"/>
                         </a:solidFill>
@@ -16743,7 +16751,7 @@
                     <a:bodyPr/>
                     <a:lstStyle/>
                     <a:p>
-                      <a:endParaRPr lang="en-US" b="0" dirty="0">
+                      <a:endParaRPr lang="en-US" sz="1300" b="0" dirty="0">
                         <a:solidFill>
                           <a:schemeClr val="tx1"/>
                         </a:solidFill>
@@ -16802,7 +16810,7 @@
                     <a:lstStyle/>
                     <a:p>
                       <a:r>
-                        <a:rPr lang="en-US" sz="1400" b="0" dirty="0">
+                        <a:rPr lang="en-US" sz="1500" b="0" dirty="0">
                           <a:solidFill>
                             <a:schemeClr val="tx1"/>
                           </a:solidFill>
@@ -16863,7 +16871,7 @@
                     <a:lstStyle/>
                     <a:p>
                       <a:r>
-                        <a:rPr lang="en-US" sz="1400" b="0" dirty="0">
+                        <a:rPr lang="en-US" sz="1500" b="0" dirty="0">
                           <a:solidFill>
                             <a:schemeClr val="tx1"/>
                           </a:solidFill>
@@ -16928,7 +16936,7 @@
                     <a:bodyPr/>
                     <a:lstStyle/>
                     <a:p>
-                      <a:endParaRPr lang="en-US" b="0" dirty="0">
+                      <a:endParaRPr lang="en-US" sz="1300" b="0" dirty="0">
                         <a:solidFill>
                           <a:schemeClr val="tx1"/>
                         </a:solidFill>
@@ -17012,8 +17020,8 @@
           </p:nvPr>
         </p:nvGraphicFramePr>
         <p:xfrm>
-          <a:off x="474277" y="4291001"/>
-          <a:ext cx="10421005" cy="490506"/>
+          <a:off x="474278" y="4291001"/>
+          <a:ext cx="10421005" cy="490507"/>
         </p:xfrm>
         <a:graphic>
           <a:graphicData uri="http://schemas.openxmlformats.org/drawingml/2006/table">
@@ -17022,28 +17030,28 @@
                 <a:tableStyleId>{5C22544A-7EE6-4342-B048-85BDC9FD1C3A}</a:tableStyleId>
               </a:tblPr>
               <a:tblGrid>
-                <a:gridCol w="1307954">
+                <a:gridCol w="1307955">
                   <a:extLst>
                     <a:ext uri="{9D8B030D-6E8A-4147-A177-3AD203B41FA5}">
                       <a16:colId xmlns:a16="http://schemas.microsoft.com/office/drawing/2014/main" val="3516229848"/>
                     </a:ext>
                   </a:extLst>
                 </a:gridCol>
-                <a:gridCol w="1307954">
+                <a:gridCol w="1307955">
                   <a:extLst>
                     <a:ext uri="{9D8B030D-6E8A-4147-A177-3AD203B41FA5}">
                       <a16:colId xmlns:a16="http://schemas.microsoft.com/office/drawing/2014/main" val="319232371"/>
                     </a:ext>
                   </a:extLst>
                 </a:gridCol>
-                <a:gridCol w="1307954">
+                <a:gridCol w="1307955">
                   <a:extLst>
                     <a:ext uri="{9D8B030D-6E8A-4147-A177-3AD203B41FA5}">
                       <a16:colId xmlns:a16="http://schemas.microsoft.com/office/drawing/2014/main" val="304170833"/>
                     </a:ext>
                   </a:extLst>
                 </a:gridCol>
-                <a:gridCol w="1307954">
+                <a:gridCol w="1307955">
                   <a:extLst>
                     <a:ext uri="{9D8B030D-6E8A-4147-A177-3AD203B41FA5}">
                       <a16:colId xmlns:a16="http://schemas.microsoft.com/office/drawing/2014/main" val="239405122"/>
@@ -17071,7 +17079,7 @@
                     </a:ext>
                   </a:extLst>
                 </a:gridCol>
-                <a:gridCol w="1103586">
+                <a:gridCol w="1103587">
                   <a:extLst>
                     <a:ext uri="{9D8B030D-6E8A-4147-A177-3AD203B41FA5}">
                       <a16:colId xmlns:a16="http://schemas.microsoft.com/office/drawing/2014/main" val="15122166"/>
@@ -17086,7 +17094,7 @@
                   </a:extLst>
                 </a:gridCol>
               </a:tblGrid>
-              <a:tr h="490506">
+              <a:tr h="490507">
                 <a:tc>
                   <a:txBody>
                     <a:bodyPr/>
@@ -17094,7 +17102,7 @@
                     <a:p>
                       <a:pPr algn="ctr"/>
                       <a:r>
-                        <a:rPr lang="en-US" b="0" dirty="0">
+                        <a:rPr lang="en-US" sz="1300" b="0" dirty="0">
                           <a:solidFill>
                             <a:schemeClr val="tx1"/>
                           </a:solidFill>
@@ -17150,7 +17158,7 @@
                     <a:p>
                       <a:pPr algn="ctr"/>
                       <a:r>
-                        <a:rPr lang="en-US" b="0" dirty="0">
+                        <a:rPr lang="en-US" sz="1300" b="0" dirty="0">
                           <a:solidFill>
                             <a:schemeClr val="tx1"/>
                           </a:solidFill>
@@ -17206,7 +17214,7 @@
                     <a:p>
                       <a:pPr algn="ctr"/>
                       <a:r>
-                        <a:rPr lang="en-US" b="0" dirty="0">
+                        <a:rPr lang="en-US" sz="1300" b="0" dirty="0">
                           <a:solidFill>
                             <a:schemeClr val="tx1"/>
                           </a:solidFill>
@@ -17262,7 +17270,7 @@
                     <a:p>
                       <a:pPr algn="ctr"/>
                       <a:r>
-                        <a:rPr lang="en-US" b="0" dirty="0">
+                        <a:rPr lang="en-US" sz="1300" b="0" dirty="0">
                           <a:solidFill>
                             <a:schemeClr val="tx1"/>
                           </a:solidFill>
@@ -17318,7 +17326,7 @@
                     <a:p>
                       <a:pPr algn="ctr"/>
                       <a:r>
-                        <a:rPr lang="en-US" b="0" dirty="0">
+                        <a:rPr lang="en-US" sz="1300" b="0" dirty="0">
                           <a:solidFill>
                             <a:schemeClr val="tx1"/>
                           </a:solidFill>
@@ -17374,7 +17382,7 @@
                     <a:p>
                       <a:pPr algn="ctr"/>
                       <a:r>
-                        <a:rPr lang="en-US" b="0" dirty="0">
+                        <a:rPr lang="en-US" sz="1300" b="0" dirty="0">
                           <a:solidFill>
                             <a:schemeClr val="tx1"/>
                           </a:solidFill>
@@ -17430,7 +17438,7 @@
                     <a:p>
                       <a:pPr algn="ctr"/>
                       <a:r>
-                        <a:rPr lang="en-US" b="0" dirty="0">
+                        <a:rPr lang="en-US" sz="1300" b="0" dirty="0">
                           <a:solidFill>
                             <a:schemeClr val="tx1"/>
                           </a:solidFill>
@@ -17486,7 +17494,7 @@
                     <a:p>
                       <a:pPr algn="ctr"/>
                       <a:r>
-                        <a:rPr lang="en-US" b="0" dirty="0">
+                        <a:rPr lang="en-US" sz="1300" b="0" dirty="0">
                           <a:solidFill>
                             <a:schemeClr val="tx1"/>
                           </a:solidFill>
@@ -17542,7 +17550,7 @@
                     <a:p>
                       <a:pPr algn="ctr"/>
                       <a:r>
-                        <a:rPr lang="en-US" b="0" dirty="0">
+                        <a:rPr lang="en-US" sz="1300" b="0" dirty="0">
                           <a:solidFill>
                             <a:schemeClr val="tx1"/>
                           </a:solidFill>
@@ -17616,7 +17624,7 @@
         <p:spPr>
           <a:xfrm>
             <a:off x="777766" y="1878512"/>
-            <a:ext cx="1839310" cy="369332"/>
+            <a:ext cx="1839311" cy="369332"/>
           </a:xfrm>
           <a:prstGeom prst="rect">
             <a:avLst/>
@@ -17684,8 +17692,8 @@
           </p:nvPr>
         </p:nvGraphicFramePr>
         <p:xfrm>
-          <a:off x="1296714" y="2436918"/>
-          <a:ext cx="9598571" cy="741680"/>
+          <a:off x="1296715" y="2436919"/>
+          <a:ext cx="9598575" cy="741680"/>
         </p:xfrm>
         <a:graphic>
           <a:graphicData uri="http://schemas.openxmlformats.org/drawingml/2006/table">
@@ -17694,21 +17702,21 @@
                 <a:tableStyleId>{5C22544A-7EE6-4342-B048-85BDC9FD1C3A}</a:tableStyleId>
               </a:tblPr>
               <a:tblGrid>
-                <a:gridCol w="1314450">
+                <a:gridCol w="1314451">
                   <a:extLst>
                     <a:ext uri="{9D8B030D-6E8A-4147-A177-3AD203B41FA5}">
                       <a16:colId xmlns:a16="http://schemas.microsoft.com/office/drawing/2014/main" val="1820683565"/>
                     </a:ext>
                   </a:extLst>
                 </a:gridCol>
-                <a:gridCol w="1314450">
+                <a:gridCol w="1314451">
                   <a:extLst>
                     <a:ext uri="{9D8B030D-6E8A-4147-A177-3AD203B41FA5}">
                       <a16:colId xmlns:a16="http://schemas.microsoft.com/office/drawing/2014/main" val="3681966404"/>
                     </a:ext>
                   </a:extLst>
                 </a:gridCol>
-                <a:gridCol w="1314450">
+                <a:gridCol w="1314451">
                   <a:extLst>
                     <a:ext uri="{9D8B030D-6E8A-4147-A177-3AD203B41FA5}">
                       <a16:colId xmlns:a16="http://schemas.microsoft.com/office/drawing/2014/main" val="2982967346"/>
@@ -17722,7 +17730,7 @@
                     </a:ext>
                   </a:extLst>
                 </a:gridCol>
-                <a:gridCol w="984030">
+                <a:gridCol w="984031">
                   <a:extLst>
                     <a:ext uri="{9D8B030D-6E8A-4147-A177-3AD203B41FA5}">
                       <a16:colId xmlns:a16="http://schemas.microsoft.com/office/drawing/2014/main" val="233406774"/>
@@ -17759,7 +17767,7 @@
                     <a:p>
                       <a:pPr algn="ctr"/>
                       <a:r>
-                        <a:rPr lang="en-US" b="0" dirty="0">
+                        <a:rPr lang="en-US" sz="1300" b="0" dirty="0">
                           <a:solidFill>
                             <a:schemeClr val="tx1"/>
                           </a:solidFill>
@@ -17825,7 +17833,7 @@
                     <a:p>
                       <a:pPr algn="ctr"/>
                       <a:r>
-                        <a:rPr lang="en-US" b="0" dirty="0">
+                        <a:rPr lang="en-US" sz="1300" b="0" dirty="0">
                           <a:solidFill>
                             <a:schemeClr val="tx1"/>
                           </a:solidFill>
@@ -17891,7 +17899,7 @@
                     <a:p>
                       <a:pPr algn="ctr"/>
                       <a:r>
-                        <a:rPr lang="en-US" b="0" dirty="0">
+                        <a:rPr lang="en-US" sz="1300" b="0" dirty="0">
                           <a:solidFill>
                             <a:schemeClr val="tx1"/>
                           </a:solidFill>
@@ -17957,7 +17965,7 @@
                     <a:p>
                       <a:pPr algn="ctr"/>
                       <a:r>
-                        <a:rPr lang="en-US" b="0" dirty="0">
+                        <a:rPr lang="en-US" sz="1300" b="0" dirty="0">
                           <a:solidFill>
                             <a:schemeClr val="tx1"/>
                           </a:solidFill>
@@ -18023,7 +18031,7 @@
                     <a:p>
                       <a:pPr algn="ctr"/>
                       <a:r>
-                        <a:rPr lang="en-US" b="0" dirty="0">
+                        <a:rPr lang="en-US" sz="1300" b="0" dirty="0">
                           <a:solidFill>
                             <a:schemeClr val="tx1"/>
                           </a:solidFill>
@@ -18089,7 +18097,7 @@
                     <a:p>
                       <a:pPr algn="ctr"/>
                       <a:r>
-                        <a:rPr lang="en-US" b="0" dirty="0">
+                        <a:rPr lang="en-US" sz="1300" b="0" dirty="0">
                           <a:solidFill>
                             <a:schemeClr val="tx1"/>
                           </a:solidFill>
@@ -18155,7 +18163,7 @@
                     <a:p>
                       <a:pPr algn="ctr"/>
                       <a:r>
-                        <a:rPr lang="en-US" b="0" dirty="0">
+                        <a:rPr lang="en-US" sz="1300" b="0" dirty="0">
                           <a:solidFill>
                             <a:schemeClr val="tx1"/>
                           </a:solidFill>
@@ -18221,7 +18229,7 @@
                     <a:p>
                       <a:pPr algn="ctr"/>
                       <a:r>
-                        <a:rPr lang="en-US" b="0" dirty="0">
+                        <a:rPr lang="en-US" sz="1300" b="0" dirty="0">
                           <a:solidFill>
                             <a:schemeClr val="tx1"/>
                           </a:solidFill>
@@ -18292,7 +18300,7 @@
                     <a:bodyPr/>
                     <a:lstStyle/>
                     <a:p>
-                      <a:endParaRPr lang="en-US" b="0" dirty="0">
+                      <a:endParaRPr lang="en-US" sz="1300" b="0" dirty="0">
                         <a:solidFill>
                           <a:schemeClr val="tx1"/>
                         </a:solidFill>
@@ -18350,7 +18358,7 @@
                     <a:bodyPr/>
                     <a:lstStyle/>
                     <a:p>
-                      <a:endParaRPr lang="en-US" b="0" dirty="0">
+                      <a:endParaRPr lang="en-US" sz="1300" b="0" dirty="0">
                         <a:solidFill>
                           <a:schemeClr val="tx1"/>
                         </a:solidFill>
@@ -18408,7 +18416,7 @@
                     <a:bodyPr/>
                     <a:lstStyle/>
                     <a:p>
-                      <a:endParaRPr lang="en-US" b="0" dirty="0">
+                      <a:endParaRPr lang="en-US" sz="1300" b="0" dirty="0">
                         <a:solidFill>
                           <a:schemeClr val="tx1"/>
                         </a:solidFill>
@@ -18466,7 +18474,7 @@
                     <a:bodyPr/>
                     <a:lstStyle/>
                     <a:p>
-                      <a:endParaRPr lang="en-US" b="0" dirty="0">
+                      <a:endParaRPr lang="en-US" sz="1300" b="0" dirty="0">
                         <a:solidFill>
                           <a:schemeClr val="tx1"/>
                         </a:solidFill>
@@ -18524,7 +18532,7 @@
                     <a:bodyPr/>
                     <a:lstStyle/>
                     <a:p>
-                      <a:endParaRPr lang="en-US" b="0" dirty="0">
+                      <a:endParaRPr lang="en-US" sz="1300" b="0" dirty="0">
                         <a:solidFill>
                           <a:schemeClr val="tx1"/>
                         </a:solidFill>
@@ -18582,7 +18590,7 @@
                     <a:bodyPr/>
                     <a:lstStyle/>
                     <a:p>
-                      <a:endParaRPr lang="en-US" b="0" dirty="0">
+                      <a:endParaRPr lang="en-US" sz="1300" b="0" dirty="0">
                         <a:solidFill>
                           <a:schemeClr val="tx1"/>
                         </a:solidFill>
@@ -18640,7 +18648,7 @@
                     <a:bodyPr/>
                     <a:lstStyle/>
                     <a:p>
-                      <a:endParaRPr lang="en-US" b="0" dirty="0">
+                      <a:endParaRPr lang="en-US" sz="1300" b="0" dirty="0">
                         <a:solidFill>
                           <a:schemeClr val="tx1"/>
                         </a:solidFill>
@@ -18698,7 +18706,7 @@
                     <a:bodyPr/>
                     <a:lstStyle/>
                     <a:p>
-                      <a:endParaRPr lang="en-US" b="0" dirty="0">
+                      <a:endParaRPr lang="en-US" sz="1300" b="0" dirty="0">
                         <a:solidFill>
                           <a:schemeClr val="tx1"/>
                         </a:solidFill>
@@ -18776,8 +18784,8 @@
           <p:nvPr/>
         </p:nvGraphicFramePr>
         <p:xfrm>
-          <a:off x="668721" y="3187415"/>
-          <a:ext cx="10421005" cy="490506"/>
+          <a:off x="668722" y="3187415"/>
+          <a:ext cx="10421010" cy="490507"/>
         </p:xfrm>
         <a:graphic>
           <a:graphicData uri="http://schemas.openxmlformats.org/drawingml/2006/table">
@@ -18786,28 +18794,28 @@
                 <a:tableStyleId>{5C22544A-7EE6-4342-B048-85BDC9FD1C3A}</a:tableStyleId>
               </a:tblPr>
               <a:tblGrid>
-                <a:gridCol w="1307954">
+                <a:gridCol w="1307955">
                   <a:extLst>
                     <a:ext uri="{9D8B030D-6E8A-4147-A177-3AD203B41FA5}">
                       <a16:colId xmlns:a16="http://schemas.microsoft.com/office/drawing/2014/main" val="3516229848"/>
                     </a:ext>
                   </a:extLst>
                 </a:gridCol>
-                <a:gridCol w="1307954">
+                <a:gridCol w="1307955">
                   <a:extLst>
                     <a:ext uri="{9D8B030D-6E8A-4147-A177-3AD203B41FA5}">
                       <a16:colId xmlns:a16="http://schemas.microsoft.com/office/drawing/2014/main" val="319232371"/>
                     </a:ext>
                   </a:extLst>
                 </a:gridCol>
-                <a:gridCol w="1307954">
+                <a:gridCol w="1307955">
                   <a:extLst>
                     <a:ext uri="{9D8B030D-6E8A-4147-A177-3AD203B41FA5}">
                       <a16:colId xmlns:a16="http://schemas.microsoft.com/office/drawing/2014/main" val="304170833"/>
                     </a:ext>
                   </a:extLst>
                 </a:gridCol>
-                <a:gridCol w="1307954">
+                <a:gridCol w="1307955">
                   <a:extLst>
                     <a:ext uri="{9D8B030D-6E8A-4147-A177-3AD203B41FA5}">
                       <a16:colId xmlns:a16="http://schemas.microsoft.com/office/drawing/2014/main" val="239405122"/>
@@ -18835,7 +18843,7 @@
                     </a:ext>
                   </a:extLst>
                 </a:gridCol>
-                <a:gridCol w="1103586">
+                <a:gridCol w="1103587">
                   <a:extLst>
                     <a:ext uri="{9D8B030D-6E8A-4147-A177-3AD203B41FA5}">
                       <a16:colId xmlns:a16="http://schemas.microsoft.com/office/drawing/2014/main" val="15122166"/>
@@ -18850,7 +18858,7 @@
                   </a:extLst>
                 </a:gridCol>
               </a:tblGrid>
-              <a:tr h="490506">
+              <a:tr h="490507">
                 <a:tc>
                   <a:txBody>
                     <a:bodyPr/>
@@ -18858,7 +18866,7 @@
                     <a:p>
                       <a:pPr algn="ctr"/>
                       <a:r>
-                        <a:rPr lang="en-US" b="0" dirty="0">
+                        <a:rPr lang="en-US" sz="1300" b="0" dirty="0">
                           <a:solidFill>
                             <a:schemeClr val="tx1"/>
                           </a:solidFill>
@@ -18914,7 +18922,7 @@
                     <a:p>
                       <a:pPr algn="ctr"/>
                       <a:r>
-                        <a:rPr lang="en-US" b="0" dirty="0">
+                        <a:rPr lang="en-US" sz="1300" b="0" dirty="0">
                           <a:solidFill>
                             <a:schemeClr val="tx1"/>
                           </a:solidFill>
@@ -18970,7 +18978,7 @@
                     <a:p>
                       <a:pPr algn="ctr"/>
                       <a:r>
-                        <a:rPr lang="en-US" b="0" dirty="0">
+                        <a:rPr lang="en-US" sz="1300" b="0" dirty="0">
                           <a:solidFill>
                             <a:schemeClr val="tx1"/>
                           </a:solidFill>
@@ -19026,7 +19034,7 @@
                     <a:p>
                       <a:pPr algn="ctr"/>
                       <a:r>
-                        <a:rPr lang="en-US" b="0" dirty="0">
+                        <a:rPr lang="en-US" sz="1300" b="0" dirty="0">
                           <a:solidFill>
                             <a:schemeClr val="tx1"/>
                           </a:solidFill>
@@ -19082,7 +19090,7 @@
                     <a:p>
                       <a:pPr algn="ctr"/>
                       <a:r>
-                        <a:rPr lang="en-US" b="0" dirty="0">
+                        <a:rPr lang="en-US" sz="1300" b="0" dirty="0">
                           <a:solidFill>
                             <a:schemeClr val="tx1"/>
                           </a:solidFill>
@@ -19138,7 +19146,7 @@
                     <a:p>
                       <a:pPr algn="ctr"/>
                       <a:r>
-                        <a:rPr lang="en-US" b="0" dirty="0">
+                        <a:rPr lang="en-US" sz="1300" b="0" dirty="0">
                           <a:solidFill>
                             <a:schemeClr val="tx1"/>
                           </a:solidFill>
@@ -19194,7 +19202,7 @@
                     <a:p>
                       <a:pPr algn="ctr"/>
                       <a:r>
-                        <a:rPr lang="en-US" b="0" dirty="0">
+                        <a:rPr lang="en-US" sz="1300" b="0" dirty="0">
                           <a:solidFill>
                             <a:schemeClr val="tx1"/>
                           </a:solidFill>
@@ -19250,7 +19258,7 @@
                     <a:p>
                       <a:pPr algn="ctr"/>
                       <a:r>
-                        <a:rPr lang="en-US" b="0" dirty="0">
+                        <a:rPr lang="en-US" sz="1300" b="0" dirty="0">
                           <a:solidFill>
                             <a:schemeClr val="tx1"/>
                           </a:solidFill>
@@ -19306,7 +19314,7 @@
                     <a:p>
                       <a:pPr algn="ctr"/>
                       <a:r>
-                        <a:rPr lang="en-US" b="0" dirty="0">
+                        <a:rPr lang="en-US" sz="1300" b="0" dirty="0">
                           <a:solidFill>
                             <a:schemeClr val="tx1"/>
                           </a:solidFill>
@@ -19380,7 +19388,7 @@
         <p:spPr>
           <a:xfrm>
             <a:off x="777766" y="1878512"/>
-            <a:ext cx="1839310" cy="369332"/>
+            <a:ext cx="1839311" cy="369332"/>
           </a:xfrm>
           <a:prstGeom prst="rect">
             <a:avLst/>
@@ -19491,7 +19499,7 @@
                     <a:lstStyle/>
                     <a:p>
                       <a:r>
-                        <a:rPr lang="en-US" altLang="zh-CN" dirty="0">
+                        <a:rPr lang="en-US" altLang="zh-CN" sz="1300" dirty="0">
                           <a:solidFill>
                             <a:schemeClr val="tx1"/>
                           </a:solidFill>
@@ -19499,7 +19507,7 @@
                         <a:t>m</a:t>
                       </a:r>
                       <a:r>
-                        <a:rPr lang="en-US" dirty="0">
+                        <a:rPr lang="en-US" sz="1300" dirty="0">
                           <a:solidFill>
                             <a:schemeClr val="tx1"/>
                           </a:solidFill>
@@ -19548,14 +19556,14 @@
                     <a:lstStyle/>
                     <a:p>
                       <a:r>
-                        <a:rPr lang="en-US" altLang="zh-CN" dirty="0">
+                        <a:rPr lang="en-US" altLang="zh-CN" sz="1300" dirty="0">
                           <a:solidFill>
                             <a:schemeClr val="tx1"/>
                           </a:solidFill>
                         </a:rPr>
                         <a:t>Thread1</a:t>
                       </a:r>
-                      <a:endParaRPr lang="en-US" dirty="0">
+                      <a:endParaRPr lang="en-US" sz="1300" dirty="0">
                         <a:solidFill>
                           <a:schemeClr val="tx1"/>
                         </a:solidFill>
@@ -19602,14 +19610,14 @@
                     <a:lstStyle/>
                     <a:p>
                       <a:r>
-                        <a:rPr lang="en-US" altLang="zh-CN" dirty="0">
+                        <a:rPr lang="en-US" altLang="zh-CN" sz="1300" dirty="0">
                           <a:solidFill>
                             <a:schemeClr val="tx1"/>
                           </a:solidFill>
                         </a:rPr>
                         <a:t>Thread2</a:t>
                       </a:r>
-                      <a:endParaRPr lang="en-US" dirty="0">
+                      <a:endParaRPr lang="en-US" sz="1300" dirty="0">
                         <a:solidFill>
                           <a:schemeClr val="tx1"/>
                         </a:solidFill>
@@ -19663,7 +19671,7 @@
                     <a:lstStyle/>
                     <a:p>
                       <a:r>
-                        <a:rPr lang="en-US" altLang="zh-CN" dirty="0">
+                        <a:rPr lang="en-US" altLang="zh-CN" sz="1300" dirty="0">
                           <a:solidFill>
                             <a:schemeClr val="tx1"/>
                           </a:solidFill>
@@ -19671,7 +19679,7 @@
                         <a:t>starts</a:t>
                       </a:r>
                       <a:r>
-                        <a:rPr lang="zh-CN" altLang="en-US" dirty="0">
+                        <a:rPr lang="zh-CN" altLang="en-US" sz="1300" dirty="0">
                           <a:solidFill>
                             <a:schemeClr val="tx1"/>
                           </a:solidFill>
@@ -19679,14 +19687,14 @@
                         <a:t> </a:t>
                       </a:r>
                       <a:r>
-                        <a:rPr lang="en-US" altLang="zh-CN" dirty="0">
+                        <a:rPr lang="en-US" altLang="zh-CN" sz="1300" dirty="0">
                           <a:solidFill>
                             <a:schemeClr val="tx1"/>
                           </a:solidFill>
                         </a:rPr>
                         <a:t>running</a:t>
                       </a:r>
-                      <a:endParaRPr lang="en-US" dirty="0">
+                      <a:endParaRPr lang="en-US" sz="1300" dirty="0">
                         <a:solidFill>
                           <a:schemeClr val="tx1"/>
                         </a:solidFill>
@@ -19732,7 +19740,7 @@
                     <a:bodyPr/>
                     <a:lstStyle/>
                     <a:p>
-                      <a:endParaRPr lang="en-US" dirty="0">
+                      <a:endParaRPr lang="en-US" sz="1300" dirty="0">
                         <a:solidFill>
                           <a:schemeClr val="tx1"/>
                         </a:solidFill>
@@ -19778,7 +19786,7 @@
                     <a:bodyPr/>
                     <a:lstStyle/>
                     <a:p>
-                      <a:endParaRPr lang="en-US" dirty="0">
+                      <a:endParaRPr lang="en-US" sz="1300" dirty="0">
                         <a:solidFill>
                           <a:schemeClr val="tx1"/>
                         </a:solidFill>
@@ -19849,7 +19857,7 @@
                         <a:defRPr/>
                       </a:pPr>
                       <a:r>
-                        <a:rPr lang="en-US" altLang="zh-CN" b="0" dirty="0">
+                        <a:rPr lang="en-US" altLang="zh-CN" sz="1300" b="0" dirty="0">
                           <a:solidFill>
                             <a:schemeClr val="tx1"/>
                           </a:solidFill>
@@ -19857,7 +19865,7 @@
                         <a:t>//</a:t>
                       </a:r>
                       <a:r>
-                        <a:rPr lang="zh-CN" altLang="en-US" b="0" dirty="0">
+                        <a:rPr lang="zh-CN" altLang="en-US" sz="1300" b="0" dirty="0">
                           <a:solidFill>
                             <a:schemeClr val="tx1"/>
                           </a:solidFill>
@@ -19865,7 +19873,7 @@
                         <a:t> </a:t>
                       </a:r>
                       <a:r>
-                        <a:rPr lang="en-US" altLang="zh-CN" b="0" dirty="0">
+                        <a:rPr lang="en-US" altLang="zh-CN" sz="1300" b="0" dirty="0">
                           <a:solidFill>
                             <a:schemeClr val="tx1"/>
                           </a:solidFill>
@@ -19873,7 +19881,7 @@
                         <a:t>some</a:t>
                       </a:r>
                       <a:r>
-                        <a:rPr lang="zh-CN" altLang="en-US" b="0" dirty="0">
+                        <a:rPr lang="zh-CN" altLang="en-US" sz="1300" b="0" dirty="0">
                           <a:solidFill>
                             <a:schemeClr val="tx1"/>
                           </a:solidFill>
@@ -19881,7 +19889,7 @@
                         <a:t> </a:t>
                       </a:r>
                       <a:r>
-                        <a:rPr lang="en-US" altLang="zh-CN" b="0" dirty="0">
+                        <a:rPr lang="en-US" altLang="zh-CN" sz="1300" b="0" dirty="0">
                           <a:solidFill>
                             <a:schemeClr val="tx1"/>
                           </a:solidFill>
@@ -19889,7 +19897,7 @@
                         <a:t>statement</a:t>
                       </a:r>
                       <a:r>
-                        <a:rPr lang="zh-CN" altLang="en-US" b="0" dirty="0">
+                        <a:rPr lang="zh-CN" altLang="en-US" sz="1300" b="0" dirty="0">
                           <a:solidFill>
                             <a:schemeClr val="tx1"/>
                           </a:solidFill>
@@ -19897,14 +19905,14 @@
                         <a:t> </a:t>
                       </a:r>
                       <a:r>
-                        <a:rPr lang="en-US" altLang="zh-CN" b="0" dirty="0">
+                        <a:rPr lang="en-US" altLang="zh-CN" sz="1300" b="0" dirty="0">
                           <a:solidFill>
                             <a:schemeClr val="tx1"/>
                           </a:solidFill>
                         </a:rPr>
                         <a:t>1</a:t>
                       </a:r>
-                      <a:endParaRPr lang="en-US" b="0" dirty="0">
+                      <a:endParaRPr lang="en-US" sz="1300" b="0" dirty="0">
                         <a:solidFill>
                           <a:schemeClr val="tx1"/>
                         </a:solidFill>
@@ -19948,7 +19956,7 @@
                     <a:bodyPr/>
                     <a:lstStyle/>
                     <a:p>
-                      <a:endParaRPr lang="en-US" dirty="0">
+                      <a:endParaRPr lang="en-US" sz="1300" dirty="0">
                         <a:solidFill>
                           <a:schemeClr val="tx1"/>
                         </a:solidFill>
@@ -19992,7 +20000,7 @@
                     <a:bodyPr/>
                     <a:lstStyle/>
                     <a:p>
-                      <a:endParaRPr lang="en-US">
+                      <a:endParaRPr lang="en-US" sz="1300">
                         <a:solidFill>
                           <a:schemeClr val="tx1"/>
                         </a:solidFill>
@@ -20061,7 +20069,7 @@
                         <a:defRPr/>
                       </a:pPr>
                       <a:r>
-                        <a:rPr lang="en-US" altLang="zh-CN" b="0" dirty="0">
+                        <a:rPr lang="en-US" altLang="zh-CN" sz="1300" b="0" dirty="0">
                           <a:solidFill>
                             <a:schemeClr val="tx1"/>
                           </a:solidFill>
@@ -20069,7 +20077,7 @@
                         <a:t>creates</a:t>
                       </a:r>
                       <a:r>
-                        <a:rPr lang="zh-CN" altLang="en-US" b="0" dirty="0">
+                        <a:rPr lang="zh-CN" altLang="en-US" sz="1300" b="0" dirty="0">
                           <a:solidFill>
                             <a:schemeClr val="tx1"/>
                           </a:solidFill>
@@ -20077,7 +20085,7 @@
                         <a:t> </a:t>
                       </a:r>
                       <a:r>
-                        <a:rPr lang="en-US" altLang="zh-CN" b="0" dirty="0">
+                        <a:rPr lang="en-US" altLang="zh-CN" sz="1300" b="0" dirty="0">
                           <a:solidFill>
                             <a:schemeClr val="tx1"/>
                           </a:solidFill>
@@ -20085,7 +20093,7 @@
                         <a:t>Thread</a:t>
                       </a:r>
                       <a:r>
-                        <a:rPr lang="zh-CN" altLang="en-US" b="0" dirty="0">
+                        <a:rPr lang="zh-CN" altLang="en-US" sz="1300" b="0" dirty="0">
                           <a:solidFill>
                             <a:schemeClr val="tx1"/>
                           </a:solidFill>
@@ -20093,14 +20101,14 @@
                         <a:t> </a:t>
                       </a:r>
                       <a:r>
-                        <a:rPr lang="en-US" altLang="zh-CN" b="0" dirty="0">
+                        <a:rPr lang="en-US" altLang="zh-CN" sz="1300" b="0" dirty="0">
                           <a:solidFill>
                             <a:schemeClr val="tx1"/>
                           </a:solidFill>
                         </a:rPr>
                         <a:t>1</a:t>
                       </a:r>
-                      <a:endParaRPr lang="en-US" b="0" dirty="0">
+                      <a:endParaRPr lang="en-US" sz="1300" b="0" dirty="0">
                         <a:solidFill>
                           <a:schemeClr val="tx1"/>
                         </a:solidFill>
@@ -20144,7 +20152,7 @@
                     <a:bodyPr/>
                     <a:lstStyle/>
                     <a:p>
-                      <a:endParaRPr lang="en-US" dirty="0">
+                      <a:endParaRPr lang="en-US" sz="1300" dirty="0">
                         <a:solidFill>
                           <a:schemeClr val="tx1"/>
                         </a:solidFill>
@@ -20188,7 +20196,7 @@
                     <a:bodyPr/>
                     <a:lstStyle/>
                     <a:p>
-                      <a:endParaRPr lang="en-US" dirty="0">
+                      <a:endParaRPr lang="en-US" sz="1300" dirty="0">
                         <a:solidFill>
                           <a:schemeClr val="tx1"/>
                         </a:solidFill>
@@ -20257,7 +20265,7 @@
                         <a:defRPr/>
                       </a:pPr>
                       <a:r>
-                        <a:rPr lang="en-US" altLang="zh-CN" b="0" dirty="0">
+                        <a:rPr lang="en-US" altLang="zh-CN" sz="1300" b="0" dirty="0">
                           <a:solidFill>
                             <a:schemeClr val="tx1"/>
                           </a:solidFill>
@@ -20265,7 +20273,7 @@
                         <a:t>creates</a:t>
                       </a:r>
                       <a:r>
-                        <a:rPr lang="zh-CN" altLang="en-US" b="0" dirty="0">
+                        <a:rPr lang="zh-CN" altLang="en-US" sz="1300" b="0" dirty="0">
                           <a:solidFill>
                             <a:schemeClr val="tx1"/>
                           </a:solidFill>
@@ -20273,7 +20281,7 @@
                         <a:t> </a:t>
                       </a:r>
                       <a:r>
-                        <a:rPr lang="en-US" altLang="zh-CN" b="0" dirty="0">
+                        <a:rPr lang="en-US" altLang="zh-CN" sz="1300" b="0" dirty="0">
                           <a:solidFill>
                             <a:schemeClr val="tx1"/>
                           </a:solidFill>
@@ -20281,7 +20289,7 @@
                         <a:t>Thread</a:t>
                       </a:r>
                       <a:r>
-                        <a:rPr lang="zh-CN" altLang="en-US" b="0" dirty="0">
+                        <a:rPr lang="zh-CN" altLang="en-US" sz="1300" b="0" dirty="0">
                           <a:solidFill>
                             <a:schemeClr val="tx1"/>
                           </a:solidFill>
@@ -20289,14 +20297,14 @@
                         <a:t> </a:t>
                       </a:r>
                       <a:r>
-                        <a:rPr lang="en-US" altLang="zh-CN" b="0" dirty="0">
+                        <a:rPr lang="en-US" altLang="zh-CN" sz="1300" b="0" dirty="0">
                           <a:solidFill>
                             <a:schemeClr val="tx1"/>
                           </a:solidFill>
                         </a:rPr>
                         <a:t>2</a:t>
                       </a:r>
-                      <a:endParaRPr lang="en-US" b="0" dirty="0">
+                      <a:endParaRPr lang="en-US" sz="1300" b="0" dirty="0">
                         <a:solidFill>
                           <a:schemeClr val="tx1"/>
                         </a:solidFill>
@@ -20340,7 +20348,7 @@
                     <a:bodyPr/>
                     <a:lstStyle/>
                     <a:p>
-                      <a:endParaRPr lang="en-US" dirty="0">
+                      <a:endParaRPr lang="en-US" sz="1300" dirty="0">
                         <a:solidFill>
                           <a:schemeClr val="tx1"/>
                         </a:solidFill>
@@ -20384,7 +20392,7 @@
                     <a:bodyPr/>
                     <a:lstStyle/>
                     <a:p>
-                      <a:endParaRPr lang="en-US" dirty="0">
+                      <a:endParaRPr lang="en-US" sz="1300" dirty="0">
                         <a:solidFill>
                           <a:schemeClr val="tx1"/>
                         </a:solidFill>
@@ -20435,7 +20443,7 @@
                     <a:bodyPr/>
                     <a:lstStyle/>
                     <a:p>
-                      <a:endParaRPr lang="en-US">
+                      <a:endParaRPr lang="en-US" sz="1300">
                         <a:solidFill>
                           <a:schemeClr val="tx1"/>
                         </a:solidFill>
@@ -20480,14 +20488,14 @@
                     <a:lstStyle/>
                     <a:p>
                       <a:r>
-                        <a:rPr lang="en-US" altLang="zh-CN" dirty="0">
+                        <a:rPr lang="en-US" altLang="zh-CN" sz="1300" dirty="0">
                           <a:solidFill>
                             <a:schemeClr val="tx1"/>
                           </a:solidFill>
                         </a:rPr>
                         <a:t>runs</a:t>
                       </a:r>
-                      <a:endParaRPr lang="en-US" dirty="0">
+                      <a:endParaRPr lang="en-US" sz="1300" dirty="0">
                         <a:solidFill>
                           <a:schemeClr val="tx1"/>
                         </a:solidFill>
@@ -20532,14 +20540,14 @@
                     <a:lstStyle/>
                     <a:p>
                       <a:r>
-                        <a:rPr lang="en-US" altLang="zh-CN" dirty="0">
+                        <a:rPr lang="en-US" altLang="zh-CN" sz="1300" dirty="0">
                           <a:solidFill>
                             <a:schemeClr val="tx1"/>
                           </a:solidFill>
                         </a:rPr>
                         <a:t>runs</a:t>
                       </a:r>
-                      <a:endParaRPr lang="en-US" dirty="0">
+                      <a:endParaRPr lang="en-US" sz="1300" dirty="0">
                         <a:solidFill>
                           <a:schemeClr val="tx1"/>
                         </a:solidFill>
@@ -20590,7 +20598,7 @@
                     <a:bodyPr/>
                     <a:lstStyle/>
                     <a:p>
-                      <a:endParaRPr lang="en-US" dirty="0">
+                      <a:endParaRPr lang="en-US" sz="1300" dirty="0">
                         <a:solidFill>
                           <a:schemeClr val="tx1"/>
                         </a:solidFill>
@@ -20635,10 +20643,10 @@
                     <a:lstStyle/>
                     <a:p>
                       <a:r>
-                        <a:rPr lang="en-US" b="0" dirty="0"/>
+                        <a:rPr lang="en-US" sz="1300" b="0" dirty="0"/>
                         <a:t>//dealing with invalid actions</a:t>
                       </a:r>
-                      <a:endParaRPr lang="en-US" dirty="0">
+                      <a:endParaRPr lang="en-US" sz="1300" dirty="0">
                         <a:solidFill>
                           <a:schemeClr val="tx1"/>
                         </a:solidFill>
@@ -20683,7 +20691,7 @@
                     <a:lstStyle/>
                     <a:p>
                       <a:r>
-                        <a:rPr lang="en-US" b="0" dirty="0"/>
+                        <a:rPr lang="en-US" sz="1300" b="0" dirty="0"/>
                         <a:t>//call the callback with request and caller data</a:t>
                       </a:r>
                     </a:p>
@@ -20732,7 +20740,7 @@
                     <a:bodyPr/>
                     <a:lstStyle/>
                     <a:p>
-                      <a:endParaRPr lang="en-US">
+                      <a:endParaRPr lang="en-US" sz="1300">
                         <a:solidFill>
                           <a:schemeClr val="tx1"/>
                         </a:solidFill>
@@ -20777,14 +20785,14 @@
                     <a:lstStyle/>
                     <a:p>
                       <a:r>
-                        <a:rPr lang="en-US" altLang="zh-CN" dirty="0">
+                        <a:rPr lang="en-US" altLang="zh-CN" sz="1300" dirty="0">
                           <a:solidFill>
                             <a:schemeClr val="tx1"/>
                           </a:solidFill>
                         </a:rPr>
                         <a:t>returns</a:t>
                       </a:r>
-                      <a:endParaRPr lang="en-US" dirty="0">
+                      <a:endParaRPr lang="en-US" sz="1300" dirty="0">
                         <a:solidFill>
                           <a:schemeClr val="tx1"/>
                         </a:solidFill>
@@ -20829,27 +20837,27 @@
                     <a:lstStyle/>
                     <a:p>
                       <a:r>
-                        <a:rPr lang="zh-CN" altLang="en-US" b="0" dirty="0"/>
+                        <a:rPr lang="zh-CN" altLang="en-US" sz="1300" b="0" dirty="0"/>
                         <a:t> </a:t>
                       </a:r>
                       <a:r>
-                        <a:rPr lang="en-US" b="0" dirty="0"/>
+                        <a:rPr lang="en-US" sz="1300" b="0" dirty="0"/>
                         <a:t>var index = </a:t>
                       </a:r>
                       <a:r>
-                        <a:rPr lang="en-US" b="0" dirty="0" err="1"/>
+                        <a:rPr lang="en-US" sz="1300" b="0" dirty="0" err="1"/>
                         <a:t>actionList.indexOf</a:t>
                       </a:r>
                       <a:r>
-                        <a:rPr lang="en-US" b="0" dirty="0"/>
+                        <a:rPr lang="en-US" sz="1300" b="0" dirty="0"/>
                         <a:t>(</a:t>
                       </a:r>
                       <a:r>
-                        <a:rPr lang="en-US" b="0" dirty="0" err="1"/>
+                        <a:rPr lang="en-US" sz="1300" b="0" dirty="0" err="1"/>
                         <a:t>req.action</a:t>
                       </a:r>
                       <a:r>
-                        <a:rPr lang="en-US" b="0" dirty="0"/>
+                        <a:rPr lang="en-US" sz="1300" b="0" dirty="0"/>
                         <a:t>);</a:t>
                       </a:r>
                     </a:p>
@@ -20898,7 +20906,7 @@
                     <a:bodyPr/>
                     <a:lstStyle/>
                     <a:p>
-                      <a:endParaRPr lang="en-US">
+                      <a:endParaRPr lang="en-US" sz="1300">
                         <a:solidFill>
                           <a:schemeClr val="tx1"/>
                         </a:solidFill>
@@ -20942,7 +20950,7 @@
                     <a:bodyPr/>
                     <a:lstStyle/>
                     <a:p>
-                      <a:endParaRPr lang="en-US" dirty="0">
+                      <a:endParaRPr lang="en-US" sz="1300" dirty="0">
                         <a:solidFill>
                           <a:schemeClr val="tx1"/>
                         </a:solidFill>
@@ -20987,18 +20995,18 @@
                     <a:lstStyle/>
                     <a:p>
                       <a:r>
-                        <a:rPr lang="en-US" b="0" dirty="0"/>
+                        <a:rPr lang="en-US" sz="1300" b="0" dirty="0"/>
                         <a:t>res({'result': window[</a:t>
                       </a:r>
                       <a:r>
-                        <a:rPr lang="en-US" b="0" dirty="0" err="1"/>
+                        <a:rPr lang="en-US" sz="1300" b="0" dirty="0" err="1"/>
                         <a:t>actionList</a:t>
                       </a:r>
                       <a:r>
-                        <a:rPr lang="en-US" b="0" dirty="0"/>
+                        <a:rPr lang="en-US" sz="1300" b="0" dirty="0"/>
                         <a:t>[index]](req)});</a:t>
                       </a:r>
-                      <a:endParaRPr lang="en-US" dirty="0">
+                      <a:endParaRPr lang="en-US" sz="1300" dirty="0">
                         <a:solidFill>
                           <a:schemeClr val="tx1"/>
                         </a:solidFill>
@@ -21049,7 +21057,7 @@
                     <a:bodyPr/>
                     <a:lstStyle/>
                     <a:p>
-                      <a:endParaRPr lang="en-US">
+                      <a:endParaRPr lang="en-US" sz="1300">
                         <a:solidFill>
                           <a:schemeClr val="tx1"/>
                         </a:solidFill>
@@ -21093,7 +21101,7 @@
                     <a:bodyPr/>
                     <a:lstStyle/>
                     <a:p>
-                      <a:endParaRPr lang="en-US">
+                      <a:endParaRPr lang="en-US" sz="1300">
                         <a:solidFill>
                           <a:schemeClr val="tx1"/>
                         </a:solidFill>
@@ -21155,14 +21163,14 @@
                         <a:defRPr/>
                       </a:pPr>
                       <a:r>
-                        <a:rPr lang="en-US" altLang="zh-CN" dirty="0">
+                        <a:rPr lang="en-US" altLang="zh-CN" sz="1300" dirty="0">
                           <a:solidFill>
                             <a:schemeClr val="tx1"/>
                           </a:solidFill>
                         </a:rPr>
                         <a:t>returns</a:t>
                       </a:r>
-                      <a:endParaRPr lang="en-US" dirty="0">
+                      <a:endParaRPr lang="en-US" sz="1300" dirty="0">
                         <a:solidFill>
                           <a:schemeClr val="tx1"/>
                         </a:solidFill>
@@ -21231,7 +21239,7 @@
                         <a:defRPr/>
                       </a:pPr>
                       <a:r>
-                        <a:rPr lang="en-US" altLang="zh-CN" b="0" dirty="0">
+                        <a:rPr lang="en-US" altLang="zh-CN" sz="1300" b="0" dirty="0">
                           <a:solidFill>
                             <a:schemeClr val="tx1"/>
                           </a:solidFill>
@@ -21239,7 +21247,7 @@
                         <a:t>//</a:t>
                       </a:r>
                       <a:r>
-                        <a:rPr lang="zh-CN" altLang="en-US" b="0" dirty="0">
+                        <a:rPr lang="zh-CN" altLang="en-US" sz="1300" b="0" dirty="0">
                           <a:solidFill>
                             <a:schemeClr val="tx1"/>
                           </a:solidFill>
@@ -21247,7 +21255,7 @@
                         <a:t> </a:t>
                       </a:r>
                       <a:r>
-                        <a:rPr lang="en-US" altLang="zh-CN" b="0" dirty="0">
+                        <a:rPr lang="en-US" altLang="zh-CN" sz="1300" b="0" dirty="0">
                           <a:solidFill>
                             <a:schemeClr val="tx1"/>
                           </a:solidFill>
@@ -21255,7 +21263,7 @@
                         <a:t>some</a:t>
                       </a:r>
                       <a:r>
-                        <a:rPr lang="zh-CN" altLang="en-US" b="0" dirty="0">
+                        <a:rPr lang="zh-CN" altLang="en-US" sz="1300" b="0" dirty="0">
                           <a:solidFill>
                             <a:schemeClr val="tx1"/>
                           </a:solidFill>
@@ -21263,7 +21271,7 @@
                         <a:t> </a:t>
                       </a:r>
                       <a:r>
-                        <a:rPr lang="en-US" altLang="zh-CN" b="0" dirty="0">
+                        <a:rPr lang="en-US" altLang="zh-CN" sz="1300" b="0" dirty="0">
                           <a:solidFill>
                             <a:schemeClr val="tx1"/>
                           </a:solidFill>
@@ -21271,7 +21279,7 @@
                         <a:t>statement</a:t>
                       </a:r>
                       <a:r>
-                        <a:rPr lang="zh-CN" altLang="en-US" b="0" dirty="0">
+                        <a:rPr lang="zh-CN" altLang="en-US" sz="1300" b="0" dirty="0">
                           <a:solidFill>
                             <a:schemeClr val="tx1"/>
                           </a:solidFill>
@@ -21279,14 +21287,14 @@
                         <a:t> </a:t>
                       </a:r>
                       <a:r>
-                        <a:rPr lang="en-US" altLang="zh-CN" b="0" dirty="0">
+                        <a:rPr lang="en-US" altLang="zh-CN" sz="1300" b="0" dirty="0">
                           <a:solidFill>
                             <a:schemeClr val="tx1"/>
                           </a:solidFill>
                         </a:rPr>
                         <a:t>2</a:t>
                       </a:r>
-                      <a:endParaRPr lang="en-US" b="0" dirty="0">
+                      <a:endParaRPr lang="en-US" sz="1300" b="0" dirty="0">
                         <a:solidFill>
                           <a:schemeClr val="tx1"/>
                         </a:solidFill>
@@ -21330,7 +21338,7 @@
                     <a:bodyPr/>
                     <a:lstStyle/>
                     <a:p>
-                      <a:endParaRPr lang="en-US">
+                      <a:endParaRPr lang="en-US" sz="1300">
                         <a:solidFill>
                           <a:schemeClr val="tx1"/>
                         </a:solidFill>
@@ -21391,7 +21399,7 @@
                         <a:tabLst/>
                         <a:defRPr/>
                       </a:pPr>
-                      <a:endParaRPr lang="en-US" dirty="0">
+                      <a:endParaRPr lang="en-US" sz="1300" dirty="0">
                         <a:solidFill>
                           <a:schemeClr val="tx1"/>
                         </a:solidFill>
@@ -21486,7 +21494,7 @@
         </p:nvCxnSpPr>
         <p:spPr>
           <a:xfrm>
-            <a:off x="3124862" y="4495687"/>
+            <a:off x="3124863" y="4495687"/>
             <a:ext cx="564292" cy="0"/>
           </a:xfrm>
           <a:prstGeom prst="straightConnector1">
@@ -21574,7 +21582,7 @@
         </p:nvCxnSpPr>
         <p:spPr>
           <a:xfrm flipV="1">
-            <a:off x="6905257" y="4519894"/>
+            <a:off x="6905258" y="4519896"/>
             <a:ext cx="588495" cy="1"/>
           </a:xfrm>
           <a:prstGeom prst="straightConnector1">
@@ -21619,8 +21627,8 @@
         </p:nvCxnSpPr>
         <p:spPr>
           <a:xfrm flipH="1" flipV="1">
-            <a:off x="4816711" y="3270047"/>
-            <a:ext cx="1301171" cy="766390"/>
+            <a:off x="4816712" y="3270047"/>
+            <a:ext cx="1301171" cy="766391"/>
           </a:xfrm>
           <a:prstGeom prst="straightConnector1">
             <a:avLst/>
@@ -21661,7 +21669,7 @@
         </p:nvSpPr>
         <p:spPr>
           <a:xfrm>
-            <a:off x="5095635" y="3323124"/>
+            <a:off x="5095637" y="3323125"/>
             <a:ext cx="1933833" cy="461665"/>
           </a:xfrm>
           <a:prstGeom prst="rect">
@@ -21717,8 +21725,8 @@
         </p:nvSpPr>
         <p:spPr>
           <a:xfrm>
-            <a:off x="5661292" y="1174276"/>
-            <a:ext cx="1408670" cy="276999"/>
+            <a:off x="5661293" y="1174277"/>
+            <a:ext cx="1408671" cy="276999"/>
           </a:xfrm>
           <a:prstGeom prst="rect">
             <a:avLst/>
@@ -21764,7 +21772,7 @@
         </p:nvCxnSpPr>
         <p:spPr>
           <a:xfrm flipV="1">
-            <a:off x="4815982" y="1678422"/>
+            <a:off x="4815984" y="1678423"/>
             <a:ext cx="907449" cy="543443"/>
           </a:xfrm>
           <a:prstGeom prst="straightConnector1">
@@ -21806,7 +21814,7 @@
         </p:nvSpPr>
         <p:spPr>
           <a:xfrm>
-            <a:off x="5377172" y="1763134"/>
+            <a:off x="5377173" y="1763136"/>
             <a:ext cx="564292" cy="276999"/>
           </a:xfrm>
           <a:prstGeom prst="rect">
@@ -21891,7 +21899,7 @@
         </p:nvCxnSpPr>
         <p:spPr>
           <a:xfrm>
-            <a:off x="6814532" y="1678422"/>
+            <a:off x="6814533" y="1678423"/>
             <a:ext cx="840052" cy="532635"/>
           </a:xfrm>
           <a:prstGeom prst="straightConnector1">
@@ -21933,7 +21941,7 @@
         </p:nvSpPr>
         <p:spPr>
           <a:xfrm>
-            <a:off x="7234558" y="1752613"/>
+            <a:off x="7234559" y="1752614"/>
             <a:ext cx="564292" cy="276999"/>
           </a:xfrm>
           <a:prstGeom prst="rect">
@@ -21971,8 +21979,8 @@
         </p:nvCxnSpPr>
         <p:spPr>
           <a:xfrm flipH="1" flipV="1">
-            <a:off x="4790344" y="2567855"/>
-            <a:ext cx="729" cy="356202"/>
+            <a:off x="4790345" y="2567855"/>
+            <a:ext cx="729" cy="356203"/>
           </a:xfrm>
           <a:prstGeom prst="straightConnector1">
             <a:avLst/>
@@ -22013,8 +22021,8 @@
         </p:nvSpPr>
         <p:spPr>
           <a:xfrm>
-            <a:off x="5840356" y="2150302"/>
-            <a:ext cx="766626" cy="276999"/>
+            <a:off x="5840356" y="2150304"/>
+            <a:ext cx="766627" cy="276999"/>
           </a:xfrm>
           <a:prstGeom prst="rect">
             <a:avLst/>
@@ -22050,7 +22058,7 @@
         </p:nvSpPr>
         <p:spPr>
           <a:xfrm>
-            <a:off x="7601153" y="2607456"/>
+            <a:off x="7601153" y="2607457"/>
             <a:ext cx="800096" cy="276999"/>
           </a:xfrm>
           <a:prstGeom prst="rect">
@@ -22093,7 +22101,7 @@
         </p:nvCxnSpPr>
         <p:spPr>
           <a:xfrm>
-            <a:off x="7669529" y="2566506"/>
+            <a:off x="7669530" y="2566507"/>
             <a:ext cx="2057" cy="376740"/>
           </a:xfrm>
           <a:prstGeom prst="straightConnector1">
@@ -22143,8 +22151,8 @@
         </p:blipFill>
         <p:spPr>
           <a:xfrm>
-            <a:off x="2750719" y="4322838"/>
-            <a:ext cx="301706" cy="302127"/>
+            <a:off x="2750719" y="4322839"/>
+            <a:ext cx="301707" cy="302127"/>
           </a:xfrm>
           <a:prstGeom prst="rect">
             <a:avLst/>
@@ -22173,7 +22181,7 @@
         </p:blipFill>
         <p:spPr>
           <a:xfrm>
-            <a:off x="5292125" y="3365090"/>
+            <a:off x="5292126" y="3365091"/>
             <a:ext cx="184708" cy="172995"/>
           </a:xfrm>
           <a:prstGeom prst="rect">
@@ -22195,7 +22203,7 @@
         </p:nvSpPr>
         <p:spPr>
           <a:xfrm>
-            <a:off x="3715787" y="4061557"/>
+            <a:off x="3715789" y="4061557"/>
             <a:ext cx="1327279" cy="906011"/>
           </a:xfrm>
           <a:prstGeom prst="roundRect">
@@ -22265,7 +22273,7 @@
         </p:nvSpPr>
         <p:spPr>
           <a:xfrm>
-            <a:off x="7493752" y="4058221"/>
+            <a:off x="7493754" y="4058221"/>
             <a:ext cx="1327279" cy="906011"/>
           </a:xfrm>
           <a:prstGeom prst="roundRect">
@@ -22324,7 +22332,7 @@
         </p:nvSpPr>
         <p:spPr>
           <a:xfrm>
-            <a:off x="5592317" y="4058222"/>
+            <a:off x="5592318" y="4058223"/>
             <a:ext cx="1327279" cy="906011"/>
           </a:xfrm>
           <a:prstGeom prst="roundRect">
@@ -22415,8 +22423,8 @@
         </p:nvSpPr>
         <p:spPr>
           <a:xfrm>
-            <a:off x="3854579" y="2221865"/>
-            <a:ext cx="1922805" cy="345990"/>
+            <a:off x="3854580" y="2221866"/>
+            <a:ext cx="1922805" cy="345991"/>
           </a:xfrm>
           <a:prstGeom prst="roundRect">
             <a:avLst/>
@@ -22495,8 +22503,8 @@
         </p:nvSpPr>
         <p:spPr>
           <a:xfrm>
-            <a:off x="3855308" y="2924057"/>
-            <a:ext cx="1922805" cy="345990"/>
+            <a:off x="3855308" y="2924058"/>
+            <a:ext cx="1922805" cy="345991"/>
           </a:xfrm>
           <a:prstGeom prst="roundRect">
             <a:avLst/>
@@ -22575,8 +22583,8 @@
         </p:nvSpPr>
         <p:spPr>
           <a:xfrm>
-            <a:off x="6693181" y="2211057"/>
-            <a:ext cx="1922805" cy="345990"/>
+            <a:off x="6693182" y="2211058"/>
+            <a:ext cx="1922805" cy="345991"/>
           </a:xfrm>
           <a:prstGeom prst="roundRect">
             <a:avLst/>
@@ -22655,8 +22663,8 @@
         </p:nvSpPr>
         <p:spPr>
           <a:xfrm>
-            <a:off x="6706114" y="2941082"/>
-            <a:ext cx="1922805" cy="345990"/>
+            <a:off x="6706115" y="2941082"/>
+            <a:ext cx="1922805" cy="345991"/>
           </a:xfrm>
           <a:prstGeom prst="roundRect">
             <a:avLst/>
@@ -22722,7 +22730,7 @@
         </p:nvCxnSpPr>
         <p:spPr>
           <a:xfrm flipH="1">
-            <a:off x="6409569" y="3287072"/>
+            <a:off x="6409570" y="3287072"/>
             <a:ext cx="1257948" cy="749365"/>
           </a:xfrm>
           <a:prstGeom prst="straightConnector1">
@@ -22772,8 +22780,8 @@
         </p:blipFill>
         <p:spPr>
           <a:xfrm rot="10800000">
-            <a:off x="7011867" y="3045553"/>
-            <a:ext cx="113386" cy="154617"/>
+            <a:off x="7011867" y="3045554"/>
+            <a:ext cx="113387" cy="154617"/>
           </a:xfrm>
           <a:prstGeom prst="rect">
             <a:avLst/>
@@ -22802,8 +22810,8 @@
         </p:blipFill>
         <p:spPr>
           <a:xfrm>
-            <a:off x="6724653" y="2311982"/>
-            <a:ext cx="178154" cy="167428"/>
+            <a:off x="6724653" y="2311983"/>
+            <a:ext cx="178155" cy="167428"/>
           </a:xfrm>
           <a:prstGeom prst="rect">
             <a:avLst/>
@@ -22832,8 +22840,8 @@
         </p:blipFill>
         <p:spPr>
           <a:xfrm>
-            <a:off x="6142634" y="2422563"/>
-            <a:ext cx="153612" cy="153826"/>
+            <a:off x="6142635" y="2422563"/>
+            <a:ext cx="153612" cy="153827"/>
           </a:xfrm>
           <a:prstGeom prst="rect">
             <a:avLst/>
@@ -22862,8 +22870,8 @@
         </p:blipFill>
         <p:spPr>
           <a:xfrm>
-            <a:off x="5156326" y="4196002"/>
-            <a:ext cx="253162" cy="274565"/>
+            <a:off x="5156325" y="4196003"/>
+            <a:ext cx="253163" cy="274565"/>
           </a:xfrm>
           <a:prstGeom prst="rect">
             <a:avLst/>
@@ -22892,7 +22900,7 @@
         </p:blipFill>
         <p:spPr>
           <a:xfrm>
-            <a:off x="5659914" y="3571261"/>
+            <a:off x="5659915" y="3571262"/>
             <a:ext cx="150316" cy="167181"/>
           </a:xfrm>
           <a:prstGeom prst="rect">
@@ -22922,8 +22930,8 @@
         </p:blipFill>
         <p:spPr>
           <a:xfrm>
-            <a:off x="5751279" y="4182348"/>
-            <a:ext cx="178154" cy="167428"/>
+            <a:off x="5751279" y="4182349"/>
+            <a:ext cx="178155" cy="167428"/>
           </a:xfrm>
           <a:prstGeom prst="rect">
             <a:avLst/>
@@ -22944,7 +22952,7 @@
         </p:nvSpPr>
         <p:spPr>
           <a:xfrm>
-            <a:off x="2991403" y="885567"/>
+            <a:off x="2991405" y="885569"/>
             <a:ext cx="6456073" cy="2965391"/>
           </a:xfrm>
           <a:prstGeom prst="roundRect">
@@ -22997,7 +23005,7 @@
         </p:nvSpPr>
         <p:spPr>
           <a:xfrm>
-            <a:off x="3190318" y="967613"/>
+            <a:off x="3190319" y="967613"/>
             <a:ext cx="2068067" cy="369332"/>
           </a:xfrm>
           <a:prstGeom prst="rect">
@@ -23064,8 +23072,8 @@
           </p:nvPr>
         </p:nvGraphicFramePr>
         <p:xfrm>
-          <a:off x="5502314" y="1439284"/>
-          <a:ext cx="1338978" cy="228600"/>
+          <a:off x="5502313" y="1439284"/>
+          <a:ext cx="1338976" cy="233680"/>
         </p:xfrm>
         <a:graphic>
           <a:graphicData uri="http://schemas.openxmlformats.org/drawingml/2006/table">
@@ -23117,7 +23125,7 @@
                   </a:extLst>
                 </a:gridCol>
               </a:tblGrid>
-              <a:tr h="122892">
+              <a:tr h="233680">
                 <a:tc>
                   <a:txBody>
                     <a:bodyPr/>
@@ -23510,7 +23518,7 @@
         </p:nvCxnSpPr>
         <p:spPr>
           <a:xfrm>
-            <a:off x="3554630" y="4495687"/>
+            <a:off x="3554631" y="4495687"/>
             <a:ext cx="564292" cy="0"/>
           </a:xfrm>
           <a:prstGeom prst="straightConnector1">
@@ -23556,8 +23564,8 @@
         </p:nvCxnSpPr>
         <p:spPr>
           <a:xfrm flipV="1">
-            <a:off x="4791040" y="3446210"/>
-            <a:ext cx="7730" cy="739181"/>
+            <a:off x="4791040" y="3446211"/>
+            <a:ext cx="7731" cy="739181"/>
           </a:xfrm>
           <a:prstGeom prst="straightConnector1">
             <a:avLst/>
@@ -23602,8 +23610,8 @@
         </p:nvCxnSpPr>
         <p:spPr>
           <a:xfrm flipH="1">
-            <a:off x="5760172" y="2403085"/>
-            <a:ext cx="2202467" cy="870130"/>
+            <a:off x="5760173" y="2403085"/>
+            <a:ext cx="2202467" cy="870131"/>
           </a:xfrm>
           <a:prstGeom prst="straightConnector1">
             <a:avLst/>
@@ -23644,7 +23652,7 @@
         </p:nvSpPr>
         <p:spPr>
           <a:xfrm>
-            <a:off x="5302255" y="2537141"/>
+            <a:off x="5302257" y="2537142"/>
             <a:ext cx="1933833" cy="461665"/>
           </a:xfrm>
           <a:prstGeom prst="rect">
@@ -23700,8 +23708,8 @@
         </p:nvSpPr>
         <p:spPr>
           <a:xfrm>
-            <a:off x="5661292" y="1073692"/>
-            <a:ext cx="1408670" cy="276999"/>
+            <a:off x="5661293" y="1073693"/>
+            <a:ext cx="1408671" cy="276999"/>
           </a:xfrm>
           <a:prstGeom prst="rect">
             <a:avLst/>
@@ -23747,7 +23755,7 @@
         </p:nvCxnSpPr>
         <p:spPr>
           <a:xfrm flipV="1">
-            <a:off x="4796328" y="1577838"/>
+            <a:off x="4796329" y="1577839"/>
             <a:ext cx="907449" cy="543443"/>
           </a:xfrm>
           <a:prstGeom prst="straightConnector1">
@@ -23789,7 +23797,7 @@
         </p:nvSpPr>
         <p:spPr>
           <a:xfrm>
-            <a:off x="5303686" y="1708598"/>
+            <a:off x="5303687" y="1708600"/>
             <a:ext cx="564292" cy="276999"/>
           </a:xfrm>
           <a:prstGeom prst="rect">
@@ -23829,7 +23837,7 @@
         </p:nvCxnSpPr>
         <p:spPr>
           <a:xfrm flipH="1">
-            <a:off x="5757730" y="1787469"/>
+            <a:off x="5757731" y="1787470"/>
             <a:ext cx="961403" cy="506807"/>
           </a:xfrm>
           <a:prstGeom prst="straightConnector1">
@@ -23874,7 +23882,7 @@
         </p:nvCxnSpPr>
         <p:spPr>
           <a:xfrm flipV="1">
-            <a:off x="6840484" y="1171852"/>
+            <a:off x="6840485" y="1171852"/>
             <a:ext cx="1122155" cy="352608"/>
           </a:xfrm>
           <a:prstGeom prst="straightConnector1">
@@ -23916,7 +23924,7 @@
         </p:nvSpPr>
         <p:spPr>
           <a:xfrm>
-            <a:off x="7265019" y="1678620"/>
+            <a:off x="7265019" y="1678621"/>
             <a:ext cx="564292" cy="276999"/>
           </a:xfrm>
           <a:prstGeom prst="rect">
@@ -23956,8 +23964,8 @@
         </p:nvCxnSpPr>
         <p:spPr>
           <a:xfrm flipH="1" flipV="1">
-            <a:off x="4796328" y="2467271"/>
-            <a:ext cx="2442" cy="632949"/>
+            <a:off x="4796328" y="2467272"/>
+            <a:ext cx="2443" cy="632949"/>
           </a:xfrm>
           <a:prstGeom prst="straightConnector1">
             <a:avLst/>
@@ -23998,8 +24006,8 @@
         </p:nvSpPr>
         <p:spPr>
           <a:xfrm>
-            <a:off x="5840356" y="2049718"/>
-            <a:ext cx="766626" cy="276999"/>
+            <a:off x="5840356" y="2049720"/>
+            <a:ext cx="766627" cy="276999"/>
           </a:xfrm>
           <a:prstGeom prst="rect">
             <a:avLst/>
@@ -24035,7 +24043,7 @@
         </p:nvSpPr>
         <p:spPr>
           <a:xfrm>
-            <a:off x="7601153" y="2607456"/>
+            <a:off x="7601153" y="2607457"/>
             <a:ext cx="800096" cy="276999"/>
           </a:xfrm>
           <a:prstGeom prst="rect">
@@ -24080,7 +24088,7 @@
         </p:nvCxnSpPr>
         <p:spPr>
           <a:xfrm flipH="1">
-            <a:off x="7663615" y="2403085"/>
+            <a:off x="7663615" y="2403086"/>
             <a:ext cx="299024" cy="697135"/>
           </a:xfrm>
           <a:prstGeom prst="straightConnector1">
@@ -24130,7 +24138,7 @@
         </p:blipFill>
         <p:spPr>
           <a:xfrm>
-            <a:off x="3301629" y="4368622"/>
+            <a:off x="3301629" y="4368624"/>
             <a:ext cx="235512" cy="235841"/>
           </a:xfrm>
           <a:prstGeom prst="rect">
@@ -24160,7 +24168,7 @@
         </p:blipFill>
         <p:spPr>
           <a:xfrm>
-            <a:off x="5484149" y="2587850"/>
+            <a:off x="5484150" y="2587851"/>
             <a:ext cx="184708" cy="172995"/>
           </a:xfrm>
           <a:prstGeom prst="rect">
@@ -24182,8 +24190,8 @@
         </p:nvSpPr>
         <p:spPr>
           <a:xfrm>
-            <a:off x="4127400" y="4185391"/>
-            <a:ext cx="1327279" cy="598946"/>
+            <a:off x="4127402" y="4185391"/>
+            <a:ext cx="1327279" cy="598947"/>
           </a:xfrm>
           <a:prstGeom prst="roundRect">
             <a:avLst/>
@@ -24252,8 +24260,8 @@
         </p:nvSpPr>
         <p:spPr>
           <a:xfrm>
-            <a:off x="3834925" y="2121281"/>
-            <a:ext cx="1922805" cy="345990"/>
+            <a:off x="3834926" y="2121282"/>
+            <a:ext cx="1922805" cy="345991"/>
           </a:xfrm>
           <a:prstGeom prst="roundRect">
             <a:avLst/>
@@ -24332,8 +24340,8 @@
         </p:nvSpPr>
         <p:spPr>
           <a:xfrm>
-            <a:off x="3837367" y="3100220"/>
-            <a:ext cx="1922805" cy="345990"/>
+            <a:off x="3837368" y="3100221"/>
+            <a:ext cx="1922805" cy="345991"/>
           </a:xfrm>
           <a:prstGeom prst="roundRect">
             <a:avLst/>
@@ -24412,7 +24420,7 @@
         </p:nvSpPr>
         <p:spPr>
           <a:xfrm>
-            <a:off x="6719133" y="1171852"/>
+            <a:off x="6719133" y="1171853"/>
             <a:ext cx="2487011" cy="1231233"/>
           </a:xfrm>
           <a:prstGeom prst="roundRect">
@@ -24492,8 +24500,8 @@
         </p:nvSpPr>
         <p:spPr>
           <a:xfrm>
-            <a:off x="6702212" y="3100220"/>
-            <a:ext cx="1922805" cy="345990"/>
+            <a:off x="6702212" y="3100221"/>
+            <a:ext cx="1922805" cy="345991"/>
           </a:xfrm>
           <a:prstGeom prst="roundRect">
             <a:avLst/>
@@ -24564,8 +24572,8 @@
         </p:blipFill>
         <p:spPr>
           <a:xfrm rot="10800000">
-            <a:off x="6998616" y="3195834"/>
-            <a:ext cx="113386" cy="154617"/>
+            <a:off x="6998616" y="3195836"/>
+            <a:ext cx="113387" cy="154617"/>
           </a:xfrm>
           <a:prstGeom prst="rect">
             <a:avLst/>
@@ -24594,8 +24602,8 @@
         </p:blipFill>
         <p:spPr>
           <a:xfrm>
-            <a:off x="6724653" y="2211398"/>
-            <a:ext cx="178154" cy="167428"/>
+            <a:off x="6724653" y="2211399"/>
+            <a:ext cx="178155" cy="167428"/>
           </a:xfrm>
           <a:prstGeom prst="rect">
             <a:avLst/>
@@ -24624,8 +24632,8 @@
         </p:blipFill>
         <p:spPr>
           <a:xfrm>
-            <a:off x="6142634" y="2321979"/>
-            <a:ext cx="153612" cy="153826"/>
+            <a:off x="6142635" y="2321979"/>
+            <a:ext cx="153612" cy="153827"/>
           </a:xfrm>
           <a:prstGeom prst="rect">
             <a:avLst/>
@@ -24654,8 +24662,8 @@
         </p:blipFill>
         <p:spPr>
           <a:xfrm>
-            <a:off x="4868880" y="3867736"/>
-            <a:ext cx="213928" cy="232014"/>
+            <a:off x="4868880" y="3867737"/>
+            <a:ext cx="213928" cy="232015"/>
           </a:xfrm>
           <a:prstGeom prst="rect">
             <a:avLst/>
@@ -24684,7 +24692,7 @@
         </p:blipFill>
         <p:spPr>
           <a:xfrm>
-            <a:off x="5885249" y="2768205"/>
+            <a:off x="5885250" y="2768206"/>
             <a:ext cx="150316" cy="167181"/>
           </a:xfrm>
           <a:prstGeom prst="rect">
@@ -24706,7 +24714,7 @@
         </p:nvSpPr>
         <p:spPr>
           <a:xfrm>
-            <a:off x="3052425" y="951742"/>
+            <a:off x="3052426" y="951743"/>
             <a:ext cx="6456073" cy="2830349"/>
           </a:xfrm>
           <a:prstGeom prst="roundRect">
@@ -24759,7 +24767,7 @@
         </p:nvSpPr>
         <p:spPr>
           <a:xfrm>
-            <a:off x="3205577" y="1030604"/>
+            <a:off x="3205578" y="1030604"/>
             <a:ext cx="2068067" cy="369332"/>
           </a:xfrm>
           <a:prstGeom prst="rect">
@@ -24826,8 +24834,8 @@
           </p:nvPr>
         </p:nvGraphicFramePr>
         <p:xfrm>
-          <a:off x="5502314" y="1338700"/>
-          <a:ext cx="1338978" cy="228600"/>
+          <a:off x="5502313" y="1338700"/>
+          <a:ext cx="1338976" cy="233680"/>
         </p:xfrm>
         <a:graphic>
           <a:graphicData uri="http://schemas.openxmlformats.org/drawingml/2006/table">
@@ -24879,7 +24887,7 @@
                   </a:extLst>
                 </a:gridCol>
               </a:tblGrid>
-              <a:tr h="122892">
+              <a:tr h="233680">
                 <a:tc>
                   <a:txBody>
                     <a:bodyPr/>
@@ -25240,8 +25248,8 @@
         </p:nvSpPr>
         <p:spPr>
           <a:xfrm>
-            <a:off x="8013562" y="4218619"/>
-            <a:ext cx="1327279" cy="598946"/>
+            <a:off x="8013563" y="4218619"/>
+            <a:ext cx="1327279" cy="598947"/>
           </a:xfrm>
           <a:prstGeom prst="roundRect">
             <a:avLst/>
@@ -25304,8 +25312,8 @@
         </p:nvSpPr>
         <p:spPr>
           <a:xfrm>
-            <a:off x="7142765" y="1997933"/>
-            <a:ext cx="1922805" cy="345990"/>
+            <a:off x="7142766" y="1997934"/>
+            <a:ext cx="1922805" cy="345991"/>
           </a:xfrm>
           <a:prstGeom prst="roundRect">
             <a:avLst/>
@@ -25387,7 +25395,7 @@
         <p:spPr>
           <a:xfrm>
             <a:off x="8926511" y="1567300"/>
-            <a:ext cx="0" cy="2628914"/>
+            <a:ext cx="0" cy="2628915"/>
           </a:xfrm>
           <a:prstGeom prst="straightConnector1">
             <a:avLst/>
@@ -25428,8 +25436,8 @@
         </p:nvSpPr>
         <p:spPr>
           <a:xfrm>
-            <a:off x="7260865" y="1242211"/>
-            <a:ext cx="1922805" cy="345990"/>
+            <a:off x="7260866" y="1242211"/>
+            <a:ext cx="1922805" cy="345991"/>
           </a:xfrm>
           <a:prstGeom prst="roundRect">
             <a:avLst/>
@@ -25510,8 +25518,8 @@
         </p:nvCxnSpPr>
         <p:spPr>
           <a:xfrm flipH="1" flipV="1">
-            <a:off x="5082809" y="2475805"/>
-            <a:ext cx="2310423" cy="608642"/>
+            <a:off x="5082810" y="2475805"/>
+            <a:ext cx="2310423" cy="608643"/>
           </a:xfrm>
           <a:prstGeom prst="straightConnector1">
             <a:avLst/>
@@ -25631,7 +25639,7 @@
         </p:nvCxnSpPr>
         <p:spPr>
           <a:xfrm flipH="1" flipV="1">
-            <a:off x="4348033" y="4015454"/>
+            <a:off x="4348034" y="4015456"/>
             <a:ext cx="10788" cy="870065"/>
           </a:xfrm>
           <a:prstGeom prst="straightConnector1">
@@ -25676,7 +25684,7 @@
         </p:nvCxnSpPr>
         <p:spPr>
           <a:xfrm flipH="1">
-            <a:off x="5309435" y="3842459"/>
+            <a:off x="5309436" y="3842459"/>
             <a:ext cx="2896053" cy="0"/>
           </a:xfrm>
           <a:prstGeom prst="straightConnector1">
@@ -25718,8 +25726,8 @@
         </p:nvSpPr>
         <p:spPr>
           <a:xfrm>
-            <a:off x="6191790" y="1017206"/>
-            <a:ext cx="1408670" cy="276999"/>
+            <a:off x="6191790" y="1017208"/>
+            <a:ext cx="1408671" cy="276999"/>
           </a:xfrm>
           <a:prstGeom prst="rect">
             <a:avLst/>
@@ -25765,8 +25773,8 @@
         </p:nvCxnSpPr>
         <p:spPr>
           <a:xfrm flipV="1">
-            <a:off x="4334328" y="1510814"/>
-            <a:ext cx="1992846" cy="610467"/>
+            <a:off x="4334329" y="1510815"/>
+            <a:ext cx="1992847" cy="610467"/>
           </a:xfrm>
           <a:prstGeom prst="straightConnector1">
             <a:avLst/>
@@ -25807,7 +25815,7 @@
         </p:nvSpPr>
         <p:spPr>
           <a:xfrm>
-            <a:off x="5140082" y="1495026"/>
+            <a:off x="5140083" y="1495028"/>
             <a:ext cx="564292" cy="276999"/>
           </a:xfrm>
           <a:prstGeom prst="rect">
@@ -25845,8 +25853,8 @@
         </p:nvCxnSpPr>
         <p:spPr>
           <a:xfrm flipH="1">
-            <a:off x="5286105" y="2279188"/>
-            <a:ext cx="2932566" cy="15088"/>
+            <a:off x="5286106" y="2279188"/>
+            <a:ext cx="2932567" cy="15088"/>
           </a:xfrm>
           <a:prstGeom prst="straightConnector1">
             <a:avLst/>
@@ -25890,8 +25898,8 @@
         </p:nvCxnSpPr>
         <p:spPr>
           <a:xfrm flipH="1">
-            <a:off x="7409243" y="2994174"/>
-            <a:ext cx="809430" cy="332"/>
+            <a:off x="7409243" y="2994175"/>
+            <a:ext cx="809431" cy="332"/>
           </a:xfrm>
           <a:prstGeom prst="straightConnector1">
             <a:avLst/>
@@ -25932,7 +25940,7 @@
         </p:nvSpPr>
         <p:spPr>
           <a:xfrm>
-            <a:off x="8361368" y="1347426"/>
+            <a:off x="8361369" y="1347427"/>
             <a:ext cx="564292" cy="276999"/>
           </a:xfrm>
           <a:prstGeom prst="rect">
@@ -25972,7 +25980,7 @@
         </p:nvCxnSpPr>
         <p:spPr>
           <a:xfrm flipH="1" flipV="1">
-            <a:off x="4334328" y="2467271"/>
+            <a:off x="4334329" y="2467273"/>
             <a:ext cx="13705" cy="1202193"/>
           </a:xfrm>
           <a:prstGeom prst="straightConnector1">
@@ -26014,7 +26022,7 @@
         </p:nvSpPr>
         <p:spPr>
           <a:xfrm>
-            <a:off x="7392891" y="3023539"/>
+            <a:off x="7392891" y="3023540"/>
             <a:ext cx="800096" cy="276999"/>
           </a:xfrm>
           <a:prstGeom prst="rect">
@@ -26063,7 +26071,7 @@
         </p:blipFill>
         <p:spPr>
           <a:xfrm>
-            <a:off x="3106329" y="5052017"/>
+            <a:off x="3106329" y="5052018"/>
             <a:ext cx="235512" cy="235841"/>
           </a:xfrm>
           <a:prstGeom prst="rect">
@@ -26085,8 +26093,8 @@
         </p:nvSpPr>
         <p:spPr>
           <a:xfrm>
-            <a:off x="3695181" y="4885519"/>
-            <a:ext cx="1327279" cy="598946"/>
+            <a:off x="3695182" y="4885519"/>
+            <a:ext cx="1327279" cy="598947"/>
           </a:xfrm>
           <a:prstGeom prst="roundRect">
             <a:avLst/>
@@ -26155,8 +26163,8 @@
         </p:nvSpPr>
         <p:spPr>
           <a:xfrm>
-            <a:off x="3372925" y="2121281"/>
-            <a:ext cx="1922805" cy="345990"/>
+            <a:off x="3372926" y="2121282"/>
+            <a:ext cx="1922805" cy="345991"/>
           </a:xfrm>
           <a:prstGeom prst="roundRect">
             <a:avLst/>
@@ -26235,8 +26243,8 @@
         </p:nvSpPr>
         <p:spPr>
           <a:xfrm>
-            <a:off x="3386630" y="3669464"/>
-            <a:ext cx="1922805" cy="345990"/>
+            <a:off x="3386631" y="3669465"/>
+            <a:ext cx="1922805" cy="345991"/>
           </a:xfrm>
           <a:prstGeom prst="roundRect">
             <a:avLst/>
@@ -26315,8 +26323,8 @@
         </p:nvGrpSpPr>
         <p:grpSpPr>
           <a:xfrm>
-            <a:off x="5486438" y="2821511"/>
-            <a:ext cx="1922805" cy="345990"/>
+            <a:off x="5486439" y="2821511"/>
+            <a:ext cx="1922805" cy="345991"/>
             <a:chOff x="6813730" y="3983439"/>
             <a:chExt cx="1922805" cy="345990"/>
           </a:xfrm>
@@ -26430,10 +26438,10 @@
         </p:nvGrpSpPr>
         <p:grpSpPr>
           <a:xfrm>
-            <a:off x="6665400" y="2249449"/>
-            <a:ext cx="836236" cy="276999"/>
+            <a:off x="6665406" y="2249452"/>
+            <a:ext cx="836239" cy="276999"/>
             <a:chOff x="7063595" y="2134487"/>
-            <a:chExt cx="836236" cy="276999"/>
+            <a:chExt cx="836238" cy="276999"/>
           </a:xfrm>
         </p:grpSpPr>
         <p:sp>
@@ -26450,8 +26458,8 @@
           </p:nvSpPr>
           <p:spPr>
             <a:xfrm>
-              <a:off x="7133205" y="2134487"/>
-              <a:ext cx="766626" cy="276999"/>
+              <a:off x="7133206" y="2134487"/>
+              <a:ext cx="766627" cy="276999"/>
             </a:xfrm>
             <a:prstGeom prst="rect">
               <a:avLst/>
@@ -26527,7 +26535,7 @@
         <p:spPr>
           <a:xfrm>
             <a:off x="4406880" y="4551131"/>
-            <a:ext cx="213928" cy="232014"/>
+            <a:ext cx="213928" cy="232015"/>
           </a:xfrm>
           <a:prstGeom prst="rect">
             <a:avLst/>
@@ -26548,7 +26556,7 @@
         </p:nvGrpSpPr>
         <p:grpSpPr>
           <a:xfrm>
-            <a:off x="5698483" y="3860762"/>
+            <a:off x="5698485" y="3860762"/>
             <a:ext cx="1933833" cy="461665"/>
             <a:chOff x="5302255" y="2537141"/>
             <a:chExt cx="1933833" cy="461665"/>
@@ -26685,7 +26693,7 @@
         </p:nvSpPr>
         <p:spPr>
           <a:xfrm>
-            <a:off x="3131361" y="951742"/>
+            <a:off x="3131362" y="951744"/>
             <a:ext cx="7771749" cy="3491105"/>
           </a:xfrm>
           <a:prstGeom prst="roundRect">
@@ -26738,7 +26746,7 @@
         </p:nvSpPr>
         <p:spPr>
           <a:xfrm>
-            <a:off x="3418371" y="1039108"/>
+            <a:off x="3418373" y="1039108"/>
             <a:ext cx="1095813" cy="369332"/>
           </a:xfrm>
           <a:prstGeom prst="rect">
@@ -26781,8 +26789,8 @@
           </p:nvPr>
         </p:nvGraphicFramePr>
         <p:xfrm>
-          <a:off x="6032812" y="1282214"/>
-          <a:ext cx="1338978" cy="228600"/>
+          <a:off x="6032812" y="1282215"/>
+          <a:ext cx="1338976" cy="233680"/>
         </p:xfrm>
         <a:graphic>
           <a:graphicData uri="http://schemas.openxmlformats.org/drawingml/2006/table">
@@ -26834,7 +26842,7 @@
                   </a:extLst>
                 </a:gridCol>
               </a:tblGrid>
-              <a:tr h="122892">
+              <a:tr h="233680">
                 <a:tc>
                   <a:txBody>
                     <a:bodyPr/>
@@ -27195,8 +27203,8 @@
         </p:nvSpPr>
         <p:spPr>
           <a:xfrm>
-            <a:off x="8836658" y="4988385"/>
-            <a:ext cx="1327279" cy="598946"/>
+            <a:off x="8836659" y="4988385"/>
+            <a:ext cx="1327279" cy="598947"/>
           </a:xfrm>
           <a:prstGeom prst="roundRect">
             <a:avLst/>
@@ -27263,7 +27271,7 @@
         </p:nvCxnSpPr>
         <p:spPr>
           <a:xfrm>
-            <a:off x="9485309" y="3892808"/>
+            <a:off x="9485310" y="3892809"/>
             <a:ext cx="14989" cy="1095577"/>
           </a:xfrm>
           <a:prstGeom prst="straightConnector1">
@@ -27309,8 +27317,8 @@
         </p:nvCxnSpPr>
         <p:spPr>
           <a:xfrm flipH="1" flipV="1">
-            <a:off x="4334328" y="2467271"/>
-            <a:ext cx="1152110" cy="527235"/>
+            <a:off x="4334329" y="2467272"/>
+            <a:ext cx="1152111" cy="527235"/>
           </a:xfrm>
           <a:prstGeom prst="straightConnector1">
             <a:avLst/>
@@ -27351,8 +27359,8 @@
         </p:nvGrpSpPr>
         <p:grpSpPr>
           <a:xfrm>
-            <a:off x="8205488" y="1987925"/>
-            <a:ext cx="2487011" cy="2155082"/>
+            <a:off x="8205489" y="1987925"/>
+            <a:ext cx="2487011" cy="2155083"/>
             <a:chOff x="7074131" y="1783200"/>
             <a:chExt cx="2487011" cy="2155082"/>
           </a:xfrm>
@@ -27508,9 +27516,9 @@
           <p:grpSpPr>
             <a:xfrm>
               <a:off x="7209515" y="1853062"/>
-              <a:ext cx="2042203" cy="646331"/>
+              <a:ext cx="2042203" cy="646330"/>
               <a:chOff x="428236" y="918544"/>
-              <a:chExt cx="2042203" cy="646331"/>
+              <a:chExt cx="2042203" cy="646330"/>
             </a:xfrm>
           </p:grpSpPr>
           <p:pic>
@@ -27558,7 +27566,7 @@
             <p:spPr>
               <a:xfrm>
                 <a:off x="548640" y="918544"/>
-                <a:ext cx="1921799" cy="646331"/>
+                <a:ext cx="1921799" cy="646330"/>
               </a:xfrm>
               <a:prstGeom prst="rect">
                 <a:avLst/>
@@ -27690,8 +27698,8 @@
         </p:nvCxnSpPr>
         <p:spPr>
           <a:xfrm>
-            <a:off x="7371790" y="1396514"/>
-            <a:ext cx="2077204" cy="591411"/>
+            <a:off x="7371789" y="1399055"/>
+            <a:ext cx="2077207" cy="588871"/>
           </a:xfrm>
           <a:prstGeom prst="straightConnector1">
             <a:avLst/>
@@ -27732,7 +27740,7 @@
         </p:nvSpPr>
         <p:spPr>
           <a:xfrm>
-            <a:off x="4348032" y="2481477"/>
+            <a:off x="4348032" y="2481478"/>
             <a:ext cx="1922805" cy="276999"/>
           </a:xfrm>
           <a:prstGeom prst="rect">
@@ -27814,7 +27822,7 @@
         </p:nvCxnSpPr>
         <p:spPr>
           <a:xfrm>
-            <a:off x="1586167" y="5353158"/>
+            <a:off x="1586167" y="5353159"/>
             <a:ext cx="322256" cy="0"/>
           </a:xfrm>
           <a:prstGeom prst="straightConnector1">
@@ -27860,7 +27868,7 @@
         </p:nvCxnSpPr>
         <p:spPr>
           <a:xfrm flipH="1" flipV="1">
-            <a:off x="2561275" y="4183620"/>
+            <a:off x="2561275" y="4183621"/>
             <a:ext cx="10788" cy="870065"/>
           </a:xfrm>
           <a:prstGeom prst="straightConnector1">
@@ -27905,7 +27913,7 @@
         </p:nvCxnSpPr>
         <p:spPr>
           <a:xfrm flipH="1">
-            <a:off x="3522677" y="4010625"/>
+            <a:off x="3522678" y="4010625"/>
             <a:ext cx="2896053" cy="0"/>
           </a:xfrm>
           <a:prstGeom prst="straightConnector1">
@@ -27947,8 +27955,8 @@
         </p:nvSpPr>
         <p:spPr>
           <a:xfrm>
-            <a:off x="4405032" y="1185372"/>
-            <a:ext cx="1408670" cy="276999"/>
+            <a:off x="4405033" y="1185373"/>
+            <a:ext cx="1408671" cy="276999"/>
           </a:xfrm>
           <a:prstGeom prst="rect">
             <a:avLst/>
@@ -27994,8 +28002,8 @@
         </p:nvCxnSpPr>
         <p:spPr>
           <a:xfrm flipV="1">
-            <a:off x="2555380" y="1678981"/>
-            <a:ext cx="2113628" cy="610466"/>
+            <a:off x="2555381" y="1678981"/>
+            <a:ext cx="2113628" cy="610467"/>
           </a:xfrm>
           <a:prstGeom prst="straightConnector1">
             <a:avLst/>
@@ -28036,7 +28044,7 @@
         </p:nvSpPr>
         <p:spPr>
           <a:xfrm>
-            <a:off x="3353324" y="1663192"/>
+            <a:off x="3353325" y="1663193"/>
             <a:ext cx="564292" cy="276999"/>
           </a:xfrm>
           <a:prstGeom prst="rect">
@@ -28075,8 +28083,8 @@
         </p:nvCxnSpPr>
         <p:spPr>
           <a:xfrm flipH="1">
-            <a:off x="3637564" y="2447354"/>
-            <a:ext cx="2794350" cy="15088"/>
+            <a:off x="3637565" y="2447355"/>
+            <a:ext cx="2794351" cy="15088"/>
           </a:xfrm>
           <a:prstGeom prst="straightConnector1">
             <a:avLst/>
@@ -28120,8 +28128,8 @@
         </p:nvCxnSpPr>
         <p:spPr>
           <a:xfrm flipH="1">
-            <a:off x="5622485" y="3162340"/>
-            <a:ext cx="809430" cy="332"/>
+            <a:off x="5622486" y="3162341"/>
+            <a:ext cx="809431" cy="332"/>
           </a:xfrm>
           <a:prstGeom prst="straightConnector1">
             <a:avLst/>
@@ -28162,7 +28170,7 @@
         </p:nvSpPr>
         <p:spPr>
           <a:xfrm>
-            <a:off x="6027200" y="1746631"/>
+            <a:off x="6027201" y="1746631"/>
             <a:ext cx="564292" cy="276999"/>
           </a:xfrm>
           <a:prstGeom prst="rect">
@@ -28202,7 +28210,7 @@
         </p:nvCxnSpPr>
         <p:spPr>
           <a:xfrm flipH="1" flipV="1">
-            <a:off x="2555380" y="2635437"/>
+            <a:off x="2555382" y="2635438"/>
             <a:ext cx="5895" cy="1202193"/>
           </a:xfrm>
           <a:prstGeom prst="straightConnector1">
@@ -28244,7 +28252,7 @@
         </p:nvSpPr>
         <p:spPr>
           <a:xfrm>
-            <a:off x="5606133" y="3191705"/>
+            <a:off x="5606133" y="3191706"/>
             <a:ext cx="800096" cy="276999"/>
           </a:xfrm>
           <a:prstGeom prst="rect">
@@ -28293,7 +28301,7 @@
         </p:blipFill>
         <p:spPr>
           <a:xfrm>
-            <a:off x="1319571" y="5220183"/>
+            <a:off x="1319571" y="5220185"/>
             <a:ext cx="235512" cy="235841"/>
           </a:xfrm>
           <a:prstGeom prst="rect">
@@ -28315,8 +28323,8 @@
         </p:nvSpPr>
         <p:spPr>
           <a:xfrm>
-            <a:off x="1908423" y="5053685"/>
-            <a:ext cx="1327279" cy="598946"/>
+            <a:off x="1908425" y="5053685"/>
+            <a:ext cx="1327279" cy="598947"/>
           </a:xfrm>
           <a:prstGeom prst="roundRect">
             <a:avLst/>
@@ -28401,8 +28409,8 @@
         </p:nvSpPr>
         <p:spPr>
           <a:xfrm>
-            <a:off x="1473195" y="2289447"/>
-            <a:ext cx="2164369" cy="345990"/>
+            <a:off x="1473197" y="2289447"/>
+            <a:ext cx="2164369" cy="345991"/>
           </a:xfrm>
           <a:prstGeom prst="roundRect">
             <a:avLst/>
@@ -28498,7 +28506,7 @@
         <p:spPr>
           <a:xfrm>
             <a:off x="1599872" y="3837630"/>
-            <a:ext cx="1922805" cy="345990"/>
+            <a:ext cx="1922805" cy="345991"/>
           </a:xfrm>
           <a:prstGeom prst="roundRect">
             <a:avLst/>
@@ -28593,8 +28601,8 @@
         </p:nvGrpSpPr>
         <p:grpSpPr>
           <a:xfrm>
-            <a:off x="3699680" y="2989677"/>
-            <a:ext cx="1922805" cy="345990"/>
+            <a:off x="3699680" y="2989678"/>
+            <a:ext cx="1922805" cy="345991"/>
             <a:chOff x="6813730" y="3983439"/>
             <a:chExt cx="1922805" cy="345990"/>
           </a:xfrm>
@@ -28724,10 +28732,10 @@
         </p:nvGrpSpPr>
         <p:grpSpPr>
           <a:xfrm>
-            <a:off x="4878642" y="2417615"/>
-            <a:ext cx="836236" cy="276999"/>
+            <a:off x="4878649" y="2417617"/>
+            <a:ext cx="836239" cy="276999"/>
             <a:chOff x="7063595" y="2134487"/>
-            <a:chExt cx="836236" cy="276999"/>
+            <a:chExt cx="836238" cy="276999"/>
           </a:xfrm>
         </p:grpSpPr>
         <p:sp>
@@ -28744,8 +28752,8 @@
           </p:nvSpPr>
           <p:spPr>
             <a:xfrm>
-              <a:off x="7133205" y="2134487"/>
-              <a:ext cx="766626" cy="276999"/>
+              <a:off x="7133206" y="2134487"/>
+              <a:ext cx="766627" cy="276999"/>
             </a:xfrm>
             <a:prstGeom prst="rect">
               <a:avLst/>
@@ -28820,8 +28828,8 @@
         </p:blipFill>
         <p:spPr>
           <a:xfrm>
-            <a:off x="2620122" y="4719297"/>
-            <a:ext cx="213928" cy="232014"/>
+            <a:off x="2620123" y="4719298"/>
+            <a:ext cx="213928" cy="232015"/>
           </a:xfrm>
           <a:prstGeom prst="rect">
             <a:avLst/>
@@ -28842,7 +28850,7 @@
         </p:nvGrpSpPr>
         <p:grpSpPr>
           <a:xfrm>
-            <a:off x="3911725" y="4028928"/>
+            <a:off x="3911726" y="4028928"/>
             <a:ext cx="1933833" cy="461665"/>
             <a:chOff x="5302255" y="2537141"/>
             <a:chExt cx="1933833" cy="461665"/>
@@ -28979,7 +28987,7 @@
         </p:nvSpPr>
         <p:spPr>
           <a:xfrm>
-            <a:off x="1344603" y="472967"/>
+            <a:off x="1344604" y="472969"/>
             <a:ext cx="7771749" cy="4138047"/>
           </a:xfrm>
           <a:prstGeom prst="roundRect">
@@ -29032,7 +29040,7 @@
         </p:nvSpPr>
         <p:spPr>
           <a:xfrm>
-            <a:off x="1631613" y="1207274"/>
+            <a:off x="1631614" y="1207273"/>
             <a:ext cx="1095813" cy="369332"/>
           </a:xfrm>
           <a:prstGeom prst="rect">
@@ -29075,8 +29083,8 @@
           </p:nvPr>
         </p:nvGraphicFramePr>
         <p:xfrm>
-          <a:off x="4246054" y="1450380"/>
-          <a:ext cx="1338978" cy="228600"/>
+          <a:off x="4246053" y="1450380"/>
+          <a:ext cx="1338976" cy="233680"/>
         </p:xfrm>
         <a:graphic>
           <a:graphicData uri="http://schemas.openxmlformats.org/drawingml/2006/table">
@@ -29128,7 +29136,7 @@
                   </a:extLst>
                 </a:gridCol>
               </a:tblGrid>
-              <a:tr h="122892">
+              <a:tr h="233680">
                 <a:tc>
                   <a:txBody>
                     <a:bodyPr/>
@@ -29489,8 +29497,8 @@
         </p:nvSpPr>
         <p:spPr>
           <a:xfrm>
-            <a:off x="7049900" y="5156551"/>
-            <a:ext cx="1327279" cy="598946"/>
+            <a:off x="7049902" y="5156551"/>
+            <a:ext cx="1327279" cy="598947"/>
           </a:xfrm>
           <a:prstGeom prst="roundRect">
             <a:avLst/>
@@ -29573,7 +29581,7 @@
         </p:nvCxnSpPr>
         <p:spPr>
           <a:xfrm>
-            <a:off x="7698551" y="4060974"/>
+            <a:off x="7698552" y="4060976"/>
             <a:ext cx="14989" cy="1095577"/>
           </a:xfrm>
           <a:prstGeom prst="straightConnector1">
@@ -29619,7 +29627,7 @@
         </p:nvCxnSpPr>
         <p:spPr>
           <a:xfrm flipH="1" flipV="1">
-            <a:off x="2555380" y="2635437"/>
+            <a:off x="2555381" y="2635437"/>
             <a:ext cx="1144300" cy="527235"/>
           </a:xfrm>
           <a:prstGeom prst="straightConnector1">
@@ -29661,7 +29669,7 @@
         </p:nvSpPr>
         <p:spPr>
           <a:xfrm>
-            <a:off x="6418730" y="1663191"/>
+            <a:off x="6418731" y="1663192"/>
             <a:ext cx="2487011" cy="2647981"/>
           </a:xfrm>
           <a:prstGeom prst="roundRect">
@@ -29717,7 +29725,7 @@
         </p:nvSpPr>
         <p:spPr>
           <a:xfrm>
-            <a:off x="6683393" y="3503377"/>
+            <a:off x="6683394" y="3503378"/>
             <a:ext cx="2030316" cy="557597"/>
           </a:xfrm>
           <a:prstGeom prst="roundRect">
@@ -29797,10 +29805,10 @@
         </p:nvGrpSpPr>
         <p:grpSpPr>
           <a:xfrm>
-            <a:off x="6595722" y="1798975"/>
+            <a:off x="6595724" y="1798975"/>
             <a:ext cx="2028401" cy="646331"/>
             <a:chOff x="470357" y="910593"/>
-            <a:chExt cx="2028401" cy="646331"/>
+            <a:chExt cx="2028401" cy="646332"/>
           </a:xfrm>
         </p:grpSpPr>
         <p:pic>
@@ -29848,7 +29856,7 @@
           <p:spPr>
             <a:xfrm>
               <a:off x="470357" y="910593"/>
-              <a:ext cx="1921799" cy="646331"/>
+              <a:ext cx="1921798" cy="646332"/>
             </a:xfrm>
             <a:prstGeom prst="rect">
               <a:avLst/>
@@ -29903,7 +29911,7 @@
         </p:nvSpPr>
         <p:spPr>
           <a:xfrm>
-            <a:off x="6683393" y="2738984"/>
+            <a:off x="6683394" y="2738984"/>
             <a:ext cx="2030316" cy="557597"/>
           </a:xfrm>
           <a:prstGeom prst="roundRect">
@@ -29987,8 +29995,8 @@
         </p:nvCxnSpPr>
         <p:spPr>
           <a:xfrm>
-            <a:off x="5585032" y="1564680"/>
-            <a:ext cx="2077204" cy="98511"/>
+            <a:off x="5585030" y="1567221"/>
+            <a:ext cx="2077207" cy="95972"/>
           </a:xfrm>
           <a:prstGeom prst="straightConnector1">
             <a:avLst/>
@@ -30029,7 +30037,7 @@
         </p:nvSpPr>
         <p:spPr>
           <a:xfrm>
-            <a:off x="2561274" y="2649643"/>
+            <a:off x="2561275" y="2649643"/>
             <a:ext cx="1922805" cy="276999"/>
           </a:xfrm>
           <a:prstGeom prst="rect">
@@ -30078,8 +30086,8 @@
         </p:nvSpPr>
         <p:spPr>
           <a:xfrm>
-            <a:off x="6386146" y="947730"/>
-            <a:ext cx="2164369" cy="345990"/>
+            <a:off x="6386148" y="947730"/>
+            <a:ext cx="2164369" cy="345991"/>
           </a:xfrm>
           <a:prstGeom prst="roundRect">
             <a:avLst/>
@@ -30137,8 +30145,8 @@
         </p:nvSpPr>
         <p:spPr>
           <a:xfrm>
-            <a:off x="6676322" y="2220788"/>
-            <a:ext cx="2037387" cy="345990"/>
+            <a:off x="6676323" y="2220789"/>
+            <a:ext cx="2037387" cy="345991"/>
           </a:xfrm>
           <a:prstGeom prst="roundRect">
             <a:avLst/>
@@ -30229,7 +30237,7 @@
         </p:nvCxnSpPr>
         <p:spPr>
           <a:xfrm>
-            <a:off x="1691270" y="6057351"/>
+            <a:off x="1691271" y="6057351"/>
             <a:ext cx="322256" cy="0"/>
           </a:xfrm>
           <a:prstGeom prst="straightConnector1">
@@ -30275,7 +30283,7 @@
         </p:nvCxnSpPr>
         <p:spPr>
           <a:xfrm flipH="1" flipV="1">
-            <a:off x="2666378" y="4887813"/>
+            <a:off x="2666379" y="4887814"/>
             <a:ext cx="10788" cy="870065"/>
           </a:xfrm>
           <a:prstGeom prst="straightConnector1">
@@ -30320,7 +30328,7 @@
         </p:nvCxnSpPr>
         <p:spPr>
           <a:xfrm flipH="1">
-            <a:off x="3627780" y="4714818"/>
+            <a:off x="3627780" y="4714819"/>
             <a:ext cx="2896053" cy="0"/>
           </a:xfrm>
           <a:prstGeom prst="straightConnector1">
@@ -30362,8 +30370,8 @@
         </p:nvSpPr>
         <p:spPr>
           <a:xfrm>
-            <a:off x="4510135" y="1218050"/>
-            <a:ext cx="1408670" cy="276999"/>
+            <a:off x="4510135" y="1218051"/>
+            <a:ext cx="1408671" cy="276999"/>
           </a:xfrm>
           <a:prstGeom prst="rect">
             <a:avLst/>
@@ -30409,8 +30417,8 @@
         </p:nvCxnSpPr>
         <p:spPr>
           <a:xfrm flipV="1">
-            <a:off x="2651978" y="1613139"/>
-            <a:ext cx="2040666" cy="1209379"/>
+            <a:off x="2651977" y="1613140"/>
+            <a:ext cx="2040667" cy="1209379"/>
           </a:xfrm>
           <a:prstGeom prst="straightConnector1">
             <a:avLst/>
@@ -30451,7 +30459,7 @@
         </p:nvSpPr>
         <p:spPr>
           <a:xfrm>
-            <a:off x="3052439" y="2160874"/>
+            <a:off x="3052439" y="2160876"/>
             <a:ext cx="564292" cy="276999"/>
           </a:xfrm>
           <a:prstGeom prst="rect">
@@ -30491,7 +30499,7 @@
         <p:spPr>
           <a:xfrm flipH="1">
             <a:off x="3734162" y="2980425"/>
-            <a:ext cx="2794350" cy="15088"/>
+            <a:ext cx="2794351" cy="15088"/>
           </a:xfrm>
           <a:prstGeom prst="straightConnector1">
             <a:avLst/>
@@ -30535,8 +30543,8 @@
         </p:nvCxnSpPr>
         <p:spPr>
           <a:xfrm flipH="1">
-            <a:off x="5727588" y="3866533"/>
-            <a:ext cx="809430" cy="332"/>
+            <a:off x="5727589" y="3866534"/>
+            <a:ext cx="809431" cy="332"/>
           </a:xfrm>
           <a:prstGeom prst="straightConnector1">
             <a:avLst/>
@@ -30577,7 +30585,7 @@
         </p:nvSpPr>
         <p:spPr>
           <a:xfrm>
-            <a:off x="6446073" y="2174903"/>
+            <a:off x="6446074" y="2174903"/>
             <a:ext cx="564292" cy="276999"/>
           </a:xfrm>
           <a:prstGeom prst="rect">
@@ -30617,7 +30625,7 @@
         </p:nvCxnSpPr>
         <p:spPr>
           <a:xfrm flipH="1" flipV="1">
-            <a:off x="2651978" y="3168508"/>
+            <a:off x="2651979" y="3168509"/>
             <a:ext cx="14400" cy="1373315"/>
           </a:xfrm>
           <a:prstGeom prst="straightConnector1">
@@ -30659,7 +30667,7 @@
         </p:nvSpPr>
         <p:spPr>
           <a:xfrm>
-            <a:off x="5585112" y="3895898"/>
+            <a:off x="5585113" y="3895900"/>
             <a:ext cx="1077260" cy="276999"/>
           </a:xfrm>
           <a:prstGeom prst="rect">
@@ -30708,7 +30716,7 @@
         </p:blipFill>
         <p:spPr>
           <a:xfrm>
-            <a:off x="1424674" y="5924376"/>
+            <a:off x="1424675" y="5924377"/>
             <a:ext cx="235512" cy="235841"/>
           </a:xfrm>
           <a:prstGeom prst="rect">
@@ -30730,8 +30738,8 @@
         </p:nvSpPr>
         <p:spPr>
           <a:xfrm>
-            <a:off x="2013526" y="5757878"/>
-            <a:ext cx="1327279" cy="598946"/>
+            <a:off x="2013527" y="5757877"/>
+            <a:ext cx="1327279" cy="598947"/>
           </a:xfrm>
           <a:prstGeom prst="roundRect">
             <a:avLst/>
@@ -30816,8 +30824,8 @@
         </p:nvSpPr>
         <p:spPr>
           <a:xfrm>
-            <a:off x="1569793" y="2822518"/>
-            <a:ext cx="2164369" cy="345990"/>
+            <a:off x="1569794" y="2822518"/>
+            <a:ext cx="2164369" cy="345991"/>
           </a:xfrm>
           <a:prstGeom prst="roundRect">
             <a:avLst/>
@@ -30912,8 +30920,8 @@
         </p:nvSpPr>
         <p:spPr>
           <a:xfrm>
-            <a:off x="1704975" y="4541823"/>
-            <a:ext cx="1922805" cy="345990"/>
+            <a:off x="1704976" y="4541823"/>
+            <a:ext cx="1922805" cy="345991"/>
           </a:xfrm>
           <a:prstGeom prst="roundRect">
             <a:avLst/>
@@ -31008,8 +31016,8 @@
         </p:nvGrpSpPr>
         <p:grpSpPr>
           <a:xfrm>
-            <a:off x="3804783" y="3693870"/>
-            <a:ext cx="1922805" cy="345990"/>
+            <a:off x="3804784" y="3693870"/>
+            <a:ext cx="1922805" cy="345991"/>
             <a:chOff x="6813730" y="3983439"/>
             <a:chExt cx="1922805" cy="345990"/>
           </a:xfrm>
@@ -31139,10 +31147,10 @@
         </p:nvGrpSpPr>
         <p:grpSpPr>
           <a:xfrm>
-            <a:off x="4917462" y="3040211"/>
-            <a:ext cx="836236" cy="276999"/>
+            <a:off x="4917469" y="3040213"/>
+            <a:ext cx="836239" cy="276999"/>
             <a:chOff x="7063595" y="2134487"/>
-            <a:chExt cx="836236" cy="276999"/>
+            <a:chExt cx="836238" cy="276999"/>
           </a:xfrm>
         </p:grpSpPr>
         <p:sp>
@@ -31159,8 +31167,8 @@
           </p:nvSpPr>
           <p:spPr>
             <a:xfrm>
-              <a:off x="7133205" y="2134487"/>
-              <a:ext cx="766626" cy="276999"/>
+              <a:off x="7133206" y="2134487"/>
+              <a:ext cx="766627" cy="276999"/>
             </a:xfrm>
             <a:prstGeom prst="rect">
               <a:avLst/>
@@ -31236,7 +31244,7 @@
         <p:spPr>
           <a:xfrm>
             <a:off x="2725225" y="5423490"/>
-            <a:ext cx="213928" cy="232014"/>
+            <a:ext cx="213928" cy="232015"/>
           </a:xfrm>
           <a:prstGeom prst="rect">
             <a:avLst/>
@@ -31257,7 +31265,7 @@
         </p:nvGrpSpPr>
         <p:grpSpPr>
           <a:xfrm>
-            <a:off x="4738499" y="4743372"/>
+            <a:off x="4738501" y="4743372"/>
             <a:ext cx="1933833" cy="461665"/>
             <a:chOff x="5302255" y="2537141"/>
             <a:chExt cx="1933833" cy="461665"/>
@@ -31394,7 +31402,7 @@
         </p:nvSpPr>
         <p:spPr>
           <a:xfrm>
-            <a:off x="1449707" y="398310"/>
+            <a:off x="1449707" y="398312"/>
             <a:ext cx="8075916" cy="4916897"/>
           </a:xfrm>
           <a:prstGeom prst="roundRect">
@@ -31447,7 +31455,7 @@
         </p:nvSpPr>
         <p:spPr>
           <a:xfrm>
-            <a:off x="1736376" y="644257"/>
+            <a:off x="1736378" y="644257"/>
             <a:ext cx="1095813" cy="369332"/>
           </a:xfrm>
           <a:prstGeom prst="rect">
@@ -31490,8 +31498,8 @@
           </p:nvPr>
         </p:nvGraphicFramePr>
         <p:xfrm>
-          <a:off x="4351157" y="1483058"/>
-          <a:ext cx="1338978" cy="228600"/>
+          <a:off x="4351157" y="1483059"/>
+          <a:ext cx="1338978" cy="233680"/>
         </p:xfrm>
         <a:graphic>
           <a:graphicData uri="http://schemas.openxmlformats.org/drawingml/2006/table">
@@ -31543,7 +31551,7 @@
                   </a:extLst>
                 </a:gridCol>
               </a:tblGrid>
-              <a:tr h="122892">
+              <a:tr h="233680">
                 <a:tc>
                   <a:txBody>
                     <a:bodyPr/>
@@ -31904,8 +31912,8 @@
         </p:nvSpPr>
         <p:spPr>
           <a:xfrm>
-            <a:off x="7155003" y="5860744"/>
-            <a:ext cx="1327279" cy="598946"/>
+            <a:off x="7155005" y="5860744"/>
+            <a:ext cx="1327279" cy="598947"/>
           </a:xfrm>
           <a:prstGeom prst="roundRect">
             <a:avLst/>
@@ -31988,7 +31996,7 @@
         </p:nvCxnSpPr>
         <p:spPr>
           <a:xfrm>
-            <a:off x="7803654" y="4765167"/>
+            <a:off x="7803655" y="4765169"/>
             <a:ext cx="14989" cy="1095577"/>
           </a:xfrm>
           <a:prstGeom prst="straightConnector1">
@@ -32034,7 +32042,7 @@
         </p:nvCxnSpPr>
         <p:spPr>
           <a:xfrm flipH="1" flipV="1">
-            <a:off x="2651978" y="3168508"/>
+            <a:off x="2651979" y="3168508"/>
             <a:ext cx="1152805" cy="698357"/>
           </a:xfrm>
           <a:prstGeom prst="straightConnector1">
@@ -32132,7 +32140,7 @@
         </p:nvSpPr>
         <p:spPr>
           <a:xfrm>
-            <a:off x="6788496" y="4207570"/>
+            <a:off x="6788497" y="4207571"/>
             <a:ext cx="2030316" cy="557597"/>
           </a:xfrm>
           <a:prstGeom prst="roundRect">
@@ -32212,10 +32220,10 @@
         </p:nvGrpSpPr>
         <p:grpSpPr>
           <a:xfrm>
-            <a:off x="6728737" y="2996483"/>
+            <a:off x="6728738" y="2996483"/>
             <a:ext cx="2028401" cy="646331"/>
             <a:chOff x="470357" y="910593"/>
-            <a:chExt cx="2028401" cy="646331"/>
+            <a:chExt cx="2028401" cy="646332"/>
           </a:xfrm>
         </p:grpSpPr>
         <p:pic>
@@ -32263,7 +32271,7 @@
           <p:spPr>
             <a:xfrm>
               <a:off x="470357" y="910593"/>
-              <a:ext cx="1921799" cy="646331"/>
+              <a:ext cx="1921798" cy="646332"/>
             </a:xfrm>
             <a:prstGeom prst="rect">
               <a:avLst/>
@@ -32318,7 +32326,7 @@
         </p:nvSpPr>
         <p:spPr>
           <a:xfrm>
-            <a:off x="6788496" y="3443177"/>
+            <a:off x="6788497" y="3443178"/>
             <a:ext cx="2030316" cy="557597"/>
           </a:xfrm>
           <a:prstGeom prst="roundRect">
@@ -32402,8 +32410,8 @@
         </p:nvCxnSpPr>
         <p:spPr>
           <a:xfrm>
-            <a:off x="5690135" y="1597358"/>
-            <a:ext cx="2077204" cy="1209378"/>
+            <a:off x="5690135" y="1599899"/>
+            <a:ext cx="2077204" cy="1206837"/>
           </a:xfrm>
           <a:prstGeom prst="straightConnector1">
             <a:avLst/>
@@ -32444,7 +32452,7 @@
         </p:nvSpPr>
         <p:spPr>
           <a:xfrm>
-            <a:off x="2666377" y="3353836"/>
+            <a:off x="2666378" y="3353837"/>
             <a:ext cx="1922805" cy="276999"/>
           </a:xfrm>
           <a:prstGeom prst="rect">
@@ -32494,7 +32502,7 @@
         <p:spPr>
           <a:xfrm>
             <a:off x="6534149" y="1517678"/>
-            <a:ext cx="2568194" cy="345990"/>
+            <a:ext cx="2568195" cy="345991"/>
           </a:xfrm>
           <a:prstGeom prst="roundRect">
             <a:avLst/>
@@ -32552,7 +32560,7 @@
         </p:nvSpPr>
         <p:spPr>
           <a:xfrm>
-            <a:off x="4006037" y="714703"/>
+            <a:off x="4006037" y="714705"/>
             <a:ext cx="2182992" cy="1930335"/>
           </a:xfrm>
           <a:prstGeom prst="roundRect">
@@ -32615,8 +32623,8 @@
           </p:nvPr>
         </p:nvGraphicFramePr>
         <p:xfrm>
-          <a:off x="4364165" y="2211918"/>
-          <a:ext cx="1338978" cy="228600"/>
+          <a:off x="4364165" y="2211919"/>
+          <a:ext cx="1338978" cy="233680"/>
         </p:xfrm>
         <a:graphic>
           <a:graphicData uri="http://schemas.openxmlformats.org/drawingml/2006/table">
@@ -32668,7 +32676,7 @@
                   </a:extLst>
                 </a:gridCol>
               </a:tblGrid>
-              <a:tr h="122892">
+              <a:tr h="233680">
                 <a:tc>
                   <a:txBody>
                     <a:bodyPr/>
@@ -33029,8 +33037,8 @@
         </p:nvSpPr>
         <p:spPr>
           <a:xfrm>
-            <a:off x="4345028" y="1927024"/>
-            <a:ext cx="1408670" cy="276999"/>
+            <a:off x="4345029" y="1927025"/>
+            <a:ext cx="1408671" cy="276999"/>
           </a:xfrm>
           <a:prstGeom prst="rect">
             <a:avLst/>
@@ -33065,7 +33073,7 @@
         </p:nvSpPr>
         <p:spPr>
           <a:xfrm>
-            <a:off x="4132285" y="892167"/>
+            <a:off x="4132286" y="892167"/>
             <a:ext cx="2164369" cy="369332"/>
           </a:xfrm>
           <a:prstGeom prst="rect">
@@ -33102,7 +33110,7 @@
         </p:nvCxnSpPr>
         <p:spPr>
           <a:xfrm flipV="1">
-            <a:off x="7475469" y="1863668"/>
+            <a:off x="7475469" y="1863669"/>
             <a:ext cx="0" cy="943068"/>
           </a:xfrm>
           <a:prstGeom prst="straightConnector1">
@@ -33146,7 +33154,7 @@
         </p:nvCxnSpPr>
         <p:spPr>
           <a:xfrm>
-            <a:off x="8116134" y="1863668"/>
+            <a:off x="8116135" y="1863669"/>
             <a:ext cx="0" cy="943068"/>
           </a:xfrm>
           <a:prstGeom prst="straightConnector1">
@@ -33190,7 +33198,7 @@
         </p:nvCxnSpPr>
         <p:spPr>
           <a:xfrm flipV="1">
-            <a:off x="4917462" y="1517678"/>
+            <a:off x="4917463" y="1517679"/>
             <a:ext cx="0" cy="808540"/>
           </a:xfrm>
           <a:prstGeom prst="straightConnector1">
@@ -33234,7 +33242,7 @@
         </p:nvCxnSpPr>
         <p:spPr>
           <a:xfrm flipH="1" flipV="1">
-            <a:off x="5572197" y="2343973"/>
+            <a:off x="5572198" y="2343974"/>
             <a:ext cx="1241349" cy="481564"/>
           </a:xfrm>
           <a:prstGeom prst="straightConnector1">
@@ -33309,7 +33317,7 @@
         </p:nvCxnSpPr>
         <p:spPr>
           <a:xfrm>
-            <a:off x="1985186" y="6057351"/>
+            <a:off x="1985187" y="6057351"/>
             <a:ext cx="322256" cy="0"/>
           </a:xfrm>
           <a:prstGeom prst="straightConnector1">
@@ -33355,8 +33363,8 @@
         </p:nvCxnSpPr>
         <p:spPr>
           <a:xfrm flipH="1" flipV="1">
-            <a:off x="2963411" y="4234624"/>
-            <a:ext cx="7671" cy="1523254"/>
+            <a:off x="2963413" y="4234625"/>
+            <a:ext cx="7671" cy="1523255"/>
           </a:xfrm>
           <a:prstGeom prst="straightConnector1">
             <a:avLst/>
@@ -33400,7 +33408,7 @@
         </p:nvCxnSpPr>
         <p:spPr>
           <a:xfrm flipH="1">
-            <a:off x="3924813" y="4061629"/>
+            <a:off x="3924814" y="4061629"/>
             <a:ext cx="2612453" cy="0"/>
           </a:xfrm>
           <a:prstGeom prst="straightConnector1">
@@ -33443,7 +33451,7 @@
         <p:spPr>
           <a:xfrm>
             <a:off x="2094358" y="1812951"/>
-            <a:ext cx="1408670" cy="276999"/>
+            <a:ext cx="1408671" cy="276999"/>
           </a:xfrm>
           <a:prstGeom prst="rect">
             <a:avLst/>
@@ -33489,8 +33497,8 @@
         </p:nvCxnSpPr>
         <p:spPr>
           <a:xfrm flipH="1" flipV="1">
-            <a:off x="2956779" y="2174903"/>
-            <a:ext cx="1" cy="1072158"/>
+            <a:off x="2956781" y="2174903"/>
+            <a:ext cx="1" cy="1072159"/>
           </a:xfrm>
           <a:prstGeom prst="straightConnector1">
             <a:avLst/>
@@ -33534,7 +33542,7 @@
         </p:nvCxnSpPr>
         <p:spPr>
           <a:xfrm flipH="1">
-            <a:off x="4038964" y="3416631"/>
+            <a:off x="4038965" y="3416633"/>
             <a:ext cx="2495185" cy="3425"/>
           </a:xfrm>
           <a:prstGeom prst="straightConnector1">
@@ -33579,7 +33587,7 @@
         </p:nvCxnSpPr>
         <p:spPr>
           <a:xfrm flipH="1">
-            <a:off x="4518339" y="4664294"/>
+            <a:off x="4518340" y="4664295"/>
             <a:ext cx="1997155" cy="0"/>
           </a:xfrm>
           <a:prstGeom prst="straightConnector1">
@@ -33621,7 +33629,7 @@
         </p:nvSpPr>
         <p:spPr>
           <a:xfrm>
-            <a:off x="5023610" y="2185897"/>
+            <a:off x="5023611" y="2185898"/>
             <a:ext cx="564292" cy="276999"/>
           </a:xfrm>
           <a:prstGeom prst="rect">
@@ -33661,7 +33669,7 @@
         </p:nvCxnSpPr>
         <p:spPr>
           <a:xfrm flipH="1" flipV="1">
-            <a:off x="2956780" y="3593051"/>
+            <a:off x="2956782" y="3593053"/>
             <a:ext cx="6631" cy="295583"/>
           </a:xfrm>
           <a:prstGeom prst="straightConnector1">
@@ -33703,7 +33711,7 @@
         </p:nvSpPr>
         <p:spPr>
           <a:xfrm>
-            <a:off x="5155728" y="4364974"/>
+            <a:off x="5155729" y="4364976"/>
             <a:ext cx="1077260" cy="276999"/>
           </a:xfrm>
           <a:prstGeom prst="rect">
@@ -33752,7 +33760,7 @@
         </p:blipFill>
         <p:spPr>
           <a:xfrm>
-            <a:off x="1649953" y="5921248"/>
+            <a:off x="1649953" y="5921249"/>
             <a:ext cx="235512" cy="235841"/>
           </a:xfrm>
           <a:prstGeom prst="rect">
@@ -33774,8 +33782,8 @@
         </p:nvSpPr>
         <p:spPr>
           <a:xfrm>
-            <a:off x="2307442" y="5757878"/>
-            <a:ext cx="1327279" cy="598946"/>
+            <a:off x="2307443" y="5757877"/>
+            <a:ext cx="1327279" cy="598947"/>
           </a:xfrm>
           <a:prstGeom prst="roundRect">
             <a:avLst/>
@@ -33844,8 +33852,8 @@
         </p:nvSpPr>
         <p:spPr>
           <a:xfrm>
-            <a:off x="1874595" y="3247061"/>
-            <a:ext cx="2164369" cy="345990"/>
+            <a:off x="1874597" y="3247062"/>
+            <a:ext cx="2164369" cy="345991"/>
           </a:xfrm>
           <a:prstGeom prst="roundRect">
             <a:avLst/>
@@ -33925,7 +33933,7 @@
         <p:spPr>
           <a:xfrm>
             <a:off x="2002008" y="3888634"/>
-            <a:ext cx="1922805" cy="345990"/>
+            <a:ext cx="1922805" cy="345991"/>
           </a:xfrm>
           <a:prstGeom prst="roundRect">
             <a:avLst/>
@@ -34004,8 +34012,8 @@
         </p:nvGrpSpPr>
         <p:grpSpPr>
           <a:xfrm>
-            <a:off x="3059221" y="4491299"/>
-            <a:ext cx="1459118" cy="345990"/>
+            <a:off x="3059222" y="4491299"/>
+            <a:ext cx="1459119" cy="345991"/>
             <a:chOff x="6813730" y="3983439"/>
             <a:chExt cx="1922805" cy="345990"/>
           </a:xfrm>
@@ -34119,7 +34127,7 @@
         </p:nvGrpSpPr>
         <p:grpSpPr>
           <a:xfrm>
-            <a:off x="4794394" y="3131696"/>
+            <a:off x="4794396" y="3131698"/>
             <a:ext cx="1933825" cy="276999"/>
             <a:chOff x="7133204" y="2134487"/>
             <a:chExt cx="1933825" cy="276999"/>
@@ -34224,7 +34232,7 @@
         <p:spPr>
           <a:xfrm>
             <a:off x="2725225" y="5423490"/>
-            <a:ext cx="213928" cy="232014"/>
+            <a:ext cx="213928" cy="232015"/>
           </a:xfrm>
           <a:prstGeom prst="rect">
             <a:avLst/>
@@ -34245,7 +34253,7 @@
         </p:nvGrpSpPr>
         <p:grpSpPr>
           <a:xfrm>
-            <a:off x="4887249" y="3568303"/>
+            <a:off x="4887250" y="3568304"/>
             <a:ext cx="1933833" cy="461665"/>
             <a:chOff x="5302255" y="2537141"/>
             <a:chExt cx="1933833" cy="461665"/>
@@ -34382,7 +34390,7 @@
         </p:nvSpPr>
         <p:spPr>
           <a:xfrm>
-            <a:off x="1449707" y="800647"/>
+            <a:off x="1449707" y="800649"/>
             <a:ext cx="8075916" cy="4514559"/>
           </a:xfrm>
           <a:prstGeom prst="roundRect">
@@ -34435,7 +34443,7 @@
         </p:nvSpPr>
         <p:spPr>
           <a:xfrm>
-            <a:off x="1777972" y="949795"/>
+            <a:off x="1777974" y="949795"/>
             <a:ext cx="1095813" cy="369332"/>
           </a:xfrm>
           <a:prstGeom prst="rect">
@@ -34479,7 +34487,7 @@
         </p:nvGraphicFramePr>
         <p:xfrm>
           <a:off x="2174928" y="2088584"/>
-          <a:ext cx="1338978" cy="228600"/>
+          <a:ext cx="1338976" cy="233680"/>
         </p:xfrm>
         <a:graphic>
           <a:graphicData uri="http://schemas.openxmlformats.org/drawingml/2006/table">
@@ -34531,7 +34539,7 @@
                   </a:extLst>
                 </a:gridCol>
               </a:tblGrid>
-              <a:tr h="122892">
+              <a:tr h="233680">
                 <a:tc>
                   <a:txBody>
                     <a:bodyPr/>
@@ -34892,8 +34900,8 @@
         </p:nvSpPr>
         <p:spPr>
           <a:xfrm>
-            <a:off x="7155003" y="5860744"/>
-            <a:ext cx="1327279" cy="598946"/>
+            <a:off x="7155005" y="5860744"/>
+            <a:ext cx="1327279" cy="598947"/>
           </a:xfrm>
           <a:prstGeom prst="roundRect">
             <a:avLst/>
@@ -34960,7 +34968,7 @@
         </p:nvCxnSpPr>
         <p:spPr>
           <a:xfrm>
-            <a:off x="7803654" y="4864267"/>
+            <a:off x="7803655" y="4864268"/>
             <a:ext cx="14989" cy="996477"/>
           </a:xfrm>
           <a:prstGeom prst="straightConnector1">
@@ -35002,7 +35010,7 @@
         </p:nvSpPr>
         <p:spPr>
           <a:xfrm>
-            <a:off x="6523833" y="2806736"/>
+            <a:off x="6523833" y="2806737"/>
             <a:ext cx="2487011" cy="2363427"/>
           </a:xfrm>
           <a:prstGeom prst="roundRect">
@@ -35058,7 +35066,7 @@
         </p:nvSpPr>
         <p:spPr>
           <a:xfrm>
-            <a:off x="6788496" y="4306670"/>
+            <a:off x="6788497" y="4306671"/>
             <a:ext cx="2030316" cy="557597"/>
           </a:xfrm>
           <a:prstGeom prst="roundRect">
@@ -35138,7 +35146,7 @@
         </p:nvGrpSpPr>
         <p:grpSpPr>
           <a:xfrm>
-            <a:off x="6728737" y="2996483"/>
+            <a:off x="6728738" y="2996484"/>
             <a:ext cx="2028401" cy="646331"/>
             <a:chOff x="470357" y="910593"/>
             <a:chExt cx="2028401" cy="646331"/>
@@ -35189,7 +35197,7 @@
           <p:spPr>
             <a:xfrm>
               <a:off x="470357" y="910593"/>
-              <a:ext cx="1921799" cy="646331"/>
+              <a:ext cx="1921798" cy="646331"/>
             </a:xfrm>
             <a:prstGeom prst="rect">
               <a:avLst/>
@@ -35319,8 +35327,8 @@
         </p:nvCxnSpPr>
         <p:spPr>
           <a:xfrm>
-            <a:off x="3513906" y="2202884"/>
-            <a:ext cx="3615624" cy="584157"/>
+            <a:off x="3513904" y="2205425"/>
+            <a:ext cx="3615627" cy="581617"/>
           </a:xfrm>
           <a:prstGeom prst="straightConnector1">
             <a:avLst/>
@@ -35362,7 +35370,7 @@
         <p:spPr>
           <a:xfrm>
             <a:off x="6534545" y="1344208"/>
-            <a:ext cx="2568194" cy="837232"/>
+            <a:ext cx="2568195" cy="837232"/>
           </a:xfrm>
           <a:prstGeom prst="roundRect">
             <a:avLst/>
@@ -35420,7 +35428,7 @@
         </p:nvSpPr>
         <p:spPr>
           <a:xfrm>
-            <a:off x="1649954" y="1349834"/>
+            <a:off x="1649955" y="1349835"/>
             <a:ext cx="3047247" cy="3820331"/>
           </a:xfrm>
           <a:prstGeom prst="roundRect">
@@ -35483,8 +35491,8 @@
           </p:nvPr>
         </p:nvGraphicFramePr>
         <p:xfrm>
-          <a:off x="3214438" y="2773870"/>
-          <a:ext cx="1338978" cy="228600"/>
+          <a:off x="3214437" y="2773871"/>
+          <a:ext cx="1338976" cy="233680"/>
         </p:xfrm>
         <a:graphic>
           <a:graphicData uri="http://schemas.openxmlformats.org/drawingml/2006/table">
@@ -35536,7 +35544,7 @@
                   </a:extLst>
                 </a:gridCol>
               </a:tblGrid>
-              <a:tr h="122892">
+              <a:tr h="233680">
                 <a:tc>
                   <a:txBody>
                     <a:bodyPr/>
@@ -35897,8 +35905,8 @@
         </p:nvSpPr>
         <p:spPr>
           <a:xfrm>
-            <a:off x="3181015" y="2490604"/>
-            <a:ext cx="1408670" cy="276999"/>
+            <a:off x="3181015" y="2490605"/>
+            <a:ext cx="1408671" cy="276999"/>
           </a:xfrm>
           <a:prstGeom prst="rect">
             <a:avLst/>
@@ -35933,7 +35941,7 @@
         </p:nvSpPr>
         <p:spPr>
           <a:xfrm>
-            <a:off x="1856968" y="1466194"/>
+            <a:off x="1856969" y="1466194"/>
             <a:ext cx="2164369" cy="369332"/>
           </a:xfrm>
           <a:prstGeom prst="rect">
@@ -35970,7 +35978,7 @@
         </p:nvCxnSpPr>
         <p:spPr>
           <a:xfrm flipV="1">
-            <a:off x="7475469" y="2174903"/>
+            <a:off x="7475469" y="2174905"/>
             <a:ext cx="0" cy="631833"/>
           </a:xfrm>
           <a:prstGeom prst="straightConnector1">
@@ -36014,7 +36022,7 @@
         </p:nvCxnSpPr>
         <p:spPr>
           <a:xfrm>
-            <a:off x="8116134" y="2174903"/>
+            <a:off x="8116135" y="2174905"/>
             <a:ext cx="0" cy="631833"/>
           </a:xfrm>
           <a:prstGeom prst="straightConnector1">
@@ -36059,8 +36067,8 @@
         </p:nvCxnSpPr>
         <p:spPr>
           <a:xfrm flipH="1" flipV="1">
-            <a:off x="2491209" y="2174903"/>
-            <a:ext cx="723229" cy="713267"/>
+            <a:off x="2491210" y="2174905"/>
+            <a:ext cx="723228" cy="715807"/>
           </a:xfrm>
           <a:prstGeom prst="straightConnector1">
             <a:avLst/>
@@ -36103,8 +36111,8 @@
         </p:nvCxnSpPr>
         <p:spPr>
           <a:xfrm flipV="1">
-            <a:off x="4448604" y="2858312"/>
-            <a:ext cx="2094" cy="1193858"/>
+            <a:off x="4448605" y="2858312"/>
+            <a:ext cx="2095" cy="1193859"/>
           </a:xfrm>
           <a:prstGeom prst="straightConnector1">
             <a:avLst/>
@@ -36147,8 +36155,8 @@
         </p:nvCxnSpPr>
         <p:spPr>
           <a:xfrm rot="10800000" flipV="1">
-            <a:off x="4563041" y="4671539"/>
-            <a:ext cx="858574" cy="343320"/>
+            <a:off x="4563042" y="4671539"/>
+            <a:ext cx="858575" cy="343320"/>
           </a:xfrm>
           <a:prstGeom prst="bentConnector3">
             <a:avLst>
@@ -36224,7 +36232,7 @@
         </p:nvCxnSpPr>
         <p:spPr>
           <a:xfrm>
-            <a:off x="1636843" y="6057351"/>
+            <a:off x="2654372" y="5871721"/>
             <a:ext cx="322256" cy="0"/>
           </a:xfrm>
           <a:prstGeom prst="straightConnector1">
@@ -36270,8 +36278,8 @@
         </p:nvCxnSpPr>
         <p:spPr>
           <a:xfrm flipH="1" flipV="1">
-            <a:off x="2610070" y="4920424"/>
-            <a:ext cx="12669" cy="837454"/>
+            <a:off x="3627600" y="4734794"/>
+            <a:ext cx="12669" cy="837455"/>
           </a:xfrm>
           <a:prstGeom prst="straightConnector1">
             <a:avLst/>
@@ -36315,7 +36323,7 @@
         </p:nvCxnSpPr>
         <p:spPr>
           <a:xfrm flipH="1">
-            <a:off x="3599133" y="4747429"/>
+            <a:off x="4616663" y="4561799"/>
             <a:ext cx="2848328" cy="0"/>
           </a:xfrm>
           <a:prstGeom prst="straightConnector1">
@@ -36357,8 +36365,8 @@
         </p:nvSpPr>
         <p:spPr>
           <a:xfrm>
-            <a:off x="1746015" y="2117750"/>
-            <a:ext cx="1408670" cy="307777"/>
+            <a:off x="2763545" y="1932120"/>
+            <a:ext cx="1408671" cy="307777"/>
           </a:xfrm>
           <a:prstGeom prst="rect">
             <a:avLst/>
@@ -36404,8 +36412,8 @@
         </p:nvCxnSpPr>
         <p:spPr>
           <a:xfrm flipH="1" flipV="1">
-            <a:off x="1959099" y="2490819"/>
-            <a:ext cx="643873" cy="1442042"/>
+            <a:off x="2976629" y="2305189"/>
+            <a:ext cx="643873" cy="1442043"/>
           </a:xfrm>
           <a:prstGeom prst="straightConnector1">
             <a:avLst/>
@@ -36449,7 +36457,7 @@
         </p:nvCxnSpPr>
         <p:spPr>
           <a:xfrm flipH="1">
-            <a:off x="3581717" y="4105856"/>
+            <a:off x="4599247" y="3920227"/>
             <a:ext cx="2865744" cy="0"/>
           </a:xfrm>
           <a:prstGeom prst="straightConnector1">
@@ -36493,7 +36501,7 @@
         </p:nvCxnSpPr>
         <p:spPr>
           <a:xfrm flipH="1">
-            <a:off x="4518339" y="2977007"/>
+            <a:off x="5535870" y="2791377"/>
             <a:ext cx="1941191" cy="0"/>
           </a:xfrm>
           <a:prstGeom prst="straightConnector1">
@@ -36535,7 +36543,7 @@
         </p:nvSpPr>
         <p:spPr>
           <a:xfrm>
-            <a:off x="5287209" y="2257848"/>
+            <a:off x="6304739" y="2072219"/>
             <a:ext cx="564292" cy="307777"/>
           </a:xfrm>
           <a:prstGeom prst="rect">
@@ -36575,8 +36583,8 @@
         </p:nvCxnSpPr>
         <p:spPr>
           <a:xfrm flipH="1" flipV="1">
-            <a:off x="2602972" y="4278851"/>
-            <a:ext cx="7098" cy="295583"/>
+            <a:off x="3620501" y="4093222"/>
+            <a:ext cx="7099" cy="295583"/>
           </a:xfrm>
           <a:prstGeom prst="straightConnector1">
             <a:avLst/>
@@ -36617,7 +36625,7 @@
         </p:nvSpPr>
         <p:spPr>
           <a:xfrm>
-            <a:off x="5094330" y="2717013"/>
+            <a:off x="6111859" y="2531383"/>
             <a:ext cx="1077260" cy="307777"/>
           </a:xfrm>
           <a:prstGeom prst="rect">
@@ -36666,7 +36674,7 @@
         </p:blipFill>
         <p:spPr>
           <a:xfrm>
-            <a:off x="1320626" y="5924376"/>
+            <a:off x="2338155" y="5738748"/>
             <a:ext cx="235512" cy="235841"/>
           </a:xfrm>
           <a:prstGeom prst="rect">
@@ -36688,8 +36696,8 @@
         </p:nvSpPr>
         <p:spPr>
           <a:xfrm>
-            <a:off x="1959099" y="5757878"/>
-            <a:ext cx="1327279" cy="598946"/>
+            <a:off x="2976630" y="5572248"/>
+            <a:ext cx="1327279" cy="598947"/>
           </a:xfrm>
           <a:prstGeom prst="roundRect">
             <a:avLst/>
@@ -36758,8 +36766,8 @@
         </p:nvSpPr>
         <p:spPr>
           <a:xfrm>
-            <a:off x="1624226" y="3932861"/>
-            <a:ext cx="1957491" cy="345990"/>
+            <a:off x="2641756" y="3747231"/>
+            <a:ext cx="1957491" cy="345991"/>
           </a:xfrm>
           <a:prstGeom prst="roundRect">
             <a:avLst/>
@@ -36838,8 +36846,8 @@
         </p:nvSpPr>
         <p:spPr>
           <a:xfrm>
-            <a:off x="1621007" y="4574434"/>
-            <a:ext cx="1978126" cy="345990"/>
+            <a:off x="2638537" y="4388805"/>
+            <a:ext cx="1978127" cy="345991"/>
           </a:xfrm>
           <a:prstGeom prst="roundRect">
             <a:avLst/>
@@ -36918,8 +36926,8 @@
         </p:nvSpPr>
         <p:spPr>
           <a:xfrm>
-            <a:off x="2725225" y="2804012"/>
-            <a:ext cx="1793115" cy="345990"/>
+            <a:off x="3742755" y="2618382"/>
+            <a:ext cx="1793115" cy="345991"/>
           </a:xfrm>
           <a:prstGeom prst="roundRect">
             <a:avLst/>
@@ -36977,8 +36985,8 @@
         </p:nvGrpSpPr>
         <p:grpSpPr>
           <a:xfrm>
-            <a:off x="5041527" y="3790280"/>
-            <a:ext cx="941094" cy="307777"/>
+            <a:off x="6059057" y="3604650"/>
+            <a:ext cx="941095" cy="307777"/>
             <a:chOff x="7173508" y="2107271"/>
             <a:chExt cx="941094" cy="307777"/>
           </a:xfrm>
@@ -37073,8 +37081,8 @@
         </p:blipFill>
         <p:spPr>
           <a:xfrm>
-            <a:off x="2701475" y="5459115"/>
-            <a:ext cx="213928" cy="232014"/>
+            <a:off x="3719004" y="5273486"/>
+            <a:ext cx="213928" cy="232015"/>
           </a:xfrm>
           <a:prstGeom prst="rect">
             <a:avLst/>
@@ -37095,7 +37103,7 @@
         </p:nvGrpSpPr>
         <p:grpSpPr>
           <a:xfrm>
-            <a:off x="4709012" y="4230459"/>
+            <a:off x="5726542" y="4044827"/>
             <a:ext cx="1933833" cy="523220"/>
             <a:chOff x="5361524" y="2477872"/>
             <a:chExt cx="1933833" cy="523220"/>
@@ -37236,7 +37244,7 @@
         </p:nvSpPr>
         <p:spPr>
           <a:xfrm>
-            <a:off x="1091331" y="1100121"/>
+            <a:off x="2108860" y="914492"/>
             <a:ext cx="8118173" cy="4262997"/>
           </a:xfrm>
           <a:prstGeom prst="roundRect">
@@ -37291,7 +37299,7 @@
         </p:nvSpPr>
         <p:spPr>
           <a:xfrm>
-            <a:off x="1509796" y="1174695"/>
+            <a:off x="2527326" y="989065"/>
             <a:ext cx="731995" cy="369332"/>
           </a:xfrm>
           <a:prstGeom prst="rect">
@@ -37327,14 +37335,14 @@
           <p:nvPr>
             <p:extLst>
               <p:ext uri="{D42A27DB-BD31-4B8C-83A1-F6EECF244321}">
-                <p14:modId xmlns:p14="http://schemas.microsoft.com/office/powerpoint/2010/main" val="1905805379"/>
+                <p14:modId xmlns:p14="http://schemas.microsoft.com/office/powerpoint/2010/main" val="3571815874"/>
               </p:ext>
             </p:extLst>
           </p:nvPr>
         </p:nvGraphicFramePr>
         <p:xfrm>
-          <a:off x="1826585" y="2393383"/>
-          <a:ext cx="1338978" cy="228600"/>
+          <a:off x="2844113" y="2207753"/>
+          <a:ext cx="1338976" cy="233680"/>
         </p:xfrm>
         <a:graphic>
           <a:graphicData uri="http://schemas.openxmlformats.org/drawingml/2006/table">
@@ -37386,7 +37394,7 @@
                   </a:extLst>
                 </a:gridCol>
               </a:tblGrid>
-              <a:tr h="122892">
+              <a:tr h="233680">
                 <a:tc>
                   <a:txBody>
                     <a:bodyPr/>
@@ -37747,8 +37755,8 @@
         </p:nvSpPr>
         <p:spPr>
           <a:xfrm>
-            <a:off x="7067919" y="5860744"/>
-            <a:ext cx="1327279" cy="598946"/>
+            <a:off x="8085450" y="5675113"/>
+            <a:ext cx="1327279" cy="598947"/>
           </a:xfrm>
           <a:prstGeom prst="roundRect">
             <a:avLst/>
@@ -37815,7 +37823,7 @@
         </p:nvCxnSpPr>
         <p:spPr>
           <a:xfrm>
-            <a:off x="7716570" y="4864267"/>
+            <a:off x="8734100" y="4678638"/>
             <a:ext cx="14989" cy="996477"/>
           </a:xfrm>
           <a:prstGeom prst="straightConnector1">
@@ -37857,7 +37865,7 @@
         </p:nvSpPr>
         <p:spPr>
           <a:xfrm>
-            <a:off x="6436749" y="1618597"/>
+            <a:off x="7454279" y="1432968"/>
             <a:ext cx="2487011" cy="3551565"/>
           </a:xfrm>
           <a:prstGeom prst="roundRect">
@@ -37915,7 +37923,7 @@
         </p:nvSpPr>
         <p:spPr>
           <a:xfrm>
-            <a:off x="6701412" y="4306670"/>
+            <a:off x="7718942" y="4121040"/>
             <a:ext cx="2030316" cy="557597"/>
           </a:xfrm>
           <a:prstGeom prst="roundRect">
@@ -37995,7 +38003,7 @@
         </p:nvGrpSpPr>
         <p:grpSpPr>
           <a:xfrm>
-            <a:off x="6630346" y="1708739"/>
+            <a:off x="7647877" y="1523109"/>
             <a:ext cx="1921799" cy="646331"/>
             <a:chOff x="544909" y="955479"/>
             <a:chExt cx="1921799" cy="646331"/>
@@ -38093,7 +38101,7 @@
         </p:nvSpPr>
         <p:spPr>
           <a:xfrm>
-            <a:off x="6716400" y="3553479"/>
+            <a:off x="7733930" y="3367850"/>
             <a:ext cx="2030316" cy="557597"/>
           </a:xfrm>
           <a:prstGeom prst="roundRect">
@@ -38177,8 +38185,8 @@
         </p:nvCxnSpPr>
         <p:spPr>
           <a:xfrm>
-            <a:off x="3165563" y="2507683"/>
-            <a:ext cx="3630076" cy="13881"/>
+            <a:off x="4183090" y="2324594"/>
+            <a:ext cx="3630079" cy="13881"/>
           </a:xfrm>
           <a:prstGeom prst="straightConnector1">
             <a:avLst/>
@@ -38219,7 +38227,7 @@
         </p:nvSpPr>
         <p:spPr>
           <a:xfrm>
-            <a:off x="1320626" y="1618600"/>
+            <a:off x="2338157" y="1432971"/>
             <a:ext cx="3376575" cy="3551565"/>
           </a:xfrm>
           <a:prstGeom prst="roundRect">
@@ -38278,14 +38286,14 @@
           <p:nvPr>
             <p:extLst>
               <p:ext uri="{D42A27DB-BD31-4B8C-83A1-F6EECF244321}">
-                <p14:modId xmlns:p14="http://schemas.microsoft.com/office/powerpoint/2010/main" val="2567336478"/>
+                <p14:modId xmlns:p14="http://schemas.microsoft.com/office/powerpoint/2010/main" val="2902207881"/>
               </p:ext>
             </p:extLst>
           </p:nvPr>
         </p:nvGraphicFramePr>
         <p:xfrm>
-          <a:off x="3137682" y="3492040"/>
-          <a:ext cx="1338978" cy="228600"/>
+          <a:off x="4155211" y="3306411"/>
+          <a:ext cx="1338976" cy="233680"/>
         </p:xfrm>
         <a:graphic>
           <a:graphicData uri="http://schemas.openxmlformats.org/drawingml/2006/table">
@@ -38337,7 +38345,7 @@
                   </a:extLst>
                 </a:gridCol>
               </a:tblGrid>
-              <a:tr h="122892">
+              <a:tr h="233680">
                 <a:tc>
                   <a:txBody>
                     <a:bodyPr/>
@@ -38698,8 +38706,8 @@
         </p:nvSpPr>
         <p:spPr>
           <a:xfrm>
-            <a:off x="3075024" y="3219437"/>
-            <a:ext cx="1408670" cy="307777"/>
+            <a:off x="4092554" y="3033807"/>
+            <a:ext cx="1408671" cy="307777"/>
           </a:xfrm>
           <a:prstGeom prst="rect">
             <a:avLst/>
@@ -38734,7 +38742,7 @@
         </p:nvSpPr>
         <p:spPr>
           <a:xfrm>
-            <a:off x="1636843" y="1707207"/>
+            <a:off x="2654373" y="1521578"/>
             <a:ext cx="2164369" cy="369332"/>
           </a:xfrm>
           <a:prstGeom prst="rect">
@@ -38772,8 +38780,8 @@
         </p:nvCxnSpPr>
         <p:spPr>
           <a:xfrm flipH="1" flipV="1">
-            <a:off x="2093895" y="2490819"/>
-            <a:ext cx="1043787" cy="1115521"/>
+            <a:off x="3111426" y="2305190"/>
+            <a:ext cx="1043785" cy="1118061"/>
           </a:xfrm>
           <a:prstGeom prst="straightConnector1">
             <a:avLst/>
@@ -38816,7 +38824,7 @@
         </p:nvCxnSpPr>
         <p:spPr>
           <a:xfrm flipH="1" flipV="1">
-            <a:off x="4135575" y="3526118"/>
+            <a:off x="5153106" y="3340489"/>
             <a:ext cx="4127" cy="1211412"/>
           </a:xfrm>
           <a:prstGeom prst="straightConnector1">
@@ -38860,8 +38868,8 @@
         </p:nvCxnSpPr>
         <p:spPr>
           <a:xfrm rot="10800000" flipV="1">
-            <a:off x="4694529" y="2977938"/>
-            <a:ext cx="690510" cy="300012"/>
+            <a:off x="5712058" y="2792309"/>
+            <a:ext cx="690511" cy="300012"/>
           </a:xfrm>
           <a:prstGeom prst="bentConnector3">
             <a:avLst>
@@ -38912,7 +38920,7 @@
         </p:blipFill>
         <p:spPr>
           <a:xfrm>
-            <a:off x="3346743" y="1757340"/>
+            <a:off x="4364273" y="1571711"/>
             <a:ext cx="339875" cy="292815"/>
           </a:xfrm>
           <a:prstGeom prst="rect">
@@ -38934,7 +38942,7 @@
         </p:nvSpPr>
         <p:spPr>
           <a:xfrm>
-            <a:off x="6715069" y="2786449"/>
+            <a:off x="7732599" y="2600820"/>
             <a:ext cx="2030316" cy="557597"/>
           </a:xfrm>
           <a:prstGeom prst="roundRect">
@@ -38993,8 +39001,8 @@
         </p:nvSpPr>
         <p:spPr>
           <a:xfrm>
-            <a:off x="6715069" y="2131631"/>
-            <a:ext cx="1408670" cy="307777"/>
+            <a:off x="7732598" y="1946001"/>
+            <a:ext cx="1408671" cy="307777"/>
           </a:xfrm>
           <a:prstGeom prst="rect">
             <a:avLst/>
@@ -39038,14 +39046,14 @@
           <p:nvPr>
             <p:extLst>
               <p:ext uri="{D42A27DB-BD31-4B8C-83A1-F6EECF244321}">
-                <p14:modId xmlns:p14="http://schemas.microsoft.com/office/powerpoint/2010/main" val="2882140984"/>
+                <p14:modId xmlns:p14="http://schemas.microsoft.com/office/powerpoint/2010/main" val="1556634016"/>
               </p:ext>
             </p:extLst>
           </p:nvPr>
         </p:nvGraphicFramePr>
         <p:xfrm>
-          <a:off x="6795639" y="2407264"/>
-          <a:ext cx="1338978" cy="228600"/>
+          <a:off x="7813168" y="2221635"/>
+          <a:ext cx="1338976" cy="233680"/>
         </p:xfrm>
         <a:graphic>
           <a:graphicData uri="http://schemas.openxmlformats.org/drawingml/2006/table">
@@ -39097,7 +39105,7 @@
                   </a:extLst>
                 </a:gridCol>
               </a:tblGrid>
-              <a:tr h="122892">
+              <a:tr h="233680">
                 <a:tc>
                   <a:txBody>
                     <a:bodyPr/>
@@ -39535,8 +39543,8 @@
         </p:nvCxnSpPr>
         <p:spPr>
           <a:xfrm flipH="1" flipV="1">
-            <a:off x="238909" y="4486368"/>
-            <a:ext cx="115512" cy="1960958"/>
+            <a:off x="238909" y="4486369"/>
+            <a:ext cx="115512" cy="1960959"/>
           </a:xfrm>
           <a:prstGeom prst="straightConnector1">
             <a:avLst/>
@@ -39580,8 +39588,8 @@
         </p:nvCxnSpPr>
         <p:spPr>
           <a:xfrm flipH="1">
-            <a:off x="4081969" y="4482282"/>
-            <a:ext cx="2472564" cy="1030"/>
+            <a:off x="4081970" y="4482282"/>
+            <a:ext cx="2472564" cy="1031"/>
           </a:xfrm>
           <a:prstGeom prst="straightConnector1">
             <a:avLst/>
@@ -39622,8 +39630,8 @@
         </p:nvSpPr>
         <p:spPr>
           <a:xfrm>
-            <a:off x="2258380" y="1381400"/>
-            <a:ext cx="1408670" cy="276999"/>
+            <a:off x="2258381" y="1381401"/>
+            <a:ext cx="1408671" cy="276999"/>
           </a:xfrm>
           <a:prstGeom prst="rect">
             <a:avLst/>
@@ -39666,7 +39674,7 @@
         </p:nvSpPr>
         <p:spPr>
           <a:xfrm>
-            <a:off x="131802" y="3444976"/>
+            <a:off x="131803" y="3444977"/>
             <a:ext cx="564292" cy="276999"/>
           </a:xfrm>
           <a:prstGeom prst="rect">
@@ -39705,7 +39713,7 @@
         <p:spPr>
           <a:xfrm flipH="1">
             <a:off x="4831302" y="3429345"/>
-            <a:ext cx="1708054" cy="13832"/>
+            <a:ext cx="1708055" cy="13832"/>
           </a:xfrm>
           <a:prstGeom prst="straightConnector1">
             <a:avLst/>
@@ -39750,7 +39758,7 @@
         </p:nvCxnSpPr>
         <p:spPr>
           <a:xfrm flipH="1">
-            <a:off x="4551896" y="3926046"/>
+            <a:off x="4551897" y="3926047"/>
             <a:ext cx="1986385" cy="1900"/>
           </a:xfrm>
           <a:prstGeom prst="straightConnector1">
@@ -39792,7 +39800,7 @@
         </p:nvSpPr>
         <p:spPr>
           <a:xfrm>
-            <a:off x="5412796" y="2201683"/>
+            <a:off x="5412797" y="2201683"/>
             <a:ext cx="564292" cy="276999"/>
           </a:xfrm>
           <a:prstGeom prst="rect">
@@ -39828,7 +39836,7 @@
         </p:nvSpPr>
         <p:spPr>
           <a:xfrm>
-            <a:off x="5136458" y="4209369"/>
+            <a:off x="5136459" y="4209370"/>
             <a:ext cx="1077260" cy="276999"/>
           </a:xfrm>
           <a:prstGeom prst="rect">
@@ -39877,7 +39885,7 @@
         </p:blipFill>
         <p:spPr>
           <a:xfrm>
-            <a:off x="1566188" y="5924376"/>
+            <a:off x="1566188" y="5924377"/>
             <a:ext cx="235512" cy="235841"/>
           </a:xfrm>
           <a:prstGeom prst="rect">
@@ -39899,8 +39907,8 @@
         </p:nvSpPr>
         <p:spPr>
           <a:xfrm>
-            <a:off x="2339771" y="5760707"/>
-            <a:ext cx="1327279" cy="598946"/>
+            <a:off x="2339773" y="5760707"/>
+            <a:ext cx="1327279" cy="598947"/>
           </a:xfrm>
           <a:prstGeom prst="roundRect">
             <a:avLst/>
@@ -39970,7 +39978,7 @@
         <p:spPr>
           <a:xfrm>
             <a:off x="1895981" y="3754951"/>
-            <a:ext cx="2655915" cy="345990"/>
+            <a:ext cx="2655915" cy="345991"/>
           </a:xfrm>
           <a:prstGeom prst="roundRect">
             <a:avLst/>
@@ -40049,8 +40057,8 @@
         </p:nvGrpSpPr>
         <p:grpSpPr>
           <a:xfrm>
-            <a:off x="2375300" y="4310317"/>
-            <a:ext cx="1706669" cy="345990"/>
+            <a:off x="2375300" y="4310318"/>
+            <a:ext cx="1706669" cy="345991"/>
             <a:chOff x="6813730" y="3983439"/>
             <a:chExt cx="1922805" cy="345990"/>
           </a:xfrm>
@@ -40164,8 +40172,8 @@
         </p:nvGrpSpPr>
         <p:grpSpPr>
           <a:xfrm>
-            <a:off x="4877443" y="3126991"/>
-            <a:ext cx="2182222" cy="276999"/>
+            <a:off x="4877443" y="3126993"/>
+            <a:ext cx="2182223" cy="276999"/>
             <a:chOff x="7063595" y="2123733"/>
             <a:chExt cx="2182222" cy="276999"/>
           </a:xfrm>
@@ -40268,7 +40276,7 @@
         <p:spPr>
           <a:xfrm>
             <a:off x="3107963" y="5412014"/>
-            <a:ext cx="213928" cy="232014"/>
+            <a:ext cx="213928" cy="232015"/>
           </a:xfrm>
           <a:prstGeom prst="rect">
             <a:avLst/>
@@ -40289,7 +40297,7 @@
         </p:nvGrpSpPr>
         <p:grpSpPr>
           <a:xfrm>
-            <a:off x="4862534" y="3635093"/>
+            <a:off x="4862536" y="3635094"/>
             <a:ext cx="1933833" cy="276999"/>
             <a:chOff x="4829876" y="3537121"/>
             <a:chExt cx="1933833" cy="276999"/>
@@ -40393,7 +40401,7 @@
         </p:blipFill>
         <p:spPr>
           <a:xfrm>
-            <a:off x="5018238" y="5937506"/>
+            <a:off x="5018239" y="5937507"/>
             <a:ext cx="150316" cy="167181"/>
           </a:xfrm>
           <a:prstGeom prst="rect">
@@ -40415,7 +40423,7 @@
         </p:nvSpPr>
         <p:spPr>
           <a:xfrm>
-            <a:off x="1449707" y="398310"/>
+            <a:off x="1449707" y="398312"/>
             <a:ext cx="8075916" cy="4916897"/>
           </a:xfrm>
           <a:prstGeom prst="roundRect">
@@ -40468,7 +40476,7 @@
         </p:nvSpPr>
         <p:spPr>
           <a:xfrm>
-            <a:off x="2013526" y="514614"/>
+            <a:off x="2013527" y="514613"/>
             <a:ext cx="1095813" cy="369332"/>
           </a:xfrm>
           <a:prstGeom prst="rect">
@@ -40511,8 +40519,8 @@
           </p:nvPr>
         </p:nvGraphicFramePr>
         <p:xfrm>
-          <a:off x="2382950" y="1657317"/>
-          <a:ext cx="1338978" cy="228600"/>
+          <a:off x="2382949" y="1657317"/>
+          <a:ext cx="1338976" cy="233680"/>
         </p:xfrm>
         <a:graphic>
           <a:graphicData uri="http://schemas.openxmlformats.org/drawingml/2006/table">
@@ -40564,7 +40572,7 @@
                   </a:extLst>
                 </a:gridCol>
               </a:tblGrid>
-              <a:tr h="122892">
+              <a:tr h="233680">
                 <a:tc>
                   <a:txBody>
                     <a:bodyPr/>
@@ -40925,8 +40933,8 @@
         </p:nvSpPr>
         <p:spPr>
           <a:xfrm>
-            <a:off x="7155003" y="5860744"/>
-            <a:ext cx="1327279" cy="598946"/>
+            <a:off x="7155005" y="5860744"/>
+            <a:ext cx="1327279" cy="598947"/>
           </a:xfrm>
           <a:prstGeom prst="roundRect">
             <a:avLst/>
@@ -40993,7 +41001,7 @@
         </p:nvCxnSpPr>
         <p:spPr>
           <a:xfrm>
-            <a:off x="7803654" y="4765167"/>
+            <a:off x="7803655" y="4765169"/>
             <a:ext cx="14989" cy="1095577"/>
           </a:xfrm>
           <a:prstGeom prst="straightConnector1">
@@ -41037,7 +41045,7 @@
         </p:nvCxnSpPr>
         <p:spPr>
           <a:xfrm flipH="1" flipV="1">
-            <a:off x="2891254" y="1768924"/>
+            <a:off x="2891255" y="1768925"/>
             <a:ext cx="1960349" cy="1697825"/>
           </a:xfrm>
           <a:prstGeom prst="straightConnector1">
@@ -41079,7 +41087,7 @@
         </p:nvSpPr>
         <p:spPr>
           <a:xfrm>
-            <a:off x="6538281" y="2836726"/>
+            <a:off x="6538282" y="2836727"/>
             <a:ext cx="2472564" cy="2178639"/>
           </a:xfrm>
           <a:prstGeom prst="roundRect">
@@ -41135,7 +41143,7 @@
         </p:nvSpPr>
         <p:spPr>
           <a:xfrm>
-            <a:off x="6788496" y="4207570"/>
+            <a:off x="6788497" y="4207571"/>
             <a:ext cx="2030316" cy="557597"/>
           </a:xfrm>
           <a:prstGeom prst="roundRect">
@@ -41215,7 +41223,7 @@
         </p:nvGrpSpPr>
         <p:grpSpPr>
           <a:xfrm>
-            <a:off x="6728737" y="2996483"/>
+            <a:off x="6728738" y="2996484"/>
             <a:ext cx="1921799" cy="646331"/>
             <a:chOff x="470357" y="910593"/>
             <a:chExt cx="1921799" cy="646331"/>
@@ -41313,7 +41321,7 @@
         </p:nvSpPr>
         <p:spPr>
           <a:xfrm>
-            <a:off x="6788496" y="3443177"/>
+            <a:off x="6788497" y="3443178"/>
             <a:ext cx="2030316" cy="557597"/>
           </a:xfrm>
           <a:prstGeom prst="roundRect">
@@ -41395,8 +41403,8 @@
         </p:nvCxnSpPr>
         <p:spPr>
           <a:xfrm>
-            <a:off x="3721928" y="1760892"/>
-            <a:ext cx="2984718" cy="1127275"/>
+            <a:off x="3721929" y="1760893"/>
+            <a:ext cx="2984719" cy="1127275"/>
           </a:xfrm>
           <a:prstGeom prst="straightConnector1">
             <a:avLst/>
@@ -41437,7 +41445,7 @@
         </p:nvSpPr>
         <p:spPr>
           <a:xfrm>
-            <a:off x="1253211" y="3060484"/>
+            <a:off x="1253212" y="3060485"/>
             <a:ext cx="1922805" cy="276999"/>
           </a:xfrm>
           <a:prstGeom prst="rect">
@@ -41486,7 +41494,7 @@
         </p:nvSpPr>
         <p:spPr>
           <a:xfrm>
-            <a:off x="6538281" y="1039293"/>
+            <a:off x="6538282" y="1039294"/>
             <a:ext cx="2472565" cy="850495"/>
           </a:xfrm>
           <a:prstGeom prst="roundRect">
@@ -41545,7 +41553,7 @@
         </p:nvSpPr>
         <p:spPr>
           <a:xfrm>
-            <a:off x="1649954" y="1000250"/>
+            <a:off x="1649955" y="1000251"/>
             <a:ext cx="3181348" cy="4009823"/>
           </a:xfrm>
           <a:prstGeom prst="roundRect">
@@ -41608,8 +41616,8 @@
           </p:nvPr>
         </p:nvGraphicFramePr>
         <p:xfrm>
-          <a:off x="2382950" y="2626832"/>
-          <a:ext cx="1338978" cy="228600"/>
+          <a:off x="2382949" y="2626832"/>
+          <a:ext cx="1338976" cy="233680"/>
         </p:xfrm>
         <a:graphic>
           <a:graphicData uri="http://schemas.openxmlformats.org/drawingml/2006/table">
@@ -41661,7 +41669,7 @@
                   </a:extLst>
                 </a:gridCol>
               </a:tblGrid>
-              <a:tr h="122892">
+              <a:tr h="233680">
                 <a:tc>
                   <a:txBody>
                     <a:bodyPr/>
@@ -42022,8 +42030,8 @@
         </p:nvSpPr>
         <p:spPr>
           <a:xfrm>
-            <a:off x="2321487" y="2370789"/>
-            <a:ext cx="1408670" cy="276999"/>
+            <a:off x="2321487" y="2370790"/>
+            <a:ext cx="1408671" cy="276999"/>
           </a:xfrm>
           <a:prstGeom prst="rect">
             <a:avLst/>
@@ -42058,7 +42066,7 @@
         </p:nvSpPr>
         <p:spPr>
           <a:xfrm>
-            <a:off x="2003998" y="1077625"/>
+            <a:off x="2004000" y="1077626"/>
             <a:ext cx="2164369" cy="369332"/>
           </a:xfrm>
           <a:prstGeom prst="rect">
@@ -42095,7 +42103,7 @@
         </p:nvCxnSpPr>
         <p:spPr>
           <a:xfrm flipV="1">
-            <a:off x="7475469" y="1896326"/>
+            <a:off x="7475469" y="1896327"/>
             <a:ext cx="0" cy="943068"/>
           </a:xfrm>
           <a:prstGeom prst="straightConnector1">
@@ -42139,7 +42147,7 @@
         </p:nvCxnSpPr>
         <p:spPr>
           <a:xfrm>
-            <a:off x="8116134" y="1896326"/>
+            <a:off x="8116135" y="1896327"/>
             <a:ext cx="0" cy="943068"/>
           </a:xfrm>
           <a:prstGeom prst="straightConnector1">
@@ -42183,8 +42191,8 @@
         </p:nvCxnSpPr>
         <p:spPr>
           <a:xfrm flipH="1" flipV="1">
-            <a:off x="3352852" y="1750732"/>
-            <a:ext cx="26" cy="2004219"/>
+            <a:off x="3352852" y="1750733"/>
+            <a:ext cx="27" cy="2004219"/>
           </a:xfrm>
           <a:prstGeom prst="straightConnector1">
             <a:avLst/>
@@ -42241,14 +42249,14 @@
           <a:p>
             <a:pPr algn="ctr"/>
             <a:r>
-              <a:rPr lang="zh-CN" altLang="en-US" sz="1800" dirty="0"/>
+              <a:rPr lang="zh-CN" altLang="en-US" dirty="0"/>
               <a:t> </a:t>
             </a:r>
             <a:r>
-              <a:rPr lang="en-US" altLang="zh-CN" sz="1800" dirty="0"/>
+              <a:rPr lang="en-US" altLang="zh-CN" dirty="0"/>
               <a:t>Events</a:t>
             </a:r>
-            <a:endParaRPr lang="en-US" sz="1800" dirty="0"/>
+            <a:endParaRPr lang="en-US" dirty="0"/>
           </a:p>
         </p:txBody>
       </p:sp>
@@ -42268,8 +42276,8 @@
         </p:nvCxnSpPr>
         <p:spPr>
           <a:xfrm flipV="1">
-            <a:off x="2716894" y="2739119"/>
-            <a:ext cx="0" cy="1004782"/>
+            <a:off x="2716895" y="2739119"/>
+            <a:ext cx="0" cy="1004783"/>
           </a:xfrm>
           <a:prstGeom prst="straightConnector1">
             <a:avLst/>
@@ -42310,7 +42318,7 @@
         </p:nvSpPr>
         <p:spPr>
           <a:xfrm>
-            <a:off x="3137779" y="3430628"/>
+            <a:off x="3137780" y="3430629"/>
             <a:ext cx="1922805" cy="276999"/>
           </a:xfrm>
           <a:prstGeom prst="rect">
@@ -42359,7 +42367,7 @@
         </p:nvSpPr>
         <p:spPr>
           <a:xfrm>
-            <a:off x="4954249" y="5881623"/>
+            <a:off x="4954250" y="5881623"/>
             <a:ext cx="1933833" cy="461665"/>
           </a:xfrm>
           <a:prstGeom prst="rect">
@@ -42456,13 +42464,13 @@
         </p:nvCxnSpPr>
         <p:spPr>
           <a:xfrm rot="16200000" flipV="1">
-            <a:off x="1939719" y="2214849"/>
-            <a:ext cx="972737" cy="86274"/>
+            <a:off x="1940990" y="2216119"/>
+            <a:ext cx="970199" cy="86277"/>
           </a:xfrm>
           <a:prstGeom prst="bentConnector4">
             <a:avLst>
-              <a:gd name="adj1" fmla="val 481"/>
-              <a:gd name="adj2" fmla="val 364970"/>
+              <a:gd name="adj1" fmla="val 43978"/>
+              <a:gd name="adj2" fmla="val 453279"/>
             </a:avLst>
           </a:prstGeom>
           <a:ln w="25400">
